--- a/_SLIDES/2020_DEEL2/H1-OOP/les4_properties.pptx
+++ b/_SLIDES/2020_DEEL2/H1-OOP/les4_properties.pptx
@@ -23,10 +23,10 @@
     <p:sldId id="1322" r:id="rId14"/>
     <p:sldId id="1323" r:id="rId15"/>
     <p:sldId id="1324" r:id="rId16"/>
-    <p:sldId id="1325" r:id="rId17"/>
-    <p:sldId id="1326" r:id="rId18"/>
-    <p:sldId id="1327" r:id="rId19"/>
-    <p:sldId id="1333" r:id="rId20"/>
+    <p:sldId id="2128" r:id="rId17"/>
+    <p:sldId id="1325" r:id="rId18"/>
+    <p:sldId id="1326" r:id="rId19"/>
+    <p:sldId id="1327" r:id="rId20"/>
     <p:sldId id="1334" r:id="rId21"/>
     <p:sldId id="1336" r:id="rId22"/>
     <p:sldId id="1337" r:id="rId23"/>
@@ -39,7 +39,7 @@
     <p:sldId id="2124" r:id="rId30"/>
     <p:sldId id="2126" r:id="rId31"/>
     <p:sldId id="2127" r:id="rId32"/>
-    <p:sldId id="2128" r:id="rId33"/>
+    <p:sldId id="1333" r:id="rId33"/>
   </p:sldIdLst>
   <p:sldSz cx="12192000" cy="6858000"/>
   <p:notesSz cx="6858000" cy="9144000"/>
@@ -228,7 +228,7 @@
           <a:p>
             <a:fld id="{03FE7910-5D98-43A6-A814-EBE8BA5715BD}" type="datetimeFigureOut">
               <a:rPr lang="nl-BE" smtClean="0"/>
-              <a:t>30/09/2020</a:t>
+              <a:t>18/01/2021</a:t>
             </a:fld>
             <a:endParaRPr lang="nl-BE"/>
           </a:p>
@@ -515,300 +515,6 @@
       </p:grpSpPr>
       <p:sp>
         <p:nvSpPr>
-          <p:cNvPr id="79874" name="Rectangle 7"/>
-          <p:cNvSpPr>
-            <a:spLocks noGrp="1" noChangeArrowheads="1"/>
-          </p:cNvSpPr>
-          <p:nvPr>
-            <p:ph type="sldNum" sz="quarter" idx="5"/>
-          </p:nvPr>
-        </p:nvSpPr>
-        <p:spPr>
-          <a:noFill/>
-          <a:ln/>
-          <a:extLst>
-            <a:ext uri="{909E8E84-426E-40DD-AFC4-6F175D3DCCD1}">
-              <a14:hiddenFill xmlns:a14="http://schemas.microsoft.com/office/drawing/2010/main">
-                <a:solidFill>
-                  <a:srgbClr val="FFFFFF"/>
-                </a:solidFill>
-              </a14:hiddenFill>
-            </a:ext>
-            <a:ext uri="{91240B29-F687-4F45-9708-019B960494DF}">
-              <a14:hiddenLine xmlns:a14="http://schemas.microsoft.com/office/drawing/2010/main" w="9525">
-                <a:solidFill>
-                  <a:srgbClr val="000000"/>
-                </a:solidFill>
-                <a:miter lim="800000"/>
-                <a:headEnd/>
-                <a:tailEnd/>
-              </a14:hiddenLine>
-            </a:ext>
-          </a:extLst>
-        </p:spPr>
-        <p:txBody>
-          <a:bodyPr/>
-          <a:lstStyle>
-            <a:lvl1pPr eaLnBrk="0" hangingPunct="0">
-              <a:defRPr sz="2100">
-                <a:solidFill>
-                  <a:srgbClr val="FFFFFF"/>
-                </a:solidFill>
-                <a:latin typeface="Times New Roman" pitchFamily="1" charset="0"/>
-              </a:defRPr>
-            </a:lvl1pPr>
-            <a:lvl2pPr marL="783589" indent="-301381" eaLnBrk="0" hangingPunct="0">
-              <a:defRPr sz="2100">
-                <a:solidFill>
-                  <a:srgbClr val="FFFFFF"/>
-                </a:solidFill>
-                <a:latin typeface="Times New Roman" pitchFamily="1" charset="0"/>
-              </a:defRPr>
-            </a:lvl2pPr>
-            <a:lvl3pPr marL="1205522" indent="-241104" eaLnBrk="0" hangingPunct="0">
-              <a:defRPr sz="2100">
-                <a:solidFill>
-                  <a:srgbClr val="FFFFFF"/>
-                </a:solidFill>
-                <a:latin typeface="Times New Roman" pitchFamily="1" charset="0"/>
-              </a:defRPr>
-            </a:lvl3pPr>
-            <a:lvl4pPr marL="1687731" indent="-241104" eaLnBrk="0" hangingPunct="0">
-              <a:defRPr sz="2100">
-                <a:solidFill>
-                  <a:srgbClr val="FFFFFF"/>
-                </a:solidFill>
-                <a:latin typeface="Times New Roman" pitchFamily="1" charset="0"/>
-              </a:defRPr>
-            </a:lvl4pPr>
-            <a:lvl5pPr marL="2169940" indent="-241104" eaLnBrk="0" hangingPunct="0">
-              <a:defRPr sz="2100">
-                <a:solidFill>
-                  <a:srgbClr val="FFFFFF"/>
-                </a:solidFill>
-                <a:latin typeface="Times New Roman" pitchFamily="1" charset="0"/>
-              </a:defRPr>
-            </a:lvl5pPr>
-            <a:lvl6pPr marL="2652149" indent="-241104" eaLnBrk="0" fontAlgn="base" hangingPunct="0">
-              <a:spcBef>
-                <a:spcPct val="0"/>
-              </a:spcBef>
-              <a:spcAft>
-                <a:spcPct val="0"/>
-              </a:spcAft>
-              <a:defRPr sz="2100">
-                <a:solidFill>
-                  <a:srgbClr val="FFFFFF"/>
-                </a:solidFill>
-                <a:latin typeface="Times New Roman" pitchFamily="1" charset="0"/>
-              </a:defRPr>
-            </a:lvl6pPr>
-            <a:lvl7pPr marL="3134357" indent="-241104" eaLnBrk="0" fontAlgn="base" hangingPunct="0">
-              <a:spcBef>
-                <a:spcPct val="0"/>
-              </a:spcBef>
-              <a:spcAft>
-                <a:spcPct val="0"/>
-              </a:spcAft>
-              <a:defRPr sz="2100">
-                <a:solidFill>
-                  <a:srgbClr val="FFFFFF"/>
-                </a:solidFill>
-                <a:latin typeface="Times New Roman" pitchFamily="1" charset="0"/>
-              </a:defRPr>
-            </a:lvl7pPr>
-            <a:lvl8pPr marL="3616566" indent="-241104" eaLnBrk="0" fontAlgn="base" hangingPunct="0">
-              <a:spcBef>
-                <a:spcPct val="0"/>
-              </a:spcBef>
-              <a:spcAft>
-                <a:spcPct val="0"/>
-              </a:spcAft>
-              <a:defRPr sz="2100">
-                <a:solidFill>
-                  <a:srgbClr val="FFFFFF"/>
-                </a:solidFill>
-                <a:latin typeface="Times New Roman" pitchFamily="1" charset="0"/>
-              </a:defRPr>
-            </a:lvl8pPr>
-            <a:lvl9pPr marL="4098775" indent="-241104" eaLnBrk="0" fontAlgn="base" hangingPunct="0">
-              <a:spcBef>
-                <a:spcPct val="0"/>
-              </a:spcBef>
-              <a:spcAft>
-                <a:spcPct val="0"/>
-              </a:spcAft>
-              <a:defRPr sz="2100">
-                <a:solidFill>
-                  <a:srgbClr val="FFFFFF"/>
-                </a:solidFill>
-                <a:latin typeface="Times New Roman" pitchFamily="1" charset="0"/>
-              </a:defRPr>
-            </a:lvl9pPr>
-          </a:lstStyle>
-          <a:p>
-            <a:pPr marL="0" marR="0" lvl="0" indent="0" algn="r" defTabSz="914400" rtl="0" eaLnBrk="1" fontAlgn="base" latinLnBrk="0" hangingPunct="1">
-              <a:lnSpc>
-                <a:spcPct val="100000"/>
-              </a:lnSpc>
-              <a:spcBef>
-                <a:spcPct val="0"/>
-              </a:spcBef>
-              <a:spcAft>
-                <a:spcPct val="0"/>
-              </a:spcAft>
-              <a:buClrTx/>
-              <a:buSzTx/>
-              <a:buFontTx/>
-              <a:buNone/>
-              <a:tabLst/>
-              <a:defRPr/>
-            </a:pPr>
-            <a:fld id="{2BED4717-68C2-46C6-B9B8-6804F453B11D}" type="slidenum">
-              <a:rPr kumimoji="0" lang="en-US" sz="1300" b="0" i="0" u="none" strike="noStrike" kern="1200" cap="none" spc="0" normalizeH="0" baseline="0" noProof="0">
-                <a:ln>
-                  <a:noFill/>
-                </a:ln>
-                <a:solidFill>
-                  <a:srgbClr val="000000"/>
-                </a:solidFill>
-                <a:effectLst/>
-                <a:uLnTx/>
-                <a:uFillTx/>
-                <a:latin typeface="Times New Roman" pitchFamily="1" charset="0"/>
-                <a:ea typeface="+mn-ea"/>
-                <a:cs typeface="+mn-cs"/>
-              </a:rPr>
-              <a:pPr marL="0" marR="0" lvl="0" indent="0" algn="r" defTabSz="914400" rtl="0" eaLnBrk="1" fontAlgn="base" latinLnBrk="0" hangingPunct="1">
-                <a:lnSpc>
-                  <a:spcPct val="100000"/>
-                </a:lnSpc>
-                <a:spcBef>
-                  <a:spcPct val="0"/>
-                </a:spcBef>
-                <a:spcAft>
-                  <a:spcPct val="0"/>
-                </a:spcAft>
-                <a:buClrTx/>
-                <a:buSzTx/>
-                <a:buFontTx/>
-                <a:buNone/>
-                <a:tabLst/>
-                <a:defRPr/>
-              </a:pPr>
-              <a:t>18</a:t>
-            </a:fld>
-            <a:endParaRPr kumimoji="0" lang="en-US" sz="1300" b="0" i="0" u="none" strike="noStrike" kern="1200" cap="none" spc="0" normalizeH="0" baseline="0" noProof="0">
-              <a:ln>
-                <a:noFill/>
-              </a:ln>
-              <a:solidFill>
-                <a:srgbClr val="000000"/>
-              </a:solidFill>
-              <a:effectLst/>
-              <a:uLnTx/>
-              <a:uFillTx/>
-              <a:latin typeface="Times New Roman" pitchFamily="1" charset="0"/>
-              <a:ea typeface="+mn-ea"/>
-              <a:cs typeface="+mn-cs"/>
-            </a:endParaRPr>
-          </a:p>
-        </p:txBody>
-      </p:sp>
-      <p:sp>
-        <p:nvSpPr>
-          <p:cNvPr id="79875" name="Rectangle 2"/>
-          <p:cNvSpPr>
-            <a:spLocks noGrp="1" noRot="1" noChangeAspect="1" noChangeArrowheads="1" noTextEdit="1"/>
-          </p:cNvSpPr>
-          <p:nvPr>
-            <p:ph type="sldImg"/>
-          </p:nvPr>
-        </p:nvSpPr>
-        <p:spPr>
-          <a:xfrm>
-            <a:off x="111125" y="749300"/>
-            <a:ext cx="6661150" cy="3748088"/>
-          </a:xfrm>
-          <a:ln/>
-        </p:spPr>
-      </p:sp>
-      <p:sp>
-        <p:nvSpPr>
-          <p:cNvPr id="79876" name="Rectangle 3"/>
-          <p:cNvSpPr>
-            <a:spLocks noGrp="1" noChangeArrowheads="1"/>
-          </p:cNvSpPr>
-          <p:nvPr>
-            <p:ph type="body" idx="1"/>
-          </p:nvPr>
-        </p:nvSpPr>
-        <p:spPr>
-          <a:noFill/>
-          <a:ln/>
-          <a:extLst>
-            <a:ext uri="{909E8E84-426E-40DD-AFC4-6F175D3DCCD1}">
-              <a14:hiddenFill xmlns:a14="http://schemas.microsoft.com/office/drawing/2010/main">
-                <a:solidFill>
-                  <a:srgbClr val="FFFFFF"/>
-                </a:solidFill>
-              </a14:hiddenFill>
-            </a:ext>
-            <a:ext uri="{91240B29-F687-4F45-9708-019B960494DF}">
-              <a14:hiddenLine xmlns:a14="http://schemas.microsoft.com/office/drawing/2010/main" w="9525">
-                <a:solidFill>
-                  <a:srgbClr val="000000"/>
-                </a:solidFill>
-                <a:miter lim="800000"/>
-                <a:headEnd/>
-                <a:tailEnd/>
-              </a14:hiddenLine>
-            </a:ext>
-          </a:extLst>
-        </p:spPr>
-        <p:txBody>
-          <a:bodyPr/>
-          <a:lstStyle/>
-          <a:p>
-            <a:pPr eaLnBrk="1" hangingPunct="1"/>
-            <a:endParaRPr lang="en-CA">
-              <a:latin typeface="Times New Roman" pitchFamily="1" charset="0"/>
-            </a:endParaRPr>
-          </a:p>
-        </p:txBody>
-      </p:sp>
-    </p:spTree>
-    <p:extLst>
-      <p:ext uri="{BB962C8B-B14F-4D97-AF65-F5344CB8AC3E}">
-        <p14:creationId xmlns:p14="http://schemas.microsoft.com/office/powerpoint/2010/main" val="3927607277"/>
-      </p:ext>
-    </p:extLst>
-  </p:cSld>
-  <p:clrMapOvr>
-    <a:masterClrMapping/>
-  </p:clrMapOvr>
-</p:notes>
-</file>
-
-<file path=ppt/notesSlides/notesSlide2.xml><?xml version="1.0" encoding="utf-8"?>
-<p:notes xmlns:a="http://schemas.openxmlformats.org/drawingml/2006/main" xmlns:r="http://schemas.openxmlformats.org/officeDocument/2006/relationships" xmlns:p="http://schemas.openxmlformats.org/presentationml/2006/main">
-  <p:cSld>
-    <p:spTree>
-      <p:nvGrpSpPr>
-        <p:cNvPr id="1" name=""/>
-        <p:cNvGrpSpPr/>
-        <p:nvPr/>
-      </p:nvGrpSpPr>
-      <p:grpSpPr>
-        <a:xfrm>
-          <a:off x="0" y="0"/>
-          <a:ext cx="0" cy="0"/>
-          <a:chOff x="0" y="0"/>
-          <a:chExt cx="0" cy="0"/>
-        </a:xfrm>
-      </p:grpSpPr>
-      <p:sp>
-        <p:nvSpPr>
           <p:cNvPr id="80898" name="Rectangle 7"/>
           <p:cNvSpPr>
             <a:spLocks noGrp="1" noChangeArrowheads="1"/>
@@ -1084,7 +790,7 @@
 </p:notes>
 </file>
 
-<file path=ppt/notesSlides/notesSlide3.xml><?xml version="1.0" encoding="utf-8"?>
+<file path=ppt/notesSlides/notesSlide2.xml><?xml version="1.0" encoding="utf-8"?>
 <p:notes xmlns:a="http://schemas.openxmlformats.org/drawingml/2006/main" xmlns:r="http://schemas.openxmlformats.org/officeDocument/2006/relationships" xmlns:p="http://schemas.openxmlformats.org/presentationml/2006/main">
   <p:cSld>
     <p:spTree>
@@ -1378,7 +1084,7 @@
 </p:notes>
 </file>
 
-<file path=ppt/notesSlides/notesSlide4.xml><?xml version="1.0" encoding="utf-8"?>
+<file path=ppt/notesSlides/notesSlide3.xml><?xml version="1.0" encoding="utf-8"?>
 <p:notes xmlns:a="http://schemas.openxmlformats.org/drawingml/2006/main" xmlns:r="http://schemas.openxmlformats.org/officeDocument/2006/relationships" xmlns:p="http://schemas.openxmlformats.org/presentationml/2006/main">
   <p:cSld>
     <p:spTree>
@@ -1663,6 +1369,300 @@
     <p:extLst>
       <p:ext uri="{BB962C8B-B14F-4D97-AF65-F5344CB8AC3E}">
         <p14:creationId xmlns:p14="http://schemas.microsoft.com/office/powerpoint/2010/main" val="563694335"/>
+      </p:ext>
+    </p:extLst>
+  </p:cSld>
+  <p:clrMapOvr>
+    <a:masterClrMapping/>
+  </p:clrMapOvr>
+</p:notes>
+</file>
+
+<file path=ppt/notesSlides/notesSlide4.xml><?xml version="1.0" encoding="utf-8"?>
+<p:notes xmlns:a="http://schemas.openxmlformats.org/drawingml/2006/main" xmlns:r="http://schemas.openxmlformats.org/officeDocument/2006/relationships" xmlns:p="http://schemas.openxmlformats.org/presentationml/2006/main">
+  <p:cSld>
+    <p:spTree>
+      <p:nvGrpSpPr>
+        <p:cNvPr id="1" name=""/>
+        <p:cNvGrpSpPr/>
+        <p:nvPr/>
+      </p:nvGrpSpPr>
+      <p:grpSpPr>
+        <a:xfrm>
+          <a:off x="0" y="0"/>
+          <a:ext cx="0" cy="0"/>
+          <a:chOff x="0" y="0"/>
+          <a:chExt cx="0" cy="0"/>
+        </a:xfrm>
+      </p:grpSpPr>
+      <p:sp>
+        <p:nvSpPr>
+          <p:cNvPr id="79874" name="Rectangle 7"/>
+          <p:cNvSpPr>
+            <a:spLocks noGrp="1" noChangeArrowheads="1"/>
+          </p:cNvSpPr>
+          <p:nvPr>
+            <p:ph type="sldNum" sz="quarter" idx="5"/>
+          </p:nvPr>
+        </p:nvSpPr>
+        <p:spPr>
+          <a:noFill/>
+          <a:ln/>
+          <a:extLst>
+            <a:ext uri="{909E8E84-426E-40DD-AFC4-6F175D3DCCD1}">
+              <a14:hiddenFill xmlns:a14="http://schemas.microsoft.com/office/drawing/2010/main">
+                <a:solidFill>
+                  <a:srgbClr val="FFFFFF"/>
+                </a:solidFill>
+              </a14:hiddenFill>
+            </a:ext>
+            <a:ext uri="{91240B29-F687-4F45-9708-019B960494DF}">
+              <a14:hiddenLine xmlns:a14="http://schemas.microsoft.com/office/drawing/2010/main" w="9525">
+                <a:solidFill>
+                  <a:srgbClr val="000000"/>
+                </a:solidFill>
+                <a:miter lim="800000"/>
+                <a:headEnd/>
+                <a:tailEnd/>
+              </a14:hiddenLine>
+            </a:ext>
+          </a:extLst>
+        </p:spPr>
+        <p:txBody>
+          <a:bodyPr/>
+          <a:lstStyle>
+            <a:lvl1pPr eaLnBrk="0" hangingPunct="0">
+              <a:defRPr sz="2100">
+                <a:solidFill>
+                  <a:srgbClr val="FFFFFF"/>
+                </a:solidFill>
+                <a:latin typeface="Times New Roman" pitchFamily="1" charset="0"/>
+              </a:defRPr>
+            </a:lvl1pPr>
+            <a:lvl2pPr marL="783589" indent="-301381" eaLnBrk="0" hangingPunct="0">
+              <a:defRPr sz="2100">
+                <a:solidFill>
+                  <a:srgbClr val="FFFFFF"/>
+                </a:solidFill>
+                <a:latin typeface="Times New Roman" pitchFamily="1" charset="0"/>
+              </a:defRPr>
+            </a:lvl2pPr>
+            <a:lvl3pPr marL="1205522" indent="-241104" eaLnBrk="0" hangingPunct="0">
+              <a:defRPr sz="2100">
+                <a:solidFill>
+                  <a:srgbClr val="FFFFFF"/>
+                </a:solidFill>
+                <a:latin typeface="Times New Roman" pitchFamily="1" charset="0"/>
+              </a:defRPr>
+            </a:lvl3pPr>
+            <a:lvl4pPr marL="1687731" indent="-241104" eaLnBrk="0" hangingPunct="0">
+              <a:defRPr sz="2100">
+                <a:solidFill>
+                  <a:srgbClr val="FFFFFF"/>
+                </a:solidFill>
+                <a:latin typeface="Times New Roman" pitchFamily="1" charset="0"/>
+              </a:defRPr>
+            </a:lvl4pPr>
+            <a:lvl5pPr marL="2169940" indent="-241104" eaLnBrk="0" hangingPunct="0">
+              <a:defRPr sz="2100">
+                <a:solidFill>
+                  <a:srgbClr val="FFFFFF"/>
+                </a:solidFill>
+                <a:latin typeface="Times New Roman" pitchFamily="1" charset="0"/>
+              </a:defRPr>
+            </a:lvl5pPr>
+            <a:lvl6pPr marL="2652149" indent="-241104" eaLnBrk="0" fontAlgn="base" hangingPunct="0">
+              <a:spcBef>
+                <a:spcPct val="0"/>
+              </a:spcBef>
+              <a:spcAft>
+                <a:spcPct val="0"/>
+              </a:spcAft>
+              <a:defRPr sz="2100">
+                <a:solidFill>
+                  <a:srgbClr val="FFFFFF"/>
+                </a:solidFill>
+                <a:latin typeface="Times New Roman" pitchFamily="1" charset="0"/>
+              </a:defRPr>
+            </a:lvl6pPr>
+            <a:lvl7pPr marL="3134357" indent="-241104" eaLnBrk="0" fontAlgn="base" hangingPunct="0">
+              <a:spcBef>
+                <a:spcPct val="0"/>
+              </a:spcBef>
+              <a:spcAft>
+                <a:spcPct val="0"/>
+              </a:spcAft>
+              <a:defRPr sz="2100">
+                <a:solidFill>
+                  <a:srgbClr val="FFFFFF"/>
+                </a:solidFill>
+                <a:latin typeface="Times New Roman" pitchFamily="1" charset="0"/>
+              </a:defRPr>
+            </a:lvl7pPr>
+            <a:lvl8pPr marL="3616566" indent="-241104" eaLnBrk="0" fontAlgn="base" hangingPunct="0">
+              <a:spcBef>
+                <a:spcPct val="0"/>
+              </a:spcBef>
+              <a:spcAft>
+                <a:spcPct val="0"/>
+              </a:spcAft>
+              <a:defRPr sz="2100">
+                <a:solidFill>
+                  <a:srgbClr val="FFFFFF"/>
+                </a:solidFill>
+                <a:latin typeface="Times New Roman" pitchFamily="1" charset="0"/>
+              </a:defRPr>
+            </a:lvl8pPr>
+            <a:lvl9pPr marL="4098775" indent="-241104" eaLnBrk="0" fontAlgn="base" hangingPunct="0">
+              <a:spcBef>
+                <a:spcPct val="0"/>
+              </a:spcBef>
+              <a:spcAft>
+                <a:spcPct val="0"/>
+              </a:spcAft>
+              <a:defRPr sz="2100">
+                <a:solidFill>
+                  <a:srgbClr val="FFFFFF"/>
+                </a:solidFill>
+                <a:latin typeface="Times New Roman" pitchFamily="1" charset="0"/>
+              </a:defRPr>
+            </a:lvl9pPr>
+          </a:lstStyle>
+          <a:p>
+            <a:pPr marL="0" marR="0" lvl="0" indent="0" algn="r" defTabSz="914400" rtl="0" eaLnBrk="1" fontAlgn="base" latinLnBrk="0" hangingPunct="1">
+              <a:lnSpc>
+                <a:spcPct val="100000"/>
+              </a:lnSpc>
+              <a:spcBef>
+                <a:spcPct val="0"/>
+              </a:spcBef>
+              <a:spcAft>
+                <a:spcPct val="0"/>
+              </a:spcAft>
+              <a:buClrTx/>
+              <a:buSzTx/>
+              <a:buFontTx/>
+              <a:buNone/>
+              <a:tabLst/>
+              <a:defRPr/>
+            </a:pPr>
+            <a:fld id="{2BED4717-68C2-46C6-B9B8-6804F453B11D}" type="slidenum">
+              <a:rPr kumimoji="0" lang="en-US" sz="1300" b="0" i="0" u="none" strike="noStrike" kern="1200" cap="none" spc="0" normalizeH="0" baseline="0" noProof="0">
+                <a:ln>
+                  <a:noFill/>
+                </a:ln>
+                <a:solidFill>
+                  <a:srgbClr val="000000"/>
+                </a:solidFill>
+                <a:effectLst/>
+                <a:uLnTx/>
+                <a:uFillTx/>
+                <a:latin typeface="Times New Roman" pitchFamily="1" charset="0"/>
+                <a:ea typeface="+mn-ea"/>
+                <a:cs typeface="+mn-cs"/>
+              </a:rPr>
+              <a:pPr marL="0" marR="0" lvl="0" indent="0" algn="r" defTabSz="914400" rtl="0" eaLnBrk="1" fontAlgn="base" latinLnBrk="0" hangingPunct="1">
+                <a:lnSpc>
+                  <a:spcPct val="100000"/>
+                </a:lnSpc>
+                <a:spcBef>
+                  <a:spcPct val="0"/>
+                </a:spcBef>
+                <a:spcAft>
+                  <a:spcPct val="0"/>
+                </a:spcAft>
+                <a:buClrTx/>
+                <a:buSzTx/>
+                <a:buFontTx/>
+                <a:buNone/>
+                <a:tabLst/>
+                <a:defRPr/>
+              </a:pPr>
+              <a:t>31</a:t>
+            </a:fld>
+            <a:endParaRPr kumimoji="0" lang="en-US" sz="1300" b="0" i="0" u="none" strike="noStrike" kern="1200" cap="none" spc="0" normalizeH="0" baseline="0" noProof="0">
+              <a:ln>
+                <a:noFill/>
+              </a:ln>
+              <a:solidFill>
+                <a:srgbClr val="000000"/>
+              </a:solidFill>
+              <a:effectLst/>
+              <a:uLnTx/>
+              <a:uFillTx/>
+              <a:latin typeface="Times New Roman" pitchFamily="1" charset="0"/>
+              <a:ea typeface="+mn-ea"/>
+              <a:cs typeface="+mn-cs"/>
+            </a:endParaRPr>
+          </a:p>
+        </p:txBody>
+      </p:sp>
+      <p:sp>
+        <p:nvSpPr>
+          <p:cNvPr id="79875" name="Rectangle 2"/>
+          <p:cNvSpPr>
+            <a:spLocks noGrp="1" noRot="1" noChangeAspect="1" noChangeArrowheads="1" noTextEdit="1"/>
+          </p:cNvSpPr>
+          <p:nvPr>
+            <p:ph type="sldImg"/>
+          </p:nvPr>
+        </p:nvSpPr>
+        <p:spPr>
+          <a:xfrm>
+            <a:off x="111125" y="749300"/>
+            <a:ext cx="6661150" cy="3748088"/>
+          </a:xfrm>
+          <a:ln/>
+        </p:spPr>
+      </p:sp>
+      <p:sp>
+        <p:nvSpPr>
+          <p:cNvPr id="79876" name="Rectangle 3"/>
+          <p:cNvSpPr>
+            <a:spLocks noGrp="1" noChangeArrowheads="1"/>
+          </p:cNvSpPr>
+          <p:nvPr>
+            <p:ph type="body" idx="1"/>
+          </p:nvPr>
+        </p:nvSpPr>
+        <p:spPr>
+          <a:noFill/>
+          <a:ln/>
+          <a:extLst>
+            <a:ext uri="{909E8E84-426E-40DD-AFC4-6F175D3DCCD1}">
+              <a14:hiddenFill xmlns:a14="http://schemas.microsoft.com/office/drawing/2010/main">
+                <a:solidFill>
+                  <a:srgbClr val="FFFFFF"/>
+                </a:solidFill>
+              </a14:hiddenFill>
+            </a:ext>
+            <a:ext uri="{91240B29-F687-4F45-9708-019B960494DF}">
+              <a14:hiddenLine xmlns:a14="http://schemas.microsoft.com/office/drawing/2010/main" w="9525">
+                <a:solidFill>
+                  <a:srgbClr val="000000"/>
+                </a:solidFill>
+                <a:miter lim="800000"/>
+                <a:headEnd/>
+                <a:tailEnd/>
+              </a14:hiddenLine>
+            </a:ext>
+          </a:extLst>
+        </p:spPr>
+        <p:txBody>
+          <a:bodyPr/>
+          <a:lstStyle/>
+          <a:p>
+            <a:pPr eaLnBrk="1" hangingPunct="1"/>
+            <a:endParaRPr lang="en-CA">
+              <a:latin typeface="Times New Roman" pitchFamily="1" charset="0"/>
+            </a:endParaRPr>
+          </a:p>
+        </p:txBody>
+      </p:sp>
+    </p:spTree>
+    <p:extLst>
+      <p:ext uri="{BB962C8B-B14F-4D97-AF65-F5344CB8AC3E}">
+        <p14:creationId xmlns:p14="http://schemas.microsoft.com/office/powerpoint/2010/main" val="3786488763"/>
       </p:ext>
     </p:extLst>
   </p:cSld>
@@ -1821,7 +1821,7 @@
           <a:p>
             <a:fld id="{7856D189-9D44-4420-AD6C-CB7FB60E6B34}" type="datetimeFigureOut">
               <a:rPr lang="nl-BE" smtClean="0"/>
-              <a:t>30/09/2020</a:t>
+              <a:t>18/01/2021</a:t>
             </a:fld>
             <a:endParaRPr lang="nl-BE"/>
           </a:p>
@@ -2021,7 +2021,7 @@
           <a:p>
             <a:fld id="{7856D189-9D44-4420-AD6C-CB7FB60E6B34}" type="datetimeFigureOut">
               <a:rPr lang="nl-BE" smtClean="0"/>
-              <a:t>30/09/2020</a:t>
+              <a:t>18/01/2021</a:t>
             </a:fld>
             <a:endParaRPr lang="nl-BE"/>
           </a:p>
@@ -2231,7 +2231,7 @@
           <a:p>
             <a:fld id="{7856D189-9D44-4420-AD6C-CB7FB60E6B34}" type="datetimeFigureOut">
               <a:rPr lang="nl-BE" smtClean="0"/>
-              <a:t>30/09/2020</a:t>
+              <a:t>18/01/2021</a:t>
             </a:fld>
             <a:endParaRPr lang="nl-BE"/>
           </a:p>
@@ -2559,7 +2559,7 @@
           <a:p>
             <a:fld id="{54CFD280-CB3F-487B-80AE-61EB67CC80CF}" type="datetime1">
               <a:rPr lang="nl-BE" smtClean="0"/>
-              <a:t>30/09/2020</a:t>
+              <a:t>18/01/2021</a:t>
             </a:fld>
             <a:endParaRPr lang="nl-BE"/>
           </a:p>
@@ -2861,7 +2861,7 @@
           <a:p>
             <a:fld id="{5113417C-812E-4E27-8943-E4436E84D50F}" type="datetime1">
               <a:rPr lang="nl-BE" smtClean="0"/>
-              <a:t>30/09/2020</a:t>
+              <a:t>18/01/2021</a:t>
             </a:fld>
             <a:endParaRPr lang="nl-BE"/>
           </a:p>
@@ -3151,7 +3151,7 @@
           <a:p>
             <a:fld id="{487910A8-72E9-433C-B59C-C665F6CEFB2E}" type="datetime1">
               <a:rPr lang="nl-BE" smtClean="0"/>
-              <a:t>30/09/2020</a:t>
+              <a:t>18/01/2021</a:t>
             </a:fld>
             <a:endParaRPr lang="nl-BE"/>
           </a:p>
@@ -3432,7 +3432,7 @@
           <a:p>
             <a:fld id="{14AAD69E-CA5C-4751-93BB-A820C0373975}" type="datetime1">
               <a:rPr lang="nl-BE" smtClean="0"/>
-              <a:t>30/09/2020</a:t>
+              <a:t>18/01/2021</a:t>
             </a:fld>
             <a:endParaRPr lang="nl-BE"/>
           </a:p>
@@ -3860,7 +3860,7 @@
           <a:p>
             <a:fld id="{C03BC932-8EF9-4F7F-8877-91DA7FC71D8F}" type="datetime1">
               <a:rPr lang="nl-BE" smtClean="0"/>
-              <a:t>30/09/2020</a:t>
+              <a:t>18/01/2021</a:t>
             </a:fld>
             <a:endParaRPr lang="nl-BE"/>
           </a:p>
@@ -4015,7 +4015,7 @@
           <a:p>
             <a:fld id="{45B4CF39-1926-41B8-8D11-2C4AC255B357}" type="datetime1">
               <a:rPr lang="nl-BE" smtClean="0"/>
-              <a:t>30/09/2020</a:t>
+              <a:t>18/01/2021</a:t>
             </a:fld>
             <a:endParaRPr lang="nl-BE"/>
           </a:p>
@@ -4141,7 +4141,7 @@
           <a:p>
             <a:fld id="{19B6AF86-9A70-4033-BABD-9B9397A53391}" type="datetime1">
               <a:rPr lang="nl-BE" smtClean="0"/>
-              <a:t>30/09/2020</a:t>
+              <a:t>18/01/2021</a:t>
             </a:fld>
             <a:endParaRPr lang="nl-BE"/>
           </a:p>
@@ -4467,7 +4467,7 @@
           <a:p>
             <a:fld id="{F855FD02-4CE9-4F02-BE49-0FE28C7B78E7}" type="datetime1">
               <a:rPr lang="nl-BE" smtClean="0"/>
-              <a:t>30/09/2020</a:t>
+              <a:t>18/01/2021</a:t>
             </a:fld>
             <a:endParaRPr lang="nl-BE"/>
           </a:p>
@@ -4680,7 +4680,7 @@
           <a:p>
             <a:fld id="{7856D189-9D44-4420-AD6C-CB7FB60E6B34}" type="datetimeFigureOut">
               <a:rPr lang="nl-BE" smtClean="0"/>
-              <a:t>30/09/2020</a:t>
+              <a:t>18/01/2021</a:t>
             </a:fld>
             <a:endParaRPr lang="nl-BE"/>
           </a:p>
@@ -4973,7 +4973,7 @@
           <a:p>
             <a:fld id="{219C2956-F7E5-4CEA-8295-5F2E0D5DAAD0}" type="datetime1">
               <a:rPr lang="nl-BE" smtClean="0"/>
-              <a:t>30/09/2020</a:t>
+              <a:t>18/01/2021</a:t>
             </a:fld>
             <a:endParaRPr lang="nl-BE"/>
           </a:p>
@@ -5186,7 +5186,7 @@
           <a:p>
             <a:fld id="{A931F582-4F46-4A6C-AA7A-3C8C97F34BB7}" type="datetime1">
               <a:rPr lang="nl-BE" smtClean="0"/>
-              <a:t>30/09/2020</a:t>
+              <a:t>18/01/2021</a:t>
             </a:fld>
             <a:endParaRPr lang="nl-BE"/>
           </a:p>
@@ -5409,7 +5409,7 @@
           <a:p>
             <a:fld id="{6B338E43-F9A7-450F-BD92-C6DEAFCF7296}" type="datetime1">
               <a:rPr lang="nl-BE" smtClean="0"/>
-              <a:t>30/09/2020</a:t>
+              <a:t>18/01/2021</a:t>
             </a:fld>
             <a:endParaRPr lang="nl-BE"/>
           </a:p>
@@ -5729,7 +5729,7 @@
           <a:p>
             <a:fld id="{7856D189-9D44-4420-AD6C-CB7FB60E6B34}" type="datetimeFigureOut">
               <a:rPr lang="nl-BE" smtClean="0"/>
-              <a:t>30/09/2020</a:t>
+              <a:t>18/01/2021</a:t>
             </a:fld>
             <a:endParaRPr lang="nl-BE"/>
           </a:p>
@@ -5997,7 +5997,7 @@
           <a:p>
             <a:fld id="{7856D189-9D44-4420-AD6C-CB7FB60E6B34}" type="datetimeFigureOut">
               <a:rPr lang="nl-BE" smtClean="0"/>
-              <a:t>30/09/2020</a:t>
+              <a:t>18/01/2021</a:t>
             </a:fld>
             <a:endParaRPr lang="nl-BE"/>
           </a:p>
@@ -6412,7 +6412,7 @@
           <a:p>
             <a:fld id="{7856D189-9D44-4420-AD6C-CB7FB60E6B34}" type="datetimeFigureOut">
               <a:rPr lang="nl-BE" smtClean="0"/>
-              <a:t>30/09/2020</a:t>
+              <a:t>18/01/2021</a:t>
             </a:fld>
             <a:endParaRPr lang="nl-BE"/>
           </a:p>
@@ -6554,7 +6554,7 @@
           <a:p>
             <a:fld id="{7856D189-9D44-4420-AD6C-CB7FB60E6B34}" type="datetimeFigureOut">
               <a:rPr lang="nl-BE" smtClean="0"/>
-              <a:t>30/09/2020</a:t>
+              <a:t>18/01/2021</a:t>
             </a:fld>
             <a:endParaRPr lang="nl-BE"/>
           </a:p>
@@ -6667,7 +6667,7 @@
           <a:p>
             <a:fld id="{7856D189-9D44-4420-AD6C-CB7FB60E6B34}" type="datetimeFigureOut">
               <a:rPr lang="nl-BE" smtClean="0"/>
-              <a:t>30/09/2020</a:t>
+              <a:t>18/01/2021</a:t>
             </a:fld>
             <a:endParaRPr lang="nl-BE"/>
           </a:p>
@@ -6980,7 +6980,7 @@
           <a:p>
             <a:fld id="{7856D189-9D44-4420-AD6C-CB7FB60E6B34}" type="datetimeFigureOut">
               <a:rPr lang="nl-BE" smtClean="0"/>
-              <a:t>30/09/2020</a:t>
+              <a:t>18/01/2021</a:t>
             </a:fld>
             <a:endParaRPr lang="nl-BE"/>
           </a:p>
@@ -7269,7 +7269,7 @@
           <a:p>
             <a:fld id="{7856D189-9D44-4420-AD6C-CB7FB60E6B34}" type="datetimeFigureOut">
               <a:rPr lang="nl-BE" smtClean="0"/>
-              <a:t>30/09/2020</a:t>
+              <a:t>18/01/2021</a:t>
             </a:fld>
             <a:endParaRPr lang="nl-BE"/>
           </a:p>
@@ -7512,7 +7512,7 @@
           <a:p>
             <a:fld id="{7856D189-9D44-4420-AD6C-CB7FB60E6B34}" type="datetimeFigureOut">
               <a:rPr lang="nl-BE" smtClean="0"/>
-              <a:t>30/09/2020</a:t>
+              <a:t>18/01/2021</a:t>
             </a:fld>
             <a:endParaRPr lang="nl-BE"/>
           </a:p>
@@ -8082,7 +8082,7 @@
           <a:p>
             <a:fld id="{7856D189-9D44-4420-AD6C-CB7FB60E6B34}" type="datetimeFigureOut">
               <a:rPr lang="nl-BE" smtClean="0"/>
-              <a:t>30/09/2020</a:t>
+              <a:t>18/01/2021</a:t>
             </a:fld>
             <a:endParaRPr lang="nl-BE"/>
           </a:p>
@@ -8178,42 +8178,6 @@
           </a:p>
         </p:txBody>
       </p:sp>
-      <p:pic>
-        <p:nvPicPr>
-          <p:cNvPr id="8" name="Afbeelding 7">
-            <a:extLst>
-              <a:ext uri="{FF2B5EF4-FFF2-40B4-BE49-F238E27FC236}">
-                <a16:creationId xmlns:a16="http://schemas.microsoft.com/office/drawing/2014/main" id="{68D9A7F4-42E3-4B0A-82BD-605C2DE65CFF}"/>
-              </a:ext>
-            </a:extLst>
-          </p:cNvPr>
-          <p:cNvPicPr>
-            <a:picLocks noChangeAspect="1"/>
-          </p:cNvPicPr>
-          <p:nvPr/>
-        </p:nvPicPr>
-        <p:blipFill>
-          <a:blip r:embed="rId14">
-            <a:extLst>
-              <a:ext uri="{28A0092B-C50C-407E-A947-70E740481C1C}">
-                <a14:useLocalDpi xmlns:a14="http://schemas.microsoft.com/office/drawing/2010/main" val="0"/>
-              </a:ext>
-            </a:extLst>
-          </a:blip>
-          <a:stretch>
-            <a:fillRect/>
-          </a:stretch>
-        </p:blipFill>
-        <p:spPr>
-          <a:xfrm>
-            <a:off x="11457487" y="0"/>
-            <a:ext cx="513792" cy="512965"/>
-          </a:xfrm>
-          <a:prstGeom prst="rect">
-            <a:avLst/>
-          </a:prstGeom>
-        </p:spPr>
-      </p:pic>
       <p:pic>
         <p:nvPicPr>
           <p:cNvPr id="1026" name="Picture 2" descr="Huisstijl | AP Hogeschool">
@@ -8229,7 +8193,7 @@
           <p:nvPr/>
         </p:nvPicPr>
         <p:blipFill>
-          <a:blip r:embed="rId15">
+          <a:blip r:embed="rId14">
             <a:extLst>
               <a:ext uri="{28A0092B-C50C-407E-A947-70E740481C1C}">
                 <a14:useLocalDpi xmlns:a14="http://schemas.microsoft.com/office/drawing/2010/main" val="0"/>
@@ -8259,6 +8223,47 @@
               </a14:hiddenFill>
             </a:ext>
           </a:extLst>
+        </p:spPr>
+      </p:pic>
+      <p:pic>
+        <p:nvPicPr>
+          <p:cNvPr id="9" name="Afbeelding 8">
+            <a:extLst>
+              <a:ext uri="{FF2B5EF4-FFF2-40B4-BE49-F238E27FC236}">
+                <a16:creationId xmlns:a16="http://schemas.microsoft.com/office/drawing/2014/main" id="{2BE194BD-580E-4A84-B4D3-6B79E540C13C}"/>
+              </a:ext>
+            </a:extLst>
+          </p:cNvPr>
+          <p:cNvPicPr>
+            <a:picLocks noChangeAspect="1"/>
+          </p:cNvPicPr>
+          <p:nvPr userDrawn="1"/>
+        </p:nvPicPr>
+        <p:blipFill>
+          <a:blip r:embed="rId15">
+            <a:clrChange>
+              <a:clrFrom>
+                <a:srgbClr val="E6E6E6"/>
+              </a:clrFrom>
+              <a:clrTo>
+                <a:srgbClr val="E6E6E6">
+                  <a:alpha val="0"/>
+                </a:srgbClr>
+              </a:clrTo>
+            </a:clrChange>
+          </a:blip>
+          <a:stretch>
+            <a:fillRect/>
+          </a:stretch>
+        </p:blipFill>
+        <p:spPr>
+          <a:xfrm>
+            <a:off x="11582399" y="160544"/>
+            <a:ext cx="394355" cy="204581"/>
+          </a:xfrm>
+          <a:prstGeom prst="rect">
+            <a:avLst/>
+          </a:prstGeom>
         </p:spPr>
       </p:pic>
     </p:spTree>
@@ -10803,7 +10808,7 @@
         </p:blipFill>
         <p:spPr bwMode="auto">
           <a:xfrm>
-            <a:off x="3613122" y="2250117"/>
+            <a:off x="4066128" y="2962275"/>
             <a:ext cx="4743450" cy="3895725"/>
           </a:xfrm>
           <a:prstGeom prst="rect">
@@ -10826,7 +10831,7 @@
         </p:nvSpPr>
         <p:spPr bwMode="auto">
           <a:xfrm>
-            <a:off x="6580071" y="4208044"/>
+            <a:off x="7033077" y="4920202"/>
             <a:ext cx="854015" cy="339305"/>
           </a:xfrm>
           <a:prstGeom prst="rect">
@@ -10898,7 +10903,7 @@
         </p:nvSpPr>
         <p:spPr bwMode="auto">
           <a:xfrm>
-            <a:off x="5300486" y="3868738"/>
+            <a:off x="5753492" y="4580896"/>
             <a:ext cx="641230" cy="339305"/>
           </a:xfrm>
           <a:prstGeom prst="rect">
@@ -10970,7 +10975,7 @@
         </p:nvSpPr>
         <p:spPr bwMode="auto">
           <a:xfrm>
-            <a:off x="6697965" y="3825606"/>
+            <a:off x="7150971" y="4537764"/>
             <a:ext cx="684363" cy="339305"/>
           </a:xfrm>
           <a:prstGeom prst="rect">
@@ -11048,7 +11053,7 @@
         </p:nvSpPr>
         <p:spPr bwMode="auto">
           <a:xfrm>
-            <a:off x="4976649" y="4278430"/>
+            <a:off x="5429655" y="4990588"/>
             <a:ext cx="545992" cy="268919"/>
           </a:xfrm>
           <a:prstGeom prst="rect">
@@ -11122,7 +11127,7 @@
         </p:nvSpPr>
         <p:spPr bwMode="auto">
           <a:xfrm>
-            <a:off x="5348105" y="5212136"/>
+            <a:off x="5801111" y="5924294"/>
             <a:ext cx="545992" cy="268919"/>
           </a:xfrm>
           <a:prstGeom prst="rect">
@@ -12085,11 +12090,9 @@
             <a:endParaRPr lang="en-IE" dirty="0"/>
           </a:p>
           <a:p>
-            <a:pPr lvl="2"/>
-            <a:endParaRPr lang="en-IE" dirty="0"/>
-          </a:p>
-          <a:p>
-            <a:pPr lvl="2"/>
+            <a:pPr marL="914400" lvl="2" indent="0">
+              <a:buNone/>
+            </a:pPr>
             <a:endParaRPr lang="en-IE" dirty="0"/>
           </a:p>
           <a:p>
@@ -12235,7 +12238,7 @@
         </p:blipFill>
         <p:spPr bwMode="auto">
           <a:xfrm>
-            <a:off x="3762196" y="2507683"/>
+            <a:off x="4148089" y="3429000"/>
             <a:ext cx="1562100" cy="1152525"/>
           </a:xfrm>
           <a:prstGeom prst="rect">
@@ -12267,7 +12270,7 @@
         </p:blipFill>
         <p:spPr bwMode="auto">
           <a:xfrm>
-            <a:off x="6219826" y="2170441"/>
+            <a:off x="6622497" y="2908673"/>
             <a:ext cx="4448175" cy="1809750"/>
           </a:xfrm>
           <a:prstGeom prst="rect">
@@ -12280,6 +12283,100 @@
             <a:headEnd/>
             <a:tailEnd/>
           </a:ln>
+        </p:spPr>
+      </p:pic>
+      <p:pic>
+        <p:nvPicPr>
+          <p:cNvPr id="1026" name="Picture 2">
+            <a:extLst>
+              <a:ext uri="{FF2B5EF4-FFF2-40B4-BE49-F238E27FC236}">
+                <a16:creationId xmlns:a16="http://schemas.microsoft.com/office/drawing/2014/main" id="{041E61F7-9C2C-4E0A-8794-2B84AE9DF4B7}"/>
+              </a:ext>
+            </a:extLst>
+          </p:cNvPr>
+          <p:cNvPicPr>
+            <a:picLocks noChangeAspect="1" noChangeArrowheads="1"/>
+          </p:cNvPicPr>
+          <p:nvPr/>
+        </p:nvPicPr>
+        <p:blipFill>
+          <a:blip r:embed="rId4">
+            <a:extLst>
+              <a:ext uri="{28A0092B-C50C-407E-A947-70E740481C1C}">
+                <a14:useLocalDpi xmlns:a14="http://schemas.microsoft.com/office/drawing/2010/main" val="0"/>
+              </a:ext>
+            </a:extLst>
+          </a:blip>
+          <a:srcRect/>
+          <a:stretch>
+            <a:fillRect/>
+          </a:stretch>
+        </p:blipFill>
+        <p:spPr bwMode="auto">
+          <a:xfrm>
+            <a:off x="301257" y="3429000"/>
+            <a:ext cx="1640141" cy="1060027"/>
+          </a:xfrm>
+          <a:prstGeom prst="rect">
+            <a:avLst/>
+          </a:prstGeom>
+          <a:noFill/>
+          <a:extLst>
+            <a:ext uri="{909E8E84-426E-40DD-AFC4-6F175D3DCCD1}">
+              <a14:hiddenFill xmlns:a14="http://schemas.microsoft.com/office/drawing/2010/main">
+                <a:solidFill>
+                  <a:srgbClr val="FFFFFF"/>
+                </a:solidFill>
+              </a14:hiddenFill>
+            </a:ext>
+          </a:extLst>
+        </p:spPr>
+      </p:pic>
+      <p:pic>
+        <p:nvPicPr>
+          <p:cNvPr id="1028" name="Picture 4">
+            <a:extLst>
+              <a:ext uri="{FF2B5EF4-FFF2-40B4-BE49-F238E27FC236}">
+                <a16:creationId xmlns:a16="http://schemas.microsoft.com/office/drawing/2014/main" id="{1188CF9F-EAF6-42EE-B971-296CFCA9EE45}"/>
+              </a:ext>
+            </a:extLst>
+          </p:cNvPr>
+          <p:cNvPicPr>
+            <a:picLocks noChangeAspect="1" noChangeArrowheads="1"/>
+          </p:cNvPicPr>
+          <p:nvPr/>
+        </p:nvPicPr>
+        <p:blipFill>
+          <a:blip r:embed="rId5">
+            <a:extLst>
+              <a:ext uri="{28A0092B-C50C-407E-A947-70E740481C1C}">
+                <a14:useLocalDpi xmlns:a14="http://schemas.microsoft.com/office/drawing/2010/main" val="0"/>
+              </a:ext>
+            </a:extLst>
+          </a:blip>
+          <a:srcRect/>
+          <a:stretch>
+            <a:fillRect/>
+          </a:stretch>
+        </p:blipFill>
+        <p:spPr bwMode="auto">
+          <a:xfrm>
+            <a:off x="301257" y="5251873"/>
+            <a:ext cx="1640142" cy="1060027"/>
+          </a:xfrm>
+          <a:prstGeom prst="rect">
+            <a:avLst/>
+          </a:prstGeom>
+          <a:noFill/>
+          <a:extLst>
+            <a:ext uri="{909E8E84-426E-40DD-AFC4-6F175D3DCCD1}">
+              <a14:hiddenFill xmlns:a14="http://schemas.microsoft.com/office/drawing/2010/main">
+                <a:solidFill>
+                  <a:srgbClr val="FFFFFF"/>
+                </a:solidFill>
+              </a14:hiddenFill>
+            </a:ext>
+          </a:extLst>
         </p:spPr>
       </p:pic>
     </p:spTree>
@@ -12348,10 +12445,15 @@
             <p:ph idx="1"/>
           </p:nvPr>
         </p:nvSpPr>
-        <p:spPr/>
+        <p:spPr>
+          <a:xfrm>
+            <a:off x="838200" y="1825625"/>
+            <a:ext cx="10515600" cy="3576885"/>
+          </a:xfrm>
+        </p:spPr>
         <p:txBody>
           <a:bodyPr>
-            <a:normAutofit lnSpcReduction="10000"/>
+            <a:normAutofit/>
           </a:bodyPr>
           <a:lstStyle/>
           <a:p>
@@ -12396,12 +12498,9 @@
             <a:endParaRPr lang="en-IE" dirty="0"/>
           </a:p>
           <a:p>
-            <a:endParaRPr lang="en-IE" dirty="0"/>
-          </a:p>
-          <a:p>
-            <a:endParaRPr lang="en-IE" dirty="0"/>
-          </a:p>
-          <a:p>
+            <a:pPr marL="0" indent="0">
+              <a:buNone/>
+            </a:pPr>
             <a:endParaRPr lang="en-IE" dirty="0"/>
           </a:p>
           <a:p>
@@ -12579,8 +12678,8 @@
         </p:blipFill>
         <p:spPr bwMode="auto">
           <a:xfrm>
-            <a:off x="4455004" y="2215192"/>
-            <a:ext cx="3333750" cy="1409700"/>
+            <a:off x="3917129" y="2909217"/>
+            <a:ext cx="3624574" cy="1409700"/>
           </a:xfrm>
           <a:prstGeom prst="rect">
             <a:avLst/>
@@ -12611,8 +12710,8 @@
         </p:blipFill>
         <p:spPr bwMode="auto">
           <a:xfrm>
-            <a:off x="4076520" y="4666443"/>
-            <a:ext cx="2762250" cy="923925"/>
+            <a:off x="4169069" y="5432425"/>
+            <a:ext cx="3853861" cy="1289050"/>
           </a:xfrm>
           <a:prstGeom prst="rect">
             <a:avLst/>
@@ -12626,80 +12725,100 @@
           </a:ln>
         </p:spPr>
       </p:pic>
-      <p:sp>
-        <p:nvSpPr>
-          <p:cNvPr id="5" name="Rechthoek 4">
+      <p:pic>
+        <p:nvPicPr>
+          <p:cNvPr id="2050" name="Picture 2">
             <a:extLst>
               <a:ext uri="{FF2B5EF4-FFF2-40B4-BE49-F238E27FC236}">
-                <a16:creationId xmlns:a16="http://schemas.microsoft.com/office/drawing/2014/main" id="{F335CC23-BF7F-4158-9A2C-3D22BCF4121C}"/>
+                <a16:creationId xmlns:a16="http://schemas.microsoft.com/office/drawing/2014/main" id="{3E87814D-6132-4FA3-8578-0939DB70AD3E}"/>
               </a:ext>
             </a:extLst>
           </p:cNvPr>
-          <p:cNvSpPr/>
+          <p:cNvPicPr>
+            <a:picLocks noChangeAspect="1" noChangeArrowheads="1"/>
+          </p:cNvPicPr>
           <p:nvPr/>
-        </p:nvSpPr>
+        </p:nvPicPr>
+        <p:blipFill>
+          <a:blip r:embed="rId4">
+            <a:extLst>
+              <a:ext uri="{28A0092B-C50C-407E-A947-70E740481C1C}">
+                <a14:useLocalDpi xmlns:a14="http://schemas.microsoft.com/office/drawing/2010/main" val="0"/>
+              </a:ext>
+            </a:extLst>
+          </a:blip>
+          <a:srcRect/>
+          <a:stretch>
+            <a:fillRect/>
+          </a:stretch>
+        </p:blipFill>
         <p:spPr bwMode="auto">
           <a:xfrm>
-            <a:off x="5885793" y="2948152"/>
-            <a:ext cx="562304" cy="331076"/>
+            <a:off x="713065" y="5241882"/>
+            <a:ext cx="2006848" cy="1297030"/>
           </a:xfrm>
           <a:prstGeom prst="rect">
             <a:avLst/>
           </a:prstGeom>
-          <a:solidFill>
-            <a:schemeClr val="bg1"/>
-          </a:solidFill>
-          <a:ln w="9525" cap="flat" cmpd="sng" algn="ctr">
-            <a:noFill/>
-            <a:prstDash val="solid"/>
-            <a:round/>
-            <a:headEnd type="none" w="med" len="med"/>
-            <a:tailEnd type="none" w="med" len="med"/>
-          </a:ln>
-          <a:effectLst/>
+          <a:noFill/>
+          <a:extLst>
+            <a:ext uri="{909E8E84-426E-40DD-AFC4-6F175D3DCCD1}">
+              <a14:hiddenFill xmlns:a14="http://schemas.microsoft.com/office/drawing/2010/main">
+                <a:solidFill>
+                  <a:srgbClr val="FFFFFF"/>
+                </a:solidFill>
+              </a14:hiddenFill>
+            </a:ext>
+          </a:extLst>
         </p:spPr>
-        <p:txBody>
-          <a:bodyPr vert="horz" wrap="square" lIns="91440" tIns="45720" rIns="91440" bIns="45720" numCol="1" rtlCol="0" anchor="t" anchorCtr="0" compatLnSpc="1">
-            <a:prstTxWarp prst="textNoShape">
-              <a:avLst/>
-            </a:prstTxWarp>
-          </a:bodyPr>
-          <a:lstStyle/>
-          <a:p>
-            <a:pPr marL="0" marR="0" lvl="0" indent="0" algn="l" defTabSz="914400" rtl="0" eaLnBrk="0" fontAlgn="base" latinLnBrk="0" hangingPunct="0">
-              <a:lnSpc>
-                <a:spcPct val="100000"/>
-              </a:lnSpc>
-              <a:spcBef>
-                <a:spcPct val="0"/>
-              </a:spcBef>
-              <a:spcAft>
-                <a:spcPct val="0"/>
-              </a:spcAft>
-              <a:buClrTx/>
-              <a:buSzTx/>
-              <a:buFontTx/>
-              <a:buNone/>
-              <a:tabLst/>
-              <a:defRPr/>
-            </a:pPr>
-            <a:endParaRPr kumimoji="0" lang="nl-BE" sz="1800" b="0" i="0" u="none" strike="noStrike" kern="1200" cap="none" spc="0" normalizeH="0" baseline="0" noProof="0">
-              <a:ln>
-                <a:noFill/>
-              </a:ln>
-              <a:solidFill>
-                <a:prstClr val="black"/>
-              </a:solidFill>
-              <a:effectLst/>
-              <a:uLnTx/>
-              <a:uFillTx/>
-              <a:latin typeface="Arial" charset="0"/>
-              <a:ea typeface="+mn-ea"/>
-              <a:cs typeface="Arial" charset="0"/>
-            </a:endParaRPr>
-          </a:p>
-        </p:txBody>
-      </p:sp>
+      </p:pic>
+      <p:pic>
+        <p:nvPicPr>
+          <p:cNvPr id="2052" name="Picture 4">
+            <a:extLst>
+              <a:ext uri="{FF2B5EF4-FFF2-40B4-BE49-F238E27FC236}">
+                <a16:creationId xmlns:a16="http://schemas.microsoft.com/office/drawing/2014/main" id="{986F09D8-AD9A-4659-912E-0ADDC844F29F}"/>
+              </a:ext>
+            </a:extLst>
+          </p:cNvPr>
+          <p:cNvPicPr>
+            <a:picLocks noChangeAspect="1" noChangeArrowheads="1"/>
+          </p:cNvPicPr>
+          <p:nvPr/>
+        </p:nvPicPr>
+        <p:blipFill>
+          <a:blip r:embed="rId5">
+            <a:extLst>
+              <a:ext uri="{28A0092B-C50C-407E-A947-70E740481C1C}">
+                <a14:useLocalDpi xmlns:a14="http://schemas.microsoft.com/office/drawing/2010/main" val="0"/>
+              </a:ext>
+            </a:extLst>
+          </a:blip>
+          <a:srcRect/>
+          <a:stretch>
+            <a:fillRect/>
+          </a:stretch>
+        </p:blipFill>
+        <p:spPr bwMode="auto">
+          <a:xfrm>
+            <a:off x="902005" y="3015935"/>
+            <a:ext cx="1850934" cy="1196263"/>
+          </a:xfrm>
+          <a:prstGeom prst="rect">
+            <a:avLst/>
+          </a:prstGeom>
+          <a:noFill/>
+          <a:extLst>
+            <a:ext uri="{909E8E84-426E-40DD-AFC4-6F175D3DCCD1}">
+              <a14:hiddenFill xmlns:a14="http://schemas.microsoft.com/office/drawing/2010/main">
+                <a:solidFill>
+                  <a:srgbClr val="FFFFFF"/>
+                </a:solidFill>
+              </a14:hiddenFill>
+            </a:ext>
+          </a:extLst>
+        </p:spPr>
+      </p:pic>
     </p:spTree>
     <p:extLst>
       <p:ext uri="{BB962C8B-B14F-4D97-AF65-F5344CB8AC3E}">
@@ -12746,7 +12865,7 @@
                                         <p:tgtEl>
                                           <p:spTgt spid="3">
                                             <p:txEl>
-                                              <p:pRg st="7" end="7"/>
+                                              <p:pRg st="5" end="5"/>
                                             </p:txEl>
                                           </p:spTgt>
                                         </p:tgtEl>
@@ -12838,7 +12957,13 @@
       </p:grpSpPr>
       <p:sp>
         <p:nvSpPr>
-          <p:cNvPr id="2" name="Titel 1"/>
+          <p:cNvPr id="2" name="Titel 1">
+            <a:extLst>
+              <a:ext uri="{FF2B5EF4-FFF2-40B4-BE49-F238E27FC236}">
+                <a16:creationId xmlns:a16="http://schemas.microsoft.com/office/drawing/2014/main" id="{C5E0D70F-8835-4F72-9CF4-A8A0D4C2366F}"/>
+              </a:ext>
+            </a:extLst>
+          </p:cNvPr>
           <p:cNvSpPr>
             <a:spLocks noGrp="1"/>
           </p:cNvSpPr>
@@ -12852,15 +12977,21 @@
           <a:lstStyle/>
           <a:p>
             <a:r>
-              <a:rPr lang="en-IE" dirty="0"/>
-              <a:t>Properties, methods en fields</a:t>
+              <a:rPr lang="nl-BE" dirty="0"/>
+              <a:t>Omvormers</a:t>
             </a:r>
           </a:p>
         </p:txBody>
       </p:sp>
       <p:sp>
         <p:nvSpPr>
-          <p:cNvPr id="3" name="Tijdelijke aanduiding voor inhoud 2"/>
+          <p:cNvPr id="3" name="Tijdelijke aanduiding voor inhoud 2">
+            <a:extLst>
+              <a:ext uri="{FF2B5EF4-FFF2-40B4-BE49-F238E27FC236}">
+                <a16:creationId xmlns:a16="http://schemas.microsoft.com/office/drawing/2014/main" id="{4A1C7BA7-A3AC-48F7-9D8C-B2C56C5F0CD3}"/>
+              </a:ext>
+            </a:extLst>
+          </p:cNvPr>
           <p:cNvSpPr>
             <a:spLocks noGrp="1"/>
           </p:cNvSpPr>
@@ -12874,141 +13005,45 @@
           <a:lstStyle/>
           <a:p>
             <a:r>
-              <a:rPr lang="en-IE" dirty="0"/>
-              <a:t>Property </a:t>
-            </a:r>
-            <a:r>
-              <a:rPr lang="en-IE" dirty="0" err="1"/>
-              <a:t>kan</a:t>
-            </a:r>
-            <a:r>
-              <a:rPr lang="en-IE" dirty="0"/>
-              <a:t> je </a:t>
-            </a:r>
-            <a:r>
-              <a:rPr lang="en-IE" dirty="0" err="1"/>
-              <a:t>beschouwen</a:t>
-            </a:r>
-            <a:r>
-              <a:rPr lang="en-IE" dirty="0"/>
-              <a:t> </a:t>
-            </a:r>
-            <a:r>
-              <a:rPr lang="en-IE" dirty="0" err="1"/>
-              <a:t>als</a:t>
-            </a:r>
-            <a:r>
-              <a:rPr lang="en-IE" dirty="0"/>
-              <a:t> </a:t>
-            </a:r>
-            <a:r>
-              <a:rPr lang="en-IE" dirty="0" err="1"/>
-              <a:t>een</a:t>
-            </a:r>
-            <a:r>
-              <a:rPr lang="en-IE" dirty="0"/>
-              <a:t> </a:t>
-            </a:r>
-            <a:r>
-              <a:rPr lang="en-IE" dirty="0" err="1"/>
-              <a:t>combinatie</a:t>
-            </a:r>
-            <a:r>
-              <a:rPr lang="en-IE" dirty="0"/>
-              <a:t> van </a:t>
-            </a:r>
-            <a:r>
-              <a:rPr lang="en-IE" dirty="0" err="1"/>
-              <a:t>een</a:t>
-            </a:r>
-            <a:r>
-              <a:rPr lang="en-IE" dirty="0"/>
-              <a:t> field en method:</a:t>
-            </a:r>
-          </a:p>
-          <a:p>
-            <a:pPr lvl="1"/>
-            <a:r>
-              <a:rPr lang="en-IE" dirty="0" err="1"/>
-              <a:t>Toekenning</a:t>
-            </a:r>
-            <a:r>
-              <a:rPr lang="en-IE" dirty="0"/>
-              <a:t> </a:t>
-            </a:r>
-            <a:r>
-              <a:rPr lang="en-IE" dirty="0" err="1"/>
-              <a:t>zoals</a:t>
-            </a:r>
-            <a:r>
-              <a:rPr lang="en-IE" dirty="0"/>
-              <a:t> fields (x =4;  </a:t>
-            </a:r>
-            <a:r>
-              <a:rPr lang="en-IE" dirty="0" err="1"/>
-              <a:t>gezondheid</a:t>
-            </a:r>
-            <a:r>
-              <a:rPr lang="en-IE" dirty="0"/>
-              <a:t>=100;)</a:t>
-            </a:r>
-          </a:p>
-          <a:p>
-            <a:pPr lvl="1"/>
-            <a:r>
-              <a:rPr lang="en-IE" dirty="0" err="1"/>
-              <a:t>Werking</a:t>
-            </a:r>
-            <a:r>
-              <a:rPr lang="en-IE" dirty="0"/>
-              <a:t> (code) </a:t>
-            </a:r>
-            <a:r>
-              <a:rPr lang="en-IE" dirty="0" err="1"/>
-              <a:t>als</a:t>
-            </a:r>
-            <a:r>
-              <a:rPr lang="en-IE" dirty="0"/>
-              <a:t> method (</a:t>
-            </a:r>
-            <a:r>
-              <a:rPr lang="en-IE" dirty="0" err="1"/>
-              <a:t>controle</a:t>
-            </a:r>
-            <a:r>
-              <a:rPr lang="en-IE" dirty="0"/>
-              <a:t> of </a:t>
-            </a:r>
-            <a:r>
-              <a:rPr lang="en-IE" dirty="0" err="1"/>
-              <a:t>toekenning</a:t>
-            </a:r>
-            <a:r>
-              <a:rPr lang="en-IE" dirty="0"/>
-              <a:t> </a:t>
-            </a:r>
-            <a:r>
-              <a:rPr lang="en-IE" dirty="0" err="1"/>
-              <a:t>mag</a:t>
-            </a:r>
-            <a:r>
-              <a:rPr lang="en-IE" dirty="0"/>
-              <a:t> </a:t>
-            </a:r>
-            <a:r>
-              <a:rPr lang="en-IE" dirty="0" err="1"/>
-              <a:t>gebeuren</a:t>
-            </a:r>
-            <a:r>
-              <a:rPr lang="en-IE" dirty="0"/>
-              <a:t>)</a:t>
-            </a:r>
+              <a:rPr lang="nl-BE" dirty="0" err="1"/>
+              <a:t>Properties</a:t>
+            </a:r>
+            <a:r>
+              <a:rPr lang="nl-BE" dirty="0"/>
+              <a:t> zijn zeer nuttig indien je aan de buitenwereld zaken wilt aanbieden die niet noodzakelijk in het object an </a:t>
+            </a:r>
+            <a:r>
+              <a:rPr lang="nl-BE" dirty="0" err="1"/>
+              <a:t>sich</a:t>
+            </a:r>
+            <a:r>
+              <a:rPr lang="nl-BE" dirty="0"/>
+              <a:t> bestaan.</a:t>
+            </a:r>
+          </a:p>
+          <a:p>
+            <a:endParaRPr lang="nl-BE" dirty="0"/>
+          </a:p>
+          <a:p>
+            <a:r>
+              <a:rPr lang="nl-BE" dirty="0"/>
+              <a:t>Voorbeeld:</a:t>
+            </a:r>
+          </a:p>
+          <a:p>
+            <a:endParaRPr lang="nl-BE" dirty="0"/>
           </a:p>
         </p:txBody>
       </p:sp>
       <p:sp>
         <p:nvSpPr>
-          <p:cNvPr id="4" name="Tijdelijke aanduiding voor dianummer 3"/>
+          <p:cNvPr id="4" name="Tijdelijke aanduiding voor dianummer 3">
+            <a:extLst>
+              <a:ext uri="{FF2B5EF4-FFF2-40B4-BE49-F238E27FC236}">
+                <a16:creationId xmlns:a16="http://schemas.microsoft.com/office/drawing/2014/main" id="{7DF39CB3-1FF6-4292-BBE6-80568BDEC89D}"/>
+              </a:ext>
+            </a:extLst>
+          </p:cNvPr>
           <p:cNvSpPr>
             <a:spLocks noGrp="1"/>
           </p:cNvSpPr>
@@ -13039,7 +13074,7 @@
               <a:defRPr/>
             </a:pPr>
             <a:r>
-              <a:rPr kumimoji="0" lang="nl-NL" sz="1100" b="0" i="0" u="none" strike="noStrike" kern="1200" cap="none" spc="0" normalizeH="0" baseline="0" noProof="0" dirty="0">
+              <a:rPr kumimoji="0" lang="nl-NL" sz="1100" b="0" i="0" u="none" strike="noStrike" kern="1200" cap="none" spc="0" normalizeH="0" baseline="0" noProof="0">
                 <a:ln>
                   <a:noFill/>
                 </a:ln>
@@ -13053,7 +13088,7 @@
                 <a:ea typeface="+mn-ea"/>
                 <a:cs typeface="+mn-cs"/>
               </a:rPr>
-              <a:t>| </a:t>
+              <a:t>© ap| </a:t>
             </a:r>
             <a:fld id="{8A00CA90-1673-4C5D-B289-DA0BFE9501DF}" type="slidenum">
               <a:rPr kumimoji="0" lang="nl-NL" sz="1100" b="0" i="0" u="none" strike="noStrike" kern="1200" cap="none" spc="0" normalizeH="0" baseline="0" noProof="0" smtClean="0">
@@ -13106,10 +13141,1381 @@
           </a:p>
         </p:txBody>
       </p:sp>
+      <p:sp>
+        <p:nvSpPr>
+          <p:cNvPr id="5" name="Rechthoek 4">
+            <a:extLst>
+              <a:ext uri="{FF2B5EF4-FFF2-40B4-BE49-F238E27FC236}">
+                <a16:creationId xmlns:a16="http://schemas.microsoft.com/office/drawing/2014/main" id="{89982188-D311-4FE1-A8D3-8C8756956C8D}"/>
+              </a:ext>
+            </a:extLst>
+          </p:cNvPr>
+          <p:cNvSpPr/>
+          <p:nvPr/>
+        </p:nvSpPr>
+        <p:spPr>
+          <a:xfrm>
+            <a:off x="2441197" y="2659310"/>
+            <a:ext cx="7865208" cy="4524315"/>
+          </a:xfrm>
+          <a:prstGeom prst="rect">
+            <a:avLst/>
+          </a:prstGeom>
+        </p:spPr>
+        <p:txBody>
+          <a:bodyPr wrap="square">
+            <a:spAutoFit/>
+          </a:bodyPr>
+          <a:lstStyle/>
+          <a:p>
+            <a:pPr marL="0" marR="0" lvl="0" indent="0" algn="l" defTabSz="914400" rtl="0" eaLnBrk="1" fontAlgn="base" latinLnBrk="0" hangingPunct="1">
+              <a:lnSpc>
+                <a:spcPct val="100000"/>
+              </a:lnSpc>
+              <a:spcBef>
+                <a:spcPct val="0"/>
+              </a:spcBef>
+              <a:spcAft>
+                <a:spcPct val="0"/>
+              </a:spcAft>
+              <a:buClrTx/>
+              <a:buSzTx/>
+              <a:buFontTx/>
+              <a:buNone/>
+              <a:tabLst/>
+              <a:defRPr/>
+            </a:pPr>
+            <a:r>
+              <a:rPr kumimoji="0" lang="nl-BE" sz="1800" b="0" i="0" u="none" strike="noStrike" kern="1200" cap="none" spc="0" normalizeH="0" baseline="0" noProof="0" dirty="0">
+                <a:ln>
+                  <a:noFill/>
+                </a:ln>
+                <a:solidFill>
+                  <a:srgbClr val="0000FF"/>
+                </a:solidFill>
+                <a:effectLst/>
+                <a:uLnTx/>
+                <a:uFillTx/>
+                <a:latin typeface="Consolas" panose="020B0609020204030204" pitchFamily="49" charset="0"/>
+                <a:ea typeface="+mn-ea"/>
+                <a:cs typeface="Arial" charset="0"/>
+              </a:rPr>
+              <a:t>    class</a:t>
+            </a:r>
+            <a:r>
+              <a:rPr kumimoji="0" lang="nl-BE" sz="1800" b="0" i="0" u="none" strike="noStrike" kern="1200" cap="none" spc="0" normalizeH="0" baseline="0" noProof="0" dirty="0">
+                <a:ln>
+                  <a:noFill/>
+                </a:ln>
+                <a:solidFill>
+                  <a:srgbClr val="000000"/>
+                </a:solidFill>
+                <a:effectLst/>
+                <a:uLnTx/>
+                <a:uFillTx/>
+                <a:latin typeface="Consolas" panose="020B0609020204030204" pitchFamily="49" charset="0"/>
+                <a:ea typeface="+mn-ea"/>
+                <a:cs typeface="Arial" charset="0"/>
+              </a:rPr>
+              <a:t> </a:t>
+            </a:r>
+            <a:r>
+              <a:rPr kumimoji="0" lang="nl-BE" sz="1800" b="0" i="0" u="none" strike="noStrike" kern="1200" cap="none" spc="0" normalizeH="0" baseline="0" noProof="0" dirty="0">
+                <a:ln>
+                  <a:noFill/>
+                </a:ln>
+                <a:solidFill>
+                  <a:srgbClr val="2B91AF"/>
+                </a:solidFill>
+                <a:effectLst/>
+                <a:uLnTx/>
+                <a:uFillTx/>
+                <a:latin typeface="Consolas" panose="020B0609020204030204" pitchFamily="49" charset="0"/>
+                <a:ea typeface="+mn-ea"/>
+                <a:cs typeface="Arial" charset="0"/>
+              </a:rPr>
+              <a:t>Persoon</a:t>
+            </a:r>
+            <a:endParaRPr kumimoji="0" lang="nl-BE" sz="1800" b="0" i="0" u="none" strike="noStrike" kern="1200" cap="none" spc="0" normalizeH="0" baseline="0" noProof="0" dirty="0">
+              <a:ln>
+                <a:noFill/>
+              </a:ln>
+              <a:solidFill>
+                <a:srgbClr val="000000"/>
+              </a:solidFill>
+              <a:effectLst/>
+              <a:uLnTx/>
+              <a:uFillTx/>
+              <a:latin typeface="Consolas" panose="020B0609020204030204" pitchFamily="49" charset="0"/>
+              <a:ea typeface="+mn-ea"/>
+              <a:cs typeface="Arial" charset="0"/>
+            </a:endParaRPr>
+          </a:p>
+          <a:p>
+            <a:pPr marL="0" marR="0" lvl="0" indent="0" algn="l" defTabSz="914400" rtl="0" eaLnBrk="1" fontAlgn="base" latinLnBrk="0" hangingPunct="1">
+              <a:lnSpc>
+                <a:spcPct val="100000"/>
+              </a:lnSpc>
+              <a:spcBef>
+                <a:spcPct val="0"/>
+              </a:spcBef>
+              <a:spcAft>
+                <a:spcPct val="0"/>
+              </a:spcAft>
+              <a:buClrTx/>
+              <a:buSzTx/>
+              <a:buFontTx/>
+              <a:buNone/>
+              <a:tabLst/>
+              <a:defRPr/>
+            </a:pPr>
+            <a:r>
+              <a:rPr kumimoji="0" lang="nl-BE" sz="1800" b="0" i="0" u="none" strike="noStrike" kern="1200" cap="none" spc="0" normalizeH="0" baseline="0" noProof="0" dirty="0">
+                <a:ln>
+                  <a:noFill/>
+                </a:ln>
+                <a:solidFill>
+                  <a:srgbClr val="000000"/>
+                </a:solidFill>
+                <a:effectLst/>
+                <a:uLnTx/>
+                <a:uFillTx/>
+                <a:latin typeface="Consolas" panose="020B0609020204030204" pitchFamily="49" charset="0"/>
+                <a:ea typeface="+mn-ea"/>
+                <a:cs typeface="Arial" charset="0"/>
+              </a:rPr>
+              <a:t>    {</a:t>
+            </a:r>
+          </a:p>
+          <a:p>
+            <a:pPr marL="0" marR="0" lvl="0" indent="0" algn="l" defTabSz="914400" rtl="0" eaLnBrk="1" fontAlgn="base" latinLnBrk="0" hangingPunct="1">
+              <a:lnSpc>
+                <a:spcPct val="100000"/>
+              </a:lnSpc>
+              <a:spcBef>
+                <a:spcPct val="0"/>
+              </a:spcBef>
+              <a:spcAft>
+                <a:spcPct val="0"/>
+              </a:spcAft>
+              <a:buClrTx/>
+              <a:buSzTx/>
+              <a:buFontTx/>
+              <a:buNone/>
+              <a:tabLst/>
+              <a:defRPr/>
+            </a:pPr>
+            <a:r>
+              <a:rPr kumimoji="0" lang="nl-BE" sz="1800" b="0" i="0" u="none" strike="noStrike" kern="1200" cap="none" spc="0" normalizeH="0" baseline="0" noProof="0" dirty="0">
+                <a:ln>
+                  <a:noFill/>
+                </a:ln>
+                <a:solidFill>
+                  <a:srgbClr val="000000"/>
+                </a:solidFill>
+                <a:effectLst/>
+                <a:uLnTx/>
+                <a:uFillTx/>
+                <a:latin typeface="Consolas" panose="020B0609020204030204" pitchFamily="49" charset="0"/>
+                <a:ea typeface="+mn-ea"/>
+                <a:cs typeface="Arial" charset="0"/>
+              </a:rPr>
+              <a:t>        </a:t>
+            </a:r>
+            <a:r>
+              <a:rPr kumimoji="0" lang="nl-BE" sz="1800" b="0" i="0" u="none" strike="noStrike" kern="1200" cap="none" spc="0" normalizeH="0" baseline="0" noProof="0" dirty="0">
+                <a:ln>
+                  <a:noFill/>
+                </a:ln>
+                <a:solidFill>
+                  <a:srgbClr val="0000FF"/>
+                </a:solidFill>
+                <a:effectLst/>
+                <a:uLnTx/>
+                <a:uFillTx/>
+                <a:latin typeface="Consolas" panose="020B0609020204030204" pitchFamily="49" charset="0"/>
+                <a:ea typeface="+mn-ea"/>
+                <a:cs typeface="Arial" charset="0"/>
+              </a:rPr>
+              <a:t>private</a:t>
+            </a:r>
+            <a:r>
+              <a:rPr kumimoji="0" lang="nl-BE" sz="1800" b="0" i="0" u="none" strike="noStrike" kern="1200" cap="none" spc="0" normalizeH="0" baseline="0" noProof="0" dirty="0">
+                <a:ln>
+                  <a:noFill/>
+                </a:ln>
+                <a:solidFill>
+                  <a:srgbClr val="000000"/>
+                </a:solidFill>
+                <a:effectLst/>
+                <a:uLnTx/>
+                <a:uFillTx/>
+                <a:latin typeface="Consolas" panose="020B0609020204030204" pitchFamily="49" charset="0"/>
+                <a:ea typeface="+mn-ea"/>
+                <a:cs typeface="Arial" charset="0"/>
+              </a:rPr>
+              <a:t> </a:t>
+            </a:r>
+            <a:r>
+              <a:rPr kumimoji="0" lang="nl-BE" sz="1800" b="0" i="0" u="none" strike="noStrike" kern="1200" cap="none" spc="0" normalizeH="0" baseline="0" noProof="0" dirty="0">
+                <a:ln>
+                  <a:noFill/>
+                </a:ln>
+                <a:solidFill>
+                  <a:srgbClr val="0000FF"/>
+                </a:solidFill>
+                <a:effectLst/>
+                <a:uLnTx/>
+                <a:uFillTx/>
+                <a:latin typeface="Consolas" panose="020B0609020204030204" pitchFamily="49" charset="0"/>
+                <a:ea typeface="+mn-ea"/>
+                <a:cs typeface="Arial" charset="0"/>
+              </a:rPr>
+              <a:t>string</a:t>
+            </a:r>
+            <a:r>
+              <a:rPr kumimoji="0" lang="nl-BE" sz="1800" b="0" i="0" u="none" strike="noStrike" kern="1200" cap="none" spc="0" normalizeH="0" baseline="0" noProof="0" dirty="0">
+                <a:ln>
+                  <a:noFill/>
+                </a:ln>
+                <a:solidFill>
+                  <a:srgbClr val="000000"/>
+                </a:solidFill>
+                <a:effectLst/>
+                <a:uLnTx/>
+                <a:uFillTx/>
+                <a:latin typeface="Consolas" panose="020B0609020204030204" pitchFamily="49" charset="0"/>
+                <a:ea typeface="+mn-ea"/>
+                <a:cs typeface="Arial" charset="0"/>
+              </a:rPr>
+              <a:t> voornaam;</a:t>
+            </a:r>
+          </a:p>
+          <a:p>
+            <a:pPr marL="0" marR="0" lvl="0" indent="0" algn="l" defTabSz="914400" rtl="0" eaLnBrk="1" fontAlgn="base" latinLnBrk="0" hangingPunct="1">
+              <a:lnSpc>
+                <a:spcPct val="100000"/>
+              </a:lnSpc>
+              <a:spcBef>
+                <a:spcPct val="0"/>
+              </a:spcBef>
+              <a:spcAft>
+                <a:spcPct val="0"/>
+              </a:spcAft>
+              <a:buClrTx/>
+              <a:buSzTx/>
+              <a:buFontTx/>
+              <a:buNone/>
+              <a:tabLst/>
+              <a:defRPr/>
+            </a:pPr>
+            <a:r>
+              <a:rPr kumimoji="0" lang="nl-BE" sz="1800" b="0" i="0" u="none" strike="noStrike" kern="1200" cap="none" spc="0" normalizeH="0" baseline="0" noProof="0" dirty="0">
+                <a:ln>
+                  <a:noFill/>
+                </a:ln>
+                <a:solidFill>
+                  <a:srgbClr val="000000"/>
+                </a:solidFill>
+                <a:effectLst/>
+                <a:uLnTx/>
+                <a:uFillTx/>
+                <a:latin typeface="Consolas" panose="020B0609020204030204" pitchFamily="49" charset="0"/>
+                <a:ea typeface="+mn-ea"/>
+                <a:cs typeface="Arial" charset="0"/>
+              </a:rPr>
+              <a:t>        </a:t>
+            </a:r>
+            <a:r>
+              <a:rPr kumimoji="0" lang="nl-BE" sz="1800" b="0" i="0" u="none" strike="noStrike" kern="1200" cap="none" spc="0" normalizeH="0" baseline="0" noProof="0" dirty="0">
+                <a:ln>
+                  <a:noFill/>
+                </a:ln>
+                <a:solidFill>
+                  <a:srgbClr val="0000FF"/>
+                </a:solidFill>
+                <a:effectLst/>
+                <a:uLnTx/>
+                <a:uFillTx/>
+                <a:latin typeface="Consolas" panose="020B0609020204030204" pitchFamily="49" charset="0"/>
+                <a:ea typeface="+mn-ea"/>
+                <a:cs typeface="Arial" charset="0"/>
+              </a:rPr>
+              <a:t>private</a:t>
+            </a:r>
+            <a:r>
+              <a:rPr kumimoji="0" lang="nl-BE" sz="1800" b="0" i="0" u="none" strike="noStrike" kern="1200" cap="none" spc="0" normalizeH="0" baseline="0" noProof="0" dirty="0">
+                <a:ln>
+                  <a:noFill/>
+                </a:ln>
+                <a:solidFill>
+                  <a:srgbClr val="000000"/>
+                </a:solidFill>
+                <a:effectLst/>
+                <a:uLnTx/>
+                <a:uFillTx/>
+                <a:latin typeface="Consolas" panose="020B0609020204030204" pitchFamily="49" charset="0"/>
+                <a:ea typeface="+mn-ea"/>
+                <a:cs typeface="Arial" charset="0"/>
+              </a:rPr>
+              <a:t> </a:t>
+            </a:r>
+            <a:r>
+              <a:rPr kumimoji="0" lang="nl-BE" sz="1800" b="0" i="0" u="none" strike="noStrike" kern="1200" cap="none" spc="0" normalizeH="0" baseline="0" noProof="0" dirty="0">
+                <a:ln>
+                  <a:noFill/>
+                </a:ln>
+                <a:solidFill>
+                  <a:srgbClr val="0000FF"/>
+                </a:solidFill>
+                <a:effectLst/>
+                <a:uLnTx/>
+                <a:uFillTx/>
+                <a:latin typeface="Consolas" panose="020B0609020204030204" pitchFamily="49" charset="0"/>
+                <a:ea typeface="+mn-ea"/>
+                <a:cs typeface="Arial" charset="0"/>
+              </a:rPr>
+              <a:t>string</a:t>
+            </a:r>
+            <a:r>
+              <a:rPr kumimoji="0" lang="nl-BE" sz="1800" b="0" i="0" u="none" strike="noStrike" kern="1200" cap="none" spc="0" normalizeH="0" baseline="0" noProof="0" dirty="0">
+                <a:ln>
+                  <a:noFill/>
+                </a:ln>
+                <a:solidFill>
+                  <a:srgbClr val="000000"/>
+                </a:solidFill>
+                <a:effectLst/>
+                <a:uLnTx/>
+                <a:uFillTx/>
+                <a:latin typeface="Consolas" panose="020B0609020204030204" pitchFamily="49" charset="0"/>
+                <a:ea typeface="+mn-ea"/>
+                <a:cs typeface="Arial" charset="0"/>
+              </a:rPr>
+              <a:t> achternaam;</a:t>
+            </a:r>
+          </a:p>
+          <a:p>
+            <a:pPr marL="0" marR="0" lvl="0" indent="0" algn="l" defTabSz="914400" rtl="0" eaLnBrk="1" fontAlgn="base" latinLnBrk="0" hangingPunct="1">
+              <a:lnSpc>
+                <a:spcPct val="100000"/>
+              </a:lnSpc>
+              <a:spcBef>
+                <a:spcPct val="0"/>
+              </a:spcBef>
+              <a:spcAft>
+                <a:spcPct val="0"/>
+              </a:spcAft>
+              <a:buClrTx/>
+              <a:buSzTx/>
+              <a:buFontTx/>
+              <a:buNone/>
+              <a:tabLst/>
+              <a:defRPr/>
+            </a:pPr>
+            <a:r>
+              <a:rPr kumimoji="0" lang="nl-BE" sz="1800" b="0" i="0" u="none" strike="noStrike" kern="1200" cap="none" spc="0" normalizeH="0" baseline="0" noProof="0" dirty="0">
+                <a:ln>
+                  <a:noFill/>
+                </a:ln>
+                <a:solidFill>
+                  <a:srgbClr val="000000"/>
+                </a:solidFill>
+                <a:effectLst/>
+                <a:uLnTx/>
+                <a:uFillTx/>
+                <a:latin typeface="Consolas" panose="020B0609020204030204" pitchFamily="49" charset="0"/>
+                <a:ea typeface="+mn-ea"/>
+                <a:cs typeface="Arial" charset="0"/>
+              </a:rPr>
+              <a:t>        </a:t>
+            </a:r>
+            <a:r>
+              <a:rPr kumimoji="0" lang="nl-BE" sz="1800" b="0" i="0" u="none" strike="noStrike" kern="1200" cap="none" spc="0" normalizeH="0" baseline="0" noProof="0" dirty="0">
+                <a:ln>
+                  <a:noFill/>
+                </a:ln>
+                <a:solidFill>
+                  <a:srgbClr val="0000FF"/>
+                </a:solidFill>
+                <a:effectLst/>
+                <a:uLnTx/>
+                <a:uFillTx/>
+                <a:latin typeface="Consolas" panose="020B0609020204030204" pitchFamily="49" charset="0"/>
+                <a:ea typeface="+mn-ea"/>
+                <a:cs typeface="Arial" charset="0"/>
+              </a:rPr>
+              <a:t>public</a:t>
+            </a:r>
+            <a:r>
+              <a:rPr kumimoji="0" lang="nl-BE" sz="1800" b="0" i="0" u="none" strike="noStrike" kern="1200" cap="none" spc="0" normalizeH="0" baseline="0" noProof="0" dirty="0">
+                <a:ln>
+                  <a:noFill/>
+                </a:ln>
+                <a:solidFill>
+                  <a:srgbClr val="000000"/>
+                </a:solidFill>
+                <a:effectLst/>
+                <a:uLnTx/>
+                <a:uFillTx/>
+                <a:latin typeface="Consolas" panose="020B0609020204030204" pitchFamily="49" charset="0"/>
+                <a:ea typeface="+mn-ea"/>
+                <a:cs typeface="Arial" charset="0"/>
+              </a:rPr>
+              <a:t> </a:t>
+            </a:r>
+            <a:r>
+              <a:rPr kumimoji="0" lang="nl-BE" sz="1800" b="0" i="0" u="none" strike="noStrike" kern="1200" cap="none" spc="0" normalizeH="0" baseline="0" noProof="0" dirty="0">
+                <a:ln>
+                  <a:noFill/>
+                </a:ln>
+                <a:solidFill>
+                  <a:srgbClr val="0000FF"/>
+                </a:solidFill>
+                <a:effectLst/>
+                <a:uLnTx/>
+                <a:uFillTx/>
+                <a:latin typeface="Consolas" panose="020B0609020204030204" pitchFamily="49" charset="0"/>
+                <a:ea typeface="+mn-ea"/>
+                <a:cs typeface="Arial" charset="0"/>
+              </a:rPr>
+              <a:t>string</a:t>
+            </a:r>
+            <a:r>
+              <a:rPr kumimoji="0" lang="nl-BE" sz="1800" b="0" i="0" u="none" strike="noStrike" kern="1200" cap="none" spc="0" normalizeH="0" baseline="0" noProof="0" dirty="0">
+                <a:ln>
+                  <a:noFill/>
+                </a:ln>
+                <a:solidFill>
+                  <a:srgbClr val="000000"/>
+                </a:solidFill>
+                <a:effectLst/>
+                <a:uLnTx/>
+                <a:uFillTx/>
+                <a:latin typeface="Consolas" panose="020B0609020204030204" pitchFamily="49" charset="0"/>
+                <a:ea typeface="+mn-ea"/>
+                <a:cs typeface="Arial" charset="0"/>
+              </a:rPr>
+              <a:t> </a:t>
+            </a:r>
+            <a:r>
+              <a:rPr kumimoji="0" lang="nl-BE" sz="1800" b="0" i="0" u="none" strike="noStrike" kern="1200" cap="none" spc="0" normalizeH="0" baseline="0" noProof="0" dirty="0" err="1">
+                <a:ln>
+                  <a:noFill/>
+                </a:ln>
+                <a:solidFill>
+                  <a:srgbClr val="000000"/>
+                </a:solidFill>
+                <a:effectLst/>
+                <a:uLnTx/>
+                <a:uFillTx/>
+                <a:latin typeface="Consolas" panose="020B0609020204030204" pitchFamily="49" charset="0"/>
+                <a:ea typeface="+mn-ea"/>
+                <a:cs typeface="Arial" charset="0"/>
+              </a:rPr>
+              <a:t>FullName</a:t>
+            </a:r>
+            <a:endParaRPr kumimoji="0" lang="nl-BE" sz="1800" b="0" i="0" u="none" strike="noStrike" kern="1200" cap="none" spc="0" normalizeH="0" baseline="0" noProof="0" dirty="0">
+              <a:ln>
+                <a:noFill/>
+              </a:ln>
+              <a:solidFill>
+                <a:srgbClr val="000000"/>
+              </a:solidFill>
+              <a:effectLst/>
+              <a:uLnTx/>
+              <a:uFillTx/>
+              <a:latin typeface="Consolas" panose="020B0609020204030204" pitchFamily="49" charset="0"/>
+              <a:ea typeface="+mn-ea"/>
+              <a:cs typeface="Arial" charset="0"/>
+            </a:endParaRPr>
+          </a:p>
+          <a:p>
+            <a:pPr marL="0" marR="0" lvl="0" indent="0" algn="l" defTabSz="914400" rtl="0" eaLnBrk="1" fontAlgn="base" latinLnBrk="0" hangingPunct="1">
+              <a:lnSpc>
+                <a:spcPct val="100000"/>
+              </a:lnSpc>
+              <a:spcBef>
+                <a:spcPct val="0"/>
+              </a:spcBef>
+              <a:spcAft>
+                <a:spcPct val="0"/>
+              </a:spcAft>
+              <a:buClrTx/>
+              <a:buSzTx/>
+              <a:buFontTx/>
+              <a:buNone/>
+              <a:tabLst/>
+              <a:defRPr/>
+            </a:pPr>
+            <a:r>
+              <a:rPr kumimoji="0" lang="nl-BE" sz="1800" b="0" i="0" u="none" strike="noStrike" kern="1200" cap="none" spc="0" normalizeH="0" baseline="0" noProof="0" dirty="0">
+                <a:ln>
+                  <a:noFill/>
+                </a:ln>
+                <a:solidFill>
+                  <a:srgbClr val="000000"/>
+                </a:solidFill>
+                <a:effectLst/>
+                <a:uLnTx/>
+                <a:uFillTx/>
+                <a:latin typeface="Consolas" panose="020B0609020204030204" pitchFamily="49" charset="0"/>
+                <a:ea typeface="+mn-ea"/>
+                <a:cs typeface="Arial" charset="0"/>
+              </a:rPr>
+              <a:t>        {</a:t>
+            </a:r>
+          </a:p>
+          <a:p>
+            <a:pPr marL="0" marR="0" lvl="0" indent="0" algn="l" defTabSz="914400" rtl="0" eaLnBrk="1" fontAlgn="base" latinLnBrk="0" hangingPunct="1">
+              <a:lnSpc>
+                <a:spcPct val="100000"/>
+              </a:lnSpc>
+              <a:spcBef>
+                <a:spcPct val="0"/>
+              </a:spcBef>
+              <a:spcAft>
+                <a:spcPct val="0"/>
+              </a:spcAft>
+              <a:buClrTx/>
+              <a:buSzTx/>
+              <a:buFontTx/>
+              <a:buNone/>
+              <a:tabLst/>
+              <a:defRPr/>
+            </a:pPr>
+            <a:r>
+              <a:rPr kumimoji="0" lang="nl-BE" sz="1800" b="0" i="0" u="none" strike="noStrike" kern="1200" cap="none" spc="0" normalizeH="0" baseline="0" noProof="0" dirty="0">
+                <a:ln>
+                  <a:noFill/>
+                </a:ln>
+                <a:solidFill>
+                  <a:srgbClr val="000000"/>
+                </a:solidFill>
+                <a:effectLst/>
+                <a:uLnTx/>
+                <a:uFillTx/>
+                <a:latin typeface="Consolas" panose="020B0609020204030204" pitchFamily="49" charset="0"/>
+                <a:ea typeface="+mn-ea"/>
+                <a:cs typeface="Arial" charset="0"/>
+              </a:rPr>
+              <a:t>            </a:t>
+            </a:r>
+            <a:r>
+              <a:rPr kumimoji="0" lang="nl-BE" sz="1800" b="0" i="0" u="none" strike="noStrike" kern="1200" cap="none" spc="0" normalizeH="0" baseline="0" noProof="0" dirty="0">
+                <a:ln>
+                  <a:noFill/>
+                </a:ln>
+                <a:solidFill>
+                  <a:srgbClr val="0000FF"/>
+                </a:solidFill>
+                <a:effectLst/>
+                <a:uLnTx/>
+                <a:uFillTx/>
+                <a:latin typeface="Consolas" panose="020B0609020204030204" pitchFamily="49" charset="0"/>
+                <a:ea typeface="+mn-ea"/>
+                <a:cs typeface="Arial" charset="0"/>
+              </a:rPr>
+              <a:t>get</a:t>
+            </a:r>
+            <a:r>
+              <a:rPr kumimoji="0" lang="nl-BE" sz="1800" b="0" i="0" u="none" strike="noStrike" kern="1200" cap="none" spc="0" normalizeH="0" baseline="0" noProof="0" dirty="0">
+                <a:ln>
+                  <a:noFill/>
+                </a:ln>
+                <a:solidFill>
+                  <a:srgbClr val="000000"/>
+                </a:solidFill>
+                <a:effectLst/>
+                <a:uLnTx/>
+                <a:uFillTx/>
+                <a:latin typeface="Consolas" panose="020B0609020204030204" pitchFamily="49" charset="0"/>
+                <a:ea typeface="+mn-ea"/>
+                <a:cs typeface="Arial" charset="0"/>
+              </a:rPr>
+              <a:t> { </a:t>
+            </a:r>
+            <a:r>
+              <a:rPr kumimoji="0" lang="nl-BE" sz="1800" b="0" i="0" u="none" strike="noStrike" kern="1200" cap="none" spc="0" normalizeH="0" baseline="0" noProof="0" dirty="0">
+                <a:ln>
+                  <a:noFill/>
+                </a:ln>
+                <a:solidFill>
+                  <a:srgbClr val="0000FF"/>
+                </a:solidFill>
+                <a:effectLst/>
+                <a:uLnTx/>
+                <a:uFillTx/>
+                <a:latin typeface="Consolas" panose="020B0609020204030204" pitchFamily="49" charset="0"/>
+                <a:ea typeface="+mn-ea"/>
+                <a:cs typeface="Arial" charset="0"/>
+              </a:rPr>
+              <a:t>return</a:t>
+            </a:r>
+            <a:r>
+              <a:rPr kumimoji="0" lang="nl-BE" sz="1800" b="0" i="0" u="none" strike="noStrike" kern="1200" cap="none" spc="0" normalizeH="0" baseline="0" noProof="0" dirty="0">
+                <a:ln>
+                  <a:noFill/>
+                </a:ln>
+                <a:solidFill>
+                  <a:srgbClr val="000000"/>
+                </a:solidFill>
+                <a:effectLst/>
+                <a:uLnTx/>
+                <a:uFillTx/>
+                <a:latin typeface="Consolas" panose="020B0609020204030204" pitchFamily="49" charset="0"/>
+                <a:ea typeface="+mn-ea"/>
+                <a:cs typeface="Arial" charset="0"/>
+              </a:rPr>
+              <a:t> </a:t>
+            </a:r>
+            <a:r>
+              <a:rPr kumimoji="0" lang="nl-BE" sz="1800" b="0" i="0" u="none" strike="noStrike" kern="1200" cap="none" spc="0" normalizeH="0" baseline="0" noProof="0" dirty="0">
+                <a:ln>
+                  <a:noFill/>
+                </a:ln>
+                <a:solidFill>
+                  <a:srgbClr val="A31515"/>
+                </a:solidFill>
+                <a:effectLst/>
+                <a:uLnTx/>
+                <a:uFillTx/>
+                <a:latin typeface="Consolas" panose="020B0609020204030204" pitchFamily="49" charset="0"/>
+                <a:ea typeface="+mn-ea"/>
+                <a:cs typeface="Arial" charset="0"/>
+              </a:rPr>
+              <a:t>$"</a:t>
+            </a:r>
+            <a:r>
+              <a:rPr kumimoji="0" lang="nl-BE" sz="1800" b="0" i="0" u="none" strike="noStrike" kern="1200" cap="none" spc="0" normalizeH="0" baseline="0" noProof="0" dirty="0">
+                <a:ln>
+                  <a:noFill/>
+                </a:ln>
+                <a:solidFill>
+                  <a:srgbClr val="000000"/>
+                </a:solidFill>
+                <a:effectLst/>
+                <a:uLnTx/>
+                <a:uFillTx/>
+                <a:latin typeface="Consolas" panose="020B0609020204030204" pitchFamily="49" charset="0"/>
+                <a:ea typeface="+mn-ea"/>
+                <a:cs typeface="Arial" charset="0"/>
+              </a:rPr>
+              <a:t>{voornaam}</a:t>
+            </a:r>
+            <a:r>
+              <a:rPr kumimoji="0" lang="nl-BE" sz="1800" b="0" i="0" u="none" strike="noStrike" kern="1200" cap="none" spc="0" normalizeH="0" baseline="0" noProof="0" dirty="0">
+                <a:ln>
+                  <a:noFill/>
+                </a:ln>
+                <a:solidFill>
+                  <a:srgbClr val="A31515"/>
+                </a:solidFill>
+                <a:effectLst/>
+                <a:uLnTx/>
+                <a:uFillTx/>
+                <a:latin typeface="Consolas" panose="020B0609020204030204" pitchFamily="49" charset="0"/>
+                <a:ea typeface="+mn-ea"/>
+                <a:cs typeface="Arial" charset="0"/>
+              </a:rPr>
+              <a:t> </a:t>
+            </a:r>
+            <a:r>
+              <a:rPr kumimoji="0" lang="nl-BE" sz="1800" b="0" i="0" u="none" strike="noStrike" kern="1200" cap="none" spc="0" normalizeH="0" baseline="0" noProof="0" dirty="0">
+                <a:ln>
+                  <a:noFill/>
+                </a:ln>
+                <a:solidFill>
+                  <a:srgbClr val="000000"/>
+                </a:solidFill>
+                <a:effectLst/>
+                <a:uLnTx/>
+                <a:uFillTx/>
+                <a:latin typeface="Consolas" panose="020B0609020204030204" pitchFamily="49" charset="0"/>
+                <a:ea typeface="+mn-ea"/>
+                <a:cs typeface="Arial" charset="0"/>
+              </a:rPr>
+              <a:t>{achternaam}</a:t>
+            </a:r>
+            <a:r>
+              <a:rPr kumimoji="0" lang="nl-BE" sz="1800" b="0" i="0" u="none" strike="noStrike" kern="1200" cap="none" spc="0" normalizeH="0" baseline="0" noProof="0" dirty="0">
+                <a:ln>
+                  <a:noFill/>
+                </a:ln>
+                <a:solidFill>
+                  <a:srgbClr val="A31515"/>
+                </a:solidFill>
+                <a:effectLst/>
+                <a:uLnTx/>
+                <a:uFillTx/>
+                <a:latin typeface="Consolas" panose="020B0609020204030204" pitchFamily="49" charset="0"/>
+                <a:ea typeface="+mn-ea"/>
+                <a:cs typeface="Arial" charset="0"/>
+              </a:rPr>
+              <a:t>"</a:t>
+            </a:r>
+            <a:r>
+              <a:rPr kumimoji="0" lang="nl-BE" sz="1800" b="0" i="0" u="none" strike="noStrike" kern="1200" cap="none" spc="0" normalizeH="0" baseline="0" noProof="0" dirty="0">
+                <a:ln>
+                  <a:noFill/>
+                </a:ln>
+                <a:solidFill>
+                  <a:srgbClr val="000000"/>
+                </a:solidFill>
+                <a:effectLst/>
+                <a:uLnTx/>
+                <a:uFillTx/>
+                <a:latin typeface="Consolas" panose="020B0609020204030204" pitchFamily="49" charset="0"/>
+                <a:ea typeface="+mn-ea"/>
+                <a:cs typeface="Arial" charset="0"/>
+              </a:rPr>
+              <a:t>; }</a:t>
+            </a:r>
+          </a:p>
+          <a:p>
+            <a:pPr marL="0" marR="0" lvl="0" indent="0" algn="l" defTabSz="914400" rtl="0" eaLnBrk="1" fontAlgn="base" latinLnBrk="0" hangingPunct="1">
+              <a:lnSpc>
+                <a:spcPct val="100000"/>
+              </a:lnSpc>
+              <a:spcBef>
+                <a:spcPct val="0"/>
+              </a:spcBef>
+              <a:spcAft>
+                <a:spcPct val="0"/>
+              </a:spcAft>
+              <a:buClrTx/>
+              <a:buSzTx/>
+              <a:buFontTx/>
+              <a:buNone/>
+              <a:tabLst/>
+              <a:defRPr/>
+            </a:pPr>
+            <a:r>
+              <a:rPr kumimoji="0" lang="nl-BE" sz="1800" b="0" i="0" u="none" strike="noStrike" kern="1200" cap="none" spc="0" normalizeH="0" baseline="0" noProof="0" dirty="0">
+                <a:ln>
+                  <a:noFill/>
+                </a:ln>
+                <a:solidFill>
+                  <a:srgbClr val="000000"/>
+                </a:solidFill>
+                <a:effectLst/>
+                <a:uLnTx/>
+                <a:uFillTx/>
+                <a:latin typeface="Consolas" panose="020B0609020204030204" pitchFamily="49" charset="0"/>
+                <a:ea typeface="+mn-ea"/>
+                <a:cs typeface="Arial" charset="0"/>
+              </a:rPr>
+              <a:t>        }</a:t>
+            </a:r>
+          </a:p>
+          <a:p>
+            <a:pPr marL="0" marR="0" lvl="0" indent="0" algn="l" defTabSz="914400" rtl="0" eaLnBrk="1" fontAlgn="base" latinLnBrk="0" hangingPunct="1">
+              <a:lnSpc>
+                <a:spcPct val="100000"/>
+              </a:lnSpc>
+              <a:spcBef>
+                <a:spcPct val="0"/>
+              </a:spcBef>
+              <a:spcAft>
+                <a:spcPct val="0"/>
+              </a:spcAft>
+              <a:buClrTx/>
+              <a:buSzTx/>
+              <a:buFontTx/>
+              <a:buNone/>
+              <a:tabLst/>
+              <a:defRPr/>
+            </a:pPr>
+            <a:endParaRPr kumimoji="0" lang="nl-BE" sz="1800" b="0" i="0" u="none" strike="noStrike" kern="1200" cap="none" spc="0" normalizeH="0" baseline="0" noProof="0" dirty="0">
+              <a:ln>
+                <a:noFill/>
+              </a:ln>
+              <a:solidFill>
+                <a:srgbClr val="000000"/>
+              </a:solidFill>
+              <a:effectLst/>
+              <a:uLnTx/>
+              <a:uFillTx/>
+              <a:latin typeface="Consolas" panose="020B0609020204030204" pitchFamily="49" charset="0"/>
+              <a:ea typeface="+mn-ea"/>
+              <a:cs typeface="Arial" charset="0"/>
+            </a:endParaRPr>
+          </a:p>
+          <a:p>
+            <a:pPr marL="0" marR="0" lvl="0" indent="0" algn="l" defTabSz="914400" rtl="0" eaLnBrk="1" fontAlgn="base" latinLnBrk="0" hangingPunct="1">
+              <a:lnSpc>
+                <a:spcPct val="100000"/>
+              </a:lnSpc>
+              <a:spcBef>
+                <a:spcPct val="0"/>
+              </a:spcBef>
+              <a:spcAft>
+                <a:spcPct val="0"/>
+              </a:spcAft>
+              <a:buClrTx/>
+              <a:buSzTx/>
+              <a:buFontTx/>
+              <a:buNone/>
+              <a:tabLst/>
+              <a:defRPr/>
+            </a:pPr>
+            <a:r>
+              <a:rPr kumimoji="0" lang="nl-BE" sz="1800" b="0" i="0" u="none" strike="noStrike" kern="1200" cap="none" spc="0" normalizeH="0" baseline="0" noProof="0" dirty="0">
+                <a:ln>
+                  <a:noFill/>
+                </a:ln>
+                <a:solidFill>
+                  <a:srgbClr val="000000"/>
+                </a:solidFill>
+                <a:effectLst/>
+                <a:uLnTx/>
+                <a:uFillTx/>
+                <a:latin typeface="Consolas" panose="020B0609020204030204" pitchFamily="49" charset="0"/>
+                <a:ea typeface="+mn-ea"/>
+                <a:cs typeface="Arial" charset="0"/>
+              </a:rPr>
+              <a:t>        </a:t>
+            </a:r>
+            <a:r>
+              <a:rPr kumimoji="0" lang="nl-BE" sz="1800" b="0" i="0" u="none" strike="noStrike" kern="1200" cap="none" spc="0" normalizeH="0" baseline="0" noProof="0" dirty="0">
+                <a:ln>
+                  <a:noFill/>
+                </a:ln>
+                <a:solidFill>
+                  <a:srgbClr val="0000FF"/>
+                </a:solidFill>
+                <a:effectLst/>
+                <a:uLnTx/>
+                <a:uFillTx/>
+                <a:latin typeface="Consolas" panose="020B0609020204030204" pitchFamily="49" charset="0"/>
+                <a:ea typeface="+mn-ea"/>
+                <a:cs typeface="Arial" charset="0"/>
+              </a:rPr>
+              <a:t>public</a:t>
+            </a:r>
+            <a:r>
+              <a:rPr kumimoji="0" lang="nl-BE" sz="1800" b="0" i="0" u="none" strike="noStrike" kern="1200" cap="none" spc="0" normalizeH="0" baseline="0" noProof="0" dirty="0">
+                <a:ln>
+                  <a:noFill/>
+                </a:ln>
+                <a:solidFill>
+                  <a:srgbClr val="000000"/>
+                </a:solidFill>
+                <a:effectLst/>
+                <a:uLnTx/>
+                <a:uFillTx/>
+                <a:latin typeface="Consolas" panose="020B0609020204030204" pitchFamily="49" charset="0"/>
+                <a:ea typeface="+mn-ea"/>
+                <a:cs typeface="Arial" charset="0"/>
+              </a:rPr>
+              <a:t> </a:t>
+            </a:r>
+            <a:r>
+              <a:rPr kumimoji="0" lang="nl-BE" sz="1800" b="0" i="0" u="none" strike="noStrike" kern="1200" cap="none" spc="0" normalizeH="0" baseline="0" noProof="0" dirty="0">
+                <a:ln>
+                  <a:noFill/>
+                </a:ln>
+                <a:solidFill>
+                  <a:srgbClr val="0000FF"/>
+                </a:solidFill>
+                <a:effectLst/>
+                <a:uLnTx/>
+                <a:uFillTx/>
+                <a:latin typeface="Consolas" panose="020B0609020204030204" pitchFamily="49" charset="0"/>
+                <a:ea typeface="+mn-ea"/>
+                <a:cs typeface="Arial" charset="0"/>
+              </a:rPr>
+              <a:t>string</a:t>
+            </a:r>
+            <a:r>
+              <a:rPr kumimoji="0" lang="nl-BE" sz="1800" b="0" i="0" u="none" strike="noStrike" kern="1200" cap="none" spc="0" normalizeH="0" baseline="0" noProof="0" dirty="0">
+                <a:ln>
+                  <a:noFill/>
+                </a:ln>
+                <a:solidFill>
+                  <a:srgbClr val="000000"/>
+                </a:solidFill>
+                <a:effectLst/>
+                <a:uLnTx/>
+                <a:uFillTx/>
+                <a:latin typeface="Consolas" panose="020B0609020204030204" pitchFamily="49" charset="0"/>
+                <a:ea typeface="+mn-ea"/>
+                <a:cs typeface="Arial" charset="0"/>
+              </a:rPr>
+              <a:t> Email</a:t>
+            </a:r>
+          </a:p>
+          <a:p>
+            <a:pPr marL="0" marR="0" lvl="0" indent="0" algn="l" defTabSz="914400" rtl="0" eaLnBrk="1" fontAlgn="base" latinLnBrk="0" hangingPunct="1">
+              <a:lnSpc>
+                <a:spcPct val="100000"/>
+              </a:lnSpc>
+              <a:spcBef>
+                <a:spcPct val="0"/>
+              </a:spcBef>
+              <a:spcAft>
+                <a:spcPct val="0"/>
+              </a:spcAft>
+              <a:buClrTx/>
+              <a:buSzTx/>
+              <a:buFontTx/>
+              <a:buNone/>
+              <a:tabLst/>
+              <a:defRPr/>
+            </a:pPr>
+            <a:r>
+              <a:rPr kumimoji="0" lang="nl-BE" sz="1800" b="0" i="0" u="none" strike="noStrike" kern="1200" cap="none" spc="0" normalizeH="0" baseline="0" noProof="0" dirty="0">
+                <a:ln>
+                  <a:noFill/>
+                </a:ln>
+                <a:solidFill>
+                  <a:srgbClr val="000000"/>
+                </a:solidFill>
+                <a:effectLst/>
+                <a:uLnTx/>
+                <a:uFillTx/>
+                <a:latin typeface="Consolas" panose="020B0609020204030204" pitchFamily="49" charset="0"/>
+                <a:ea typeface="+mn-ea"/>
+                <a:cs typeface="Arial" charset="0"/>
+              </a:rPr>
+              <a:t>        {</a:t>
+            </a:r>
+          </a:p>
+          <a:p>
+            <a:pPr marL="0" marR="0" lvl="0" indent="0" algn="l" defTabSz="914400" rtl="0" eaLnBrk="1" fontAlgn="base" latinLnBrk="0" hangingPunct="1">
+              <a:lnSpc>
+                <a:spcPct val="100000"/>
+              </a:lnSpc>
+              <a:spcBef>
+                <a:spcPct val="0"/>
+              </a:spcBef>
+              <a:spcAft>
+                <a:spcPct val="0"/>
+              </a:spcAft>
+              <a:buClrTx/>
+              <a:buSzTx/>
+              <a:buFontTx/>
+              <a:buNone/>
+              <a:tabLst/>
+              <a:defRPr/>
+            </a:pPr>
+            <a:r>
+              <a:rPr kumimoji="0" lang="nl-BE" sz="1800" b="0" i="0" u="none" strike="noStrike" kern="1200" cap="none" spc="0" normalizeH="0" baseline="0" noProof="0" dirty="0">
+                <a:ln>
+                  <a:noFill/>
+                </a:ln>
+                <a:solidFill>
+                  <a:srgbClr val="000000"/>
+                </a:solidFill>
+                <a:effectLst/>
+                <a:uLnTx/>
+                <a:uFillTx/>
+                <a:latin typeface="Consolas" panose="020B0609020204030204" pitchFamily="49" charset="0"/>
+                <a:ea typeface="+mn-ea"/>
+                <a:cs typeface="Arial" charset="0"/>
+              </a:rPr>
+              <a:t>            </a:t>
+            </a:r>
+            <a:r>
+              <a:rPr kumimoji="0" lang="nl-BE" sz="1800" b="0" i="0" u="none" strike="noStrike" kern="1200" cap="none" spc="0" normalizeH="0" baseline="0" noProof="0" dirty="0">
+                <a:ln>
+                  <a:noFill/>
+                </a:ln>
+                <a:solidFill>
+                  <a:srgbClr val="0000FF"/>
+                </a:solidFill>
+                <a:effectLst/>
+                <a:uLnTx/>
+                <a:uFillTx/>
+                <a:latin typeface="Consolas" panose="020B0609020204030204" pitchFamily="49" charset="0"/>
+                <a:ea typeface="+mn-ea"/>
+                <a:cs typeface="Arial" charset="0"/>
+              </a:rPr>
+              <a:t>get</a:t>
+            </a:r>
+            <a:endParaRPr kumimoji="0" lang="nl-BE" sz="1800" b="0" i="0" u="none" strike="noStrike" kern="1200" cap="none" spc="0" normalizeH="0" baseline="0" noProof="0" dirty="0">
+              <a:ln>
+                <a:noFill/>
+              </a:ln>
+              <a:solidFill>
+                <a:srgbClr val="000000"/>
+              </a:solidFill>
+              <a:effectLst/>
+              <a:uLnTx/>
+              <a:uFillTx/>
+              <a:latin typeface="Consolas" panose="020B0609020204030204" pitchFamily="49" charset="0"/>
+              <a:ea typeface="+mn-ea"/>
+              <a:cs typeface="Arial" charset="0"/>
+            </a:endParaRPr>
+          </a:p>
+          <a:p>
+            <a:pPr marL="0" marR="0" lvl="0" indent="0" algn="l" defTabSz="914400" rtl="0" eaLnBrk="1" fontAlgn="base" latinLnBrk="0" hangingPunct="1">
+              <a:lnSpc>
+                <a:spcPct val="100000"/>
+              </a:lnSpc>
+              <a:spcBef>
+                <a:spcPct val="0"/>
+              </a:spcBef>
+              <a:spcAft>
+                <a:spcPct val="0"/>
+              </a:spcAft>
+              <a:buClrTx/>
+              <a:buSzTx/>
+              <a:buFontTx/>
+              <a:buNone/>
+              <a:tabLst/>
+              <a:defRPr/>
+            </a:pPr>
+            <a:r>
+              <a:rPr kumimoji="0" lang="nl-BE" sz="1800" b="0" i="0" u="none" strike="noStrike" kern="1200" cap="none" spc="0" normalizeH="0" baseline="0" noProof="0" dirty="0">
+                <a:ln>
+                  <a:noFill/>
+                </a:ln>
+                <a:solidFill>
+                  <a:srgbClr val="000000"/>
+                </a:solidFill>
+                <a:effectLst/>
+                <a:uLnTx/>
+                <a:uFillTx/>
+                <a:latin typeface="Consolas" panose="020B0609020204030204" pitchFamily="49" charset="0"/>
+                <a:ea typeface="+mn-ea"/>
+                <a:cs typeface="Arial" charset="0"/>
+              </a:rPr>
+              <a:t>            {</a:t>
+            </a:r>
+          </a:p>
+          <a:p>
+            <a:pPr marL="0" marR="0" lvl="0" indent="0" algn="l" defTabSz="914400" rtl="0" eaLnBrk="1" fontAlgn="base" latinLnBrk="0" hangingPunct="1">
+              <a:lnSpc>
+                <a:spcPct val="100000"/>
+              </a:lnSpc>
+              <a:spcBef>
+                <a:spcPct val="0"/>
+              </a:spcBef>
+              <a:spcAft>
+                <a:spcPct val="0"/>
+              </a:spcAft>
+              <a:buClrTx/>
+              <a:buSzTx/>
+              <a:buFontTx/>
+              <a:buNone/>
+              <a:tabLst/>
+              <a:defRPr/>
+            </a:pPr>
+            <a:r>
+              <a:rPr kumimoji="0" lang="en-US" sz="1800" b="0" i="0" u="none" strike="noStrike" kern="1200" cap="none" spc="0" normalizeH="0" baseline="0" noProof="0" dirty="0">
+                <a:ln>
+                  <a:noFill/>
+                </a:ln>
+                <a:solidFill>
+                  <a:srgbClr val="000000"/>
+                </a:solidFill>
+                <a:effectLst/>
+                <a:uLnTx/>
+                <a:uFillTx/>
+                <a:latin typeface="Consolas" panose="020B0609020204030204" pitchFamily="49" charset="0"/>
+                <a:ea typeface="+mn-ea"/>
+                <a:cs typeface="Arial" charset="0"/>
+              </a:rPr>
+              <a:t>                </a:t>
+            </a:r>
+            <a:r>
+              <a:rPr kumimoji="0" lang="en-US" sz="1800" b="0" i="0" u="none" strike="noStrike" kern="1200" cap="none" spc="0" normalizeH="0" baseline="0" noProof="0" dirty="0">
+                <a:ln>
+                  <a:noFill/>
+                </a:ln>
+                <a:solidFill>
+                  <a:srgbClr val="0000FF"/>
+                </a:solidFill>
+                <a:effectLst/>
+                <a:uLnTx/>
+                <a:uFillTx/>
+                <a:latin typeface="Consolas" panose="020B0609020204030204" pitchFamily="49" charset="0"/>
+                <a:ea typeface="+mn-ea"/>
+                <a:cs typeface="Arial" charset="0"/>
+              </a:rPr>
+              <a:t>return</a:t>
+            </a:r>
+            <a:r>
+              <a:rPr kumimoji="0" lang="en-US" sz="1800" b="0" i="0" u="none" strike="noStrike" kern="1200" cap="none" spc="0" normalizeH="0" baseline="0" noProof="0" dirty="0">
+                <a:ln>
+                  <a:noFill/>
+                </a:ln>
+                <a:solidFill>
+                  <a:srgbClr val="000000"/>
+                </a:solidFill>
+                <a:effectLst/>
+                <a:uLnTx/>
+                <a:uFillTx/>
+                <a:latin typeface="Consolas" panose="020B0609020204030204" pitchFamily="49" charset="0"/>
+                <a:ea typeface="+mn-ea"/>
+                <a:cs typeface="Arial" charset="0"/>
+              </a:rPr>
+              <a:t> </a:t>
+            </a:r>
+            <a:r>
+              <a:rPr kumimoji="0" lang="en-US" sz="1800" b="0" i="0" u="none" strike="noStrike" kern="1200" cap="none" spc="0" normalizeH="0" baseline="0" noProof="0" dirty="0">
+                <a:ln>
+                  <a:noFill/>
+                </a:ln>
+                <a:solidFill>
+                  <a:srgbClr val="A31515"/>
+                </a:solidFill>
+                <a:effectLst/>
+                <a:uLnTx/>
+                <a:uFillTx/>
+                <a:latin typeface="Consolas" panose="020B0609020204030204" pitchFamily="49" charset="0"/>
+                <a:ea typeface="+mn-ea"/>
+                <a:cs typeface="Arial" charset="0"/>
+              </a:rPr>
+              <a:t>$"</a:t>
+            </a:r>
+            <a:r>
+              <a:rPr kumimoji="0" lang="en-US" sz="1800" b="0" i="0" u="none" strike="noStrike" kern="1200" cap="none" spc="0" normalizeH="0" baseline="0" noProof="0" dirty="0">
+                <a:ln>
+                  <a:noFill/>
+                </a:ln>
+                <a:solidFill>
+                  <a:srgbClr val="000000"/>
+                </a:solidFill>
+                <a:effectLst/>
+                <a:uLnTx/>
+                <a:uFillTx/>
+                <a:latin typeface="Consolas" panose="020B0609020204030204" pitchFamily="49" charset="0"/>
+                <a:ea typeface="+mn-ea"/>
+                <a:cs typeface="Arial" charset="0"/>
+              </a:rPr>
+              <a:t>{</a:t>
+            </a:r>
+            <a:r>
+              <a:rPr kumimoji="0" lang="en-US" sz="1800" b="0" i="0" u="none" strike="noStrike" kern="1200" cap="none" spc="0" normalizeH="0" baseline="0" noProof="0" dirty="0" err="1">
+                <a:ln>
+                  <a:noFill/>
+                </a:ln>
+                <a:solidFill>
+                  <a:srgbClr val="000000"/>
+                </a:solidFill>
+                <a:effectLst/>
+                <a:uLnTx/>
+                <a:uFillTx/>
+                <a:latin typeface="Consolas" panose="020B0609020204030204" pitchFamily="49" charset="0"/>
+                <a:ea typeface="+mn-ea"/>
+                <a:cs typeface="Arial" charset="0"/>
+              </a:rPr>
+              <a:t>voornaam</a:t>
+            </a:r>
+            <a:r>
+              <a:rPr kumimoji="0" lang="en-US" sz="1800" b="0" i="0" u="none" strike="noStrike" kern="1200" cap="none" spc="0" normalizeH="0" baseline="0" noProof="0" dirty="0">
+                <a:ln>
+                  <a:noFill/>
+                </a:ln>
+                <a:solidFill>
+                  <a:srgbClr val="000000"/>
+                </a:solidFill>
+                <a:effectLst/>
+                <a:uLnTx/>
+                <a:uFillTx/>
+                <a:latin typeface="Consolas" panose="020B0609020204030204" pitchFamily="49" charset="0"/>
+                <a:ea typeface="+mn-ea"/>
+                <a:cs typeface="Arial" charset="0"/>
+              </a:rPr>
+              <a:t>}</a:t>
+            </a:r>
+            <a:r>
+              <a:rPr kumimoji="0" lang="en-US" sz="1800" b="0" i="0" u="none" strike="noStrike" kern="1200" cap="none" spc="0" normalizeH="0" baseline="0" noProof="0" dirty="0">
+                <a:ln>
+                  <a:noFill/>
+                </a:ln>
+                <a:solidFill>
+                  <a:srgbClr val="A31515"/>
+                </a:solidFill>
+                <a:effectLst/>
+                <a:uLnTx/>
+                <a:uFillTx/>
+                <a:latin typeface="Consolas" panose="020B0609020204030204" pitchFamily="49" charset="0"/>
+                <a:ea typeface="+mn-ea"/>
+                <a:cs typeface="Arial" charset="0"/>
+              </a:rPr>
+              <a:t>.</a:t>
+            </a:r>
+            <a:r>
+              <a:rPr kumimoji="0" lang="en-US" sz="1800" b="0" i="0" u="none" strike="noStrike" kern="1200" cap="none" spc="0" normalizeH="0" baseline="0" noProof="0" dirty="0">
+                <a:ln>
+                  <a:noFill/>
+                </a:ln>
+                <a:solidFill>
+                  <a:srgbClr val="000000"/>
+                </a:solidFill>
+                <a:effectLst/>
+                <a:uLnTx/>
+                <a:uFillTx/>
+                <a:latin typeface="Consolas" panose="020B0609020204030204" pitchFamily="49" charset="0"/>
+                <a:ea typeface="+mn-ea"/>
+                <a:cs typeface="Arial" charset="0"/>
+              </a:rPr>
+              <a:t>{</a:t>
+            </a:r>
+            <a:r>
+              <a:rPr kumimoji="0" lang="en-US" sz="1800" b="0" i="0" u="none" strike="noStrike" kern="1200" cap="none" spc="0" normalizeH="0" baseline="0" noProof="0" dirty="0" err="1">
+                <a:ln>
+                  <a:noFill/>
+                </a:ln>
+                <a:solidFill>
+                  <a:srgbClr val="000000"/>
+                </a:solidFill>
+                <a:effectLst/>
+                <a:uLnTx/>
+                <a:uFillTx/>
+                <a:latin typeface="Consolas" panose="020B0609020204030204" pitchFamily="49" charset="0"/>
+                <a:ea typeface="+mn-ea"/>
+                <a:cs typeface="Arial" charset="0"/>
+              </a:rPr>
+              <a:t>achternaam</a:t>
+            </a:r>
+            <a:r>
+              <a:rPr kumimoji="0" lang="en-US" sz="1800" b="0" i="0" u="none" strike="noStrike" kern="1200" cap="none" spc="0" normalizeH="0" baseline="0" noProof="0" dirty="0">
+                <a:ln>
+                  <a:noFill/>
+                </a:ln>
+                <a:solidFill>
+                  <a:srgbClr val="000000"/>
+                </a:solidFill>
+                <a:effectLst/>
+                <a:uLnTx/>
+                <a:uFillTx/>
+                <a:latin typeface="Consolas" panose="020B0609020204030204" pitchFamily="49" charset="0"/>
+                <a:ea typeface="+mn-ea"/>
+                <a:cs typeface="Arial" charset="0"/>
+              </a:rPr>
+              <a:t>}</a:t>
+            </a:r>
+            <a:r>
+              <a:rPr kumimoji="0" lang="en-US" sz="1800" b="0" i="0" u="none" strike="noStrike" kern="1200" cap="none" spc="0" normalizeH="0" baseline="0" noProof="0" dirty="0">
+                <a:ln>
+                  <a:noFill/>
+                </a:ln>
+                <a:solidFill>
+                  <a:srgbClr val="A31515"/>
+                </a:solidFill>
+                <a:effectLst/>
+                <a:uLnTx/>
+                <a:uFillTx/>
+                <a:latin typeface="Consolas" panose="020B0609020204030204" pitchFamily="49" charset="0"/>
+                <a:ea typeface="+mn-ea"/>
+                <a:cs typeface="Arial" charset="0"/>
+              </a:rPr>
+              <a:t>@ap.be"</a:t>
+            </a:r>
+            <a:r>
+              <a:rPr kumimoji="0" lang="en-US" sz="1800" b="0" i="0" u="none" strike="noStrike" kern="1200" cap="none" spc="0" normalizeH="0" baseline="0" noProof="0" dirty="0">
+                <a:ln>
+                  <a:noFill/>
+                </a:ln>
+                <a:solidFill>
+                  <a:srgbClr val="000000"/>
+                </a:solidFill>
+                <a:effectLst/>
+                <a:uLnTx/>
+                <a:uFillTx/>
+                <a:latin typeface="Consolas" panose="020B0609020204030204" pitchFamily="49" charset="0"/>
+                <a:ea typeface="+mn-ea"/>
+                <a:cs typeface="Arial" charset="0"/>
+              </a:rPr>
+              <a:t>;</a:t>
+            </a:r>
+          </a:p>
+          <a:p>
+            <a:pPr marL="0" marR="0" lvl="0" indent="0" algn="l" defTabSz="914400" rtl="0" eaLnBrk="1" fontAlgn="base" latinLnBrk="0" hangingPunct="1">
+              <a:lnSpc>
+                <a:spcPct val="100000"/>
+              </a:lnSpc>
+              <a:spcBef>
+                <a:spcPct val="0"/>
+              </a:spcBef>
+              <a:spcAft>
+                <a:spcPct val="0"/>
+              </a:spcAft>
+              <a:buClrTx/>
+              <a:buSzTx/>
+              <a:buFontTx/>
+              <a:buNone/>
+              <a:tabLst/>
+              <a:defRPr/>
+            </a:pPr>
+            <a:r>
+              <a:rPr kumimoji="0" lang="nl-BE" sz="1800" b="0" i="0" u="none" strike="noStrike" kern="1200" cap="none" spc="0" normalizeH="0" baseline="0" noProof="0" dirty="0">
+                <a:ln>
+                  <a:noFill/>
+                </a:ln>
+                <a:solidFill>
+                  <a:srgbClr val="000000"/>
+                </a:solidFill>
+                <a:effectLst/>
+                <a:uLnTx/>
+                <a:uFillTx/>
+                <a:latin typeface="Consolas" panose="020B0609020204030204" pitchFamily="49" charset="0"/>
+                <a:ea typeface="+mn-ea"/>
+                <a:cs typeface="Arial" charset="0"/>
+              </a:rPr>
+              <a:t>            }</a:t>
+            </a:r>
+          </a:p>
+          <a:p>
+            <a:pPr marL="0" marR="0" lvl="0" indent="0" algn="l" defTabSz="914400" rtl="0" eaLnBrk="1" fontAlgn="base" latinLnBrk="0" hangingPunct="1">
+              <a:lnSpc>
+                <a:spcPct val="100000"/>
+              </a:lnSpc>
+              <a:spcBef>
+                <a:spcPct val="0"/>
+              </a:spcBef>
+              <a:spcAft>
+                <a:spcPct val="0"/>
+              </a:spcAft>
+              <a:buClrTx/>
+              <a:buSzTx/>
+              <a:buFontTx/>
+              <a:buNone/>
+              <a:tabLst/>
+              <a:defRPr/>
+            </a:pPr>
+            <a:r>
+              <a:rPr kumimoji="0" lang="nl-BE" sz="1800" b="0" i="0" u="none" strike="noStrike" kern="1200" cap="none" spc="0" normalizeH="0" baseline="0" noProof="0" dirty="0">
+                <a:ln>
+                  <a:noFill/>
+                </a:ln>
+                <a:solidFill>
+                  <a:srgbClr val="000000"/>
+                </a:solidFill>
+                <a:effectLst/>
+                <a:uLnTx/>
+                <a:uFillTx/>
+                <a:latin typeface="Consolas" panose="020B0609020204030204" pitchFamily="49" charset="0"/>
+                <a:ea typeface="+mn-ea"/>
+                <a:cs typeface="Arial" charset="0"/>
+              </a:rPr>
+              <a:t>        }</a:t>
+            </a:r>
+            <a:endParaRPr kumimoji="0" lang="nl-BE" sz="1800" b="0" i="0" u="none" strike="noStrike" kern="1200" cap="none" spc="0" normalizeH="0" baseline="0" noProof="0" dirty="0">
+              <a:ln>
+                <a:noFill/>
+              </a:ln>
+              <a:solidFill>
+                <a:prstClr val="black"/>
+              </a:solidFill>
+              <a:effectLst/>
+              <a:uLnTx/>
+              <a:uFillTx/>
+              <a:latin typeface="Arial" charset="0"/>
+              <a:ea typeface="+mn-ea"/>
+              <a:cs typeface="Arial" charset="0"/>
+            </a:endParaRPr>
+          </a:p>
+        </p:txBody>
+      </p:sp>
     </p:spTree>
     <p:extLst>
       <p:ext uri="{BB962C8B-B14F-4D97-AF65-F5344CB8AC3E}">
-        <p14:creationId xmlns:p14="http://schemas.microsoft.com/office/powerpoint/2010/main" val="553796460"/>
+        <p14:creationId xmlns:p14="http://schemas.microsoft.com/office/powerpoint/2010/main" val="3799840718"/>
       </p:ext>
     </p:extLst>
   </p:cSld>
@@ -13120,7 +14526,7 @@
 </file>
 
 <file path=ppt/slides/slide16.xml><?xml version="1.0" encoding="utf-8"?>
-<p:sld xmlns:a="http://schemas.openxmlformats.org/drawingml/2006/main" xmlns:r="http://schemas.openxmlformats.org/officeDocument/2006/relationships" xmlns:p="http://schemas.openxmlformats.org/presentationml/2006/main">
+<p:sld xmlns:a="http://schemas.openxmlformats.org/drawingml/2006/main" xmlns:r="http://schemas.openxmlformats.org/officeDocument/2006/relationships" xmlns:p="http://schemas.openxmlformats.org/presentationml/2006/main" show="0">
   <p:cSld>
     <p:spTree>
       <p:nvGrpSpPr>
@@ -13153,15 +14559,7 @@
           <a:p>
             <a:r>
               <a:rPr lang="en-IE" dirty="0"/>
-              <a:t>Property </a:t>
-            </a:r>
-            <a:r>
-              <a:rPr lang="en-IE" dirty="0" err="1"/>
-              <a:t>vs</a:t>
-            </a:r>
-            <a:r>
-              <a:rPr lang="en-IE" dirty="0"/>
-              <a:t> field</a:t>
+              <a:t>Properties, methods en fields</a:t>
             </a:r>
           </a:p>
         </p:txBody>
@@ -13178,48 +14576,24 @@
         </p:nvSpPr>
         <p:spPr/>
         <p:txBody>
-          <a:bodyPr>
-            <a:normAutofit fontScale="92500" lnSpcReduction="20000"/>
-          </a:bodyPr>
+          <a:bodyPr/>
           <a:lstStyle/>
           <a:p>
             <a:r>
+              <a:rPr lang="en-IE" dirty="0"/>
+              <a:t>Property </a:t>
+            </a:r>
+            <a:r>
               <a:rPr lang="en-IE" dirty="0" err="1"/>
-              <a:t>Slechts</a:t>
+              <a:t>kan</a:t>
             </a:r>
             <a:r>
               <a:rPr lang="en-IE" dirty="0"/>
-              <a:t> 1 property per </a:t>
+              <a:t> je </a:t>
             </a:r>
             <a:r>
               <a:rPr lang="en-IE" dirty="0" err="1"/>
-              <a:t>declaratie</a:t>
-            </a:r>
-            <a:r>
-              <a:rPr lang="en-IE" dirty="0"/>
-              <a:t>:</a:t>
-            </a:r>
-          </a:p>
-          <a:p>
-            <a:endParaRPr lang="en-IE" dirty="0"/>
-          </a:p>
-          <a:p>
-            <a:endParaRPr lang="en-IE" dirty="0"/>
-          </a:p>
-          <a:p>
-            <a:endParaRPr lang="en-IE" dirty="0"/>
-          </a:p>
-          <a:p>
-            <a:endParaRPr lang="en-IE" dirty="0"/>
-          </a:p>
-          <a:p>
-            <a:r>
-              <a:rPr lang="en-IE" dirty="0"/>
-              <a:t>Const, ref, out etc </a:t>
-            </a:r>
-            <a:r>
-              <a:rPr lang="en-IE" dirty="0" err="1"/>
-              <a:t>niet</a:t>
+              <a:t>beschouwen</a:t>
             </a:r>
             <a:r>
               <a:rPr lang="en-IE" dirty="0"/>
@@ -13227,39 +14601,7 @@
             </a:r>
             <a:r>
               <a:rPr lang="en-IE" dirty="0" err="1"/>
-              <a:t>toegelaten</a:t>
-            </a:r>
-            <a:endParaRPr lang="en-IE" dirty="0"/>
-          </a:p>
-          <a:p>
-            <a:endParaRPr lang="en-IE" dirty="0"/>
-          </a:p>
-          <a:p>
-            <a:endParaRPr lang="en-IE" dirty="0"/>
-          </a:p>
-          <a:p>
-            <a:endParaRPr lang="en-IE" dirty="0"/>
-          </a:p>
-          <a:p>
-            <a:r>
-              <a:rPr lang="en-IE" dirty="0" err="1"/>
-              <a:t>Initialisatie</a:t>
-            </a:r>
-            <a:r>
-              <a:rPr lang="en-IE" dirty="0"/>
-              <a:t> via property mag </a:t>
-            </a:r>
-            <a:r>
-              <a:rPr lang="en-IE" dirty="0" err="1"/>
-              <a:t>niet</a:t>
-            </a:r>
-            <a:r>
-              <a:rPr lang="en-IE" dirty="0"/>
-              <a:t>( </a:t>
-            </a:r>
-            <a:r>
-              <a:rPr lang="en-IE" dirty="0" err="1"/>
-              <a:t>moet</a:t>
+              <a:t>als</a:t>
             </a:r>
             <a:r>
               <a:rPr lang="en-IE" dirty="0"/>
@@ -13267,15 +14609,7 @@
             </a:r>
             <a:r>
               <a:rPr lang="en-IE" dirty="0" err="1"/>
-              <a:t>gebeuren</a:t>
-            </a:r>
-            <a:r>
-              <a:rPr lang="en-IE" dirty="0"/>
-              <a:t> via constructor (</a:t>
-            </a:r>
-            <a:r>
-              <a:rPr lang="en-IE" dirty="0" err="1"/>
-              <a:t>zie</a:t>
+              <a:t>een</a:t>
             </a:r>
             <a:r>
               <a:rPr lang="en-IE" dirty="0"/>
@@ -13283,11 +14617,97 @@
             </a:r>
             <a:r>
               <a:rPr lang="en-IE" dirty="0" err="1"/>
-              <a:t>verder</a:t>
+              <a:t>combinatie</a:t>
             </a:r>
             <a:r>
               <a:rPr lang="en-IE" dirty="0"/>
-              <a:t>))</a:t>
+              <a:t> van </a:t>
+            </a:r>
+            <a:r>
+              <a:rPr lang="en-IE" dirty="0" err="1"/>
+              <a:t>een</a:t>
+            </a:r>
+            <a:r>
+              <a:rPr lang="en-IE" dirty="0"/>
+              <a:t> field en method:</a:t>
+            </a:r>
+          </a:p>
+          <a:p>
+            <a:pPr lvl="1"/>
+            <a:r>
+              <a:rPr lang="en-IE" dirty="0" err="1"/>
+              <a:t>Toekenning</a:t>
+            </a:r>
+            <a:r>
+              <a:rPr lang="en-IE" dirty="0"/>
+              <a:t> </a:t>
+            </a:r>
+            <a:r>
+              <a:rPr lang="en-IE" dirty="0" err="1"/>
+              <a:t>zoals</a:t>
+            </a:r>
+            <a:r>
+              <a:rPr lang="en-IE" dirty="0"/>
+              <a:t> fields (x =4;  </a:t>
+            </a:r>
+            <a:r>
+              <a:rPr lang="en-IE" dirty="0" err="1"/>
+              <a:t>gezondheid</a:t>
+            </a:r>
+            <a:r>
+              <a:rPr lang="en-IE" dirty="0"/>
+              <a:t>=100;)</a:t>
+            </a:r>
+          </a:p>
+          <a:p>
+            <a:pPr lvl="1"/>
+            <a:r>
+              <a:rPr lang="en-IE" dirty="0" err="1"/>
+              <a:t>Werking</a:t>
+            </a:r>
+            <a:r>
+              <a:rPr lang="en-IE" dirty="0"/>
+              <a:t> (code) </a:t>
+            </a:r>
+            <a:r>
+              <a:rPr lang="en-IE" dirty="0" err="1"/>
+              <a:t>als</a:t>
+            </a:r>
+            <a:r>
+              <a:rPr lang="en-IE" dirty="0"/>
+              <a:t> method (</a:t>
+            </a:r>
+            <a:r>
+              <a:rPr lang="en-IE" dirty="0" err="1"/>
+              <a:t>controle</a:t>
+            </a:r>
+            <a:r>
+              <a:rPr lang="en-IE" dirty="0"/>
+              <a:t> of </a:t>
+            </a:r>
+            <a:r>
+              <a:rPr lang="en-IE" dirty="0" err="1"/>
+              <a:t>toekenning</a:t>
+            </a:r>
+            <a:r>
+              <a:rPr lang="en-IE" dirty="0"/>
+              <a:t> </a:t>
+            </a:r>
+            <a:r>
+              <a:rPr lang="en-IE" dirty="0" err="1"/>
+              <a:t>mag</a:t>
+            </a:r>
+            <a:r>
+              <a:rPr lang="en-IE" dirty="0"/>
+              <a:t> </a:t>
+            </a:r>
+            <a:r>
+              <a:rPr lang="en-IE" dirty="0" err="1"/>
+              <a:t>gebeuren</a:t>
+            </a:r>
+            <a:r>
+              <a:rPr lang="en-IE" dirty="0"/>
+              <a:t>)</a:t>
             </a:r>
           </a:p>
         </p:txBody>
@@ -13392,6 +14812,242 @@
           </a:p>
         </p:txBody>
       </p:sp>
+    </p:spTree>
+    <p:extLst>
+      <p:ext uri="{BB962C8B-B14F-4D97-AF65-F5344CB8AC3E}">
+        <p14:creationId xmlns:p14="http://schemas.microsoft.com/office/powerpoint/2010/main" val="553796460"/>
+      </p:ext>
+    </p:extLst>
+  </p:cSld>
+  <p:clrMapOvr>
+    <a:masterClrMapping/>
+  </p:clrMapOvr>
+</p:sld>
+</file>
+
+<file path=ppt/slides/slide17.xml><?xml version="1.0" encoding="utf-8"?>
+<p:sld xmlns:a="http://schemas.openxmlformats.org/drawingml/2006/main" xmlns:r="http://schemas.openxmlformats.org/officeDocument/2006/relationships" xmlns:p="http://schemas.openxmlformats.org/presentationml/2006/main">
+  <p:cSld>
+    <p:spTree>
+      <p:nvGrpSpPr>
+        <p:cNvPr id="1" name=""/>
+        <p:cNvGrpSpPr/>
+        <p:nvPr/>
+      </p:nvGrpSpPr>
+      <p:grpSpPr>
+        <a:xfrm>
+          <a:off x="0" y="0"/>
+          <a:ext cx="0" cy="0"/>
+          <a:chOff x="0" y="0"/>
+          <a:chExt cx="0" cy="0"/>
+        </a:xfrm>
+      </p:grpSpPr>
+      <p:sp>
+        <p:nvSpPr>
+          <p:cNvPr id="2" name="Titel 1"/>
+          <p:cNvSpPr>
+            <a:spLocks noGrp="1"/>
+          </p:cNvSpPr>
+          <p:nvPr>
+            <p:ph type="title"/>
+          </p:nvPr>
+        </p:nvSpPr>
+        <p:spPr/>
+        <p:txBody>
+          <a:bodyPr/>
+          <a:lstStyle/>
+          <a:p>
+            <a:r>
+              <a:rPr lang="en-IE" dirty="0"/>
+              <a:t>Property </a:t>
+            </a:r>
+            <a:r>
+              <a:rPr lang="en-IE" dirty="0" err="1"/>
+              <a:t>vs</a:t>
+            </a:r>
+            <a:r>
+              <a:rPr lang="en-IE" dirty="0"/>
+              <a:t> field</a:t>
+            </a:r>
+          </a:p>
+        </p:txBody>
+      </p:sp>
+      <p:sp>
+        <p:nvSpPr>
+          <p:cNvPr id="3" name="Tijdelijke aanduiding voor inhoud 2"/>
+          <p:cNvSpPr>
+            <a:spLocks noGrp="1"/>
+          </p:cNvSpPr>
+          <p:nvPr>
+            <p:ph idx="1"/>
+          </p:nvPr>
+        </p:nvSpPr>
+        <p:spPr/>
+        <p:txBody>
+          <a:bodyPr>
+            <a:normAutofit/>
+          </a:bodyPr>
+          <a:lstStyle/>
+          <a:p>
+            <a:r>
+              <a:rPr lang="en-IE" dirty="0" err="1"/>
+              <a:t>Slechts</a:t>
+            </a:r>
+            <a:r>
+              <a:rPr lang="en-IE" dirty="0"/>
+              <a:t> 1 property per </a:t>
+            </a:r>
+            <a:r>
+              <a:rPr lang="en-IE" dirty="0" err="1"/>
+              <a:t>declaratie</a:t>
+            </a:r>
+            <a:r>
+              <a:rPr lang="en-IE" dirty="0"/>
+              <a:t>:</a:t>
+            </a:r>
+          </a:p>
+          <a:p>
+            <a:endParaRPr lang="en-IE" dirty="0"/>
+          </a:p>
+          <a:p>
+            <a:endParaRPr lang="en-IE" dirty="0"/>
+          </a:p>
+          <a:p>
+            <a:endParaRPr lang="en-IE" dirty="0"/>
+          </a:p>
+          <a:p>
+            <a:endParaRPr lang="en-IE" dirty="0"/>
+          </a:p>
+          <a:p>
+            <a:r>
+              <a:rPr lang="en-IE" dirty="0"/>
+              <a:t>Const, ref, out etc </a:t>
+            </a:r>
+            <a:r>
+              <a:rPr lang="en-IE" dirty="0" err="1"/>
+              <a:t>niet</a:t>
+            </a:r>
+            <a:r>
+              <a:rPr lang="en-IE" dirty="0"/>
+              <a:t> </a:t>
+            </a:r>
+            <a:r>
+              <a:rPr lang="en-IE" dirty="0" err="1"/>
+              <a:t>toegelaten</a:t>
+            </a:r>
+            <a:endParaRPr lang="en-IE" dirty="0"/>
+          </a:p>
+          <a:p>
+            <a:endParaRPr lang="en-IE" dirty="0"/>
+          </a:p>
+          <a:p>
+            <a:endParaRPr lang="en-IE" dirty="0"/>
+          </a:p>
+          <a:p>
+            <a:endParaRPr lang="en-IE" dirty="0"/>
+          </a:p>
+        </p:txBody>
+      </p:sp>
+      <p:sp>
+        <p:nvSpPr>
+          <p:cNvPr id="4" name="Tijdelijke aanduiding voor dianummer 3"/>
+          <p:cNvSpPr>
+            <a:spLocks noGrp="1"/>
+          </p:cNvSpPr>
+          <p:nvPr>
+            <p:ph type="sldNum" sz="quarter" idx="12"/>
+          </p:nvPr>
+        </p:nvSpPr>
+        <p:spPr/>
+        <p:txBody>
+          <a:bodyPr/>
+          <a:lstStyle/>
+          <a:p>
+            <a:pPr marL="0" marR="0" lvl="0" indent="0" algn="r" defTabSz="914400" rtl="0" eaLnBrk="0" fontAlgn="base" latinLnBrk="0" hangingPunct="0">
+              <a:lnSpc>
+                <a:spcPct val="100000"/>
+              </a:lnSpc>
+              <a:spcBef>
+                <a:spcPct val="0"/>
+              </a:spcBef>
+              <a:spcAft>
+                <a:spcPct val="0"/>
+              </a:spcAft>
+              <a:buClrTx/>
+              <a:buSzTx/>
+              <a:buFontTx/>
+              <a:buNone/>
+              <a:tabLst/>
+              <a:defRPr/>
+            </a:pPr>
+            <a:r>
+              <a:rPr kumimoji="0" lang="nl-NL" sz="1100" b="0" i="0" u="none" strike="noStrike" kern="1200" cap="none" spc="0" normalizeH="0" baseline="0" noProof="0" dirty="0">
+                <a:ln>
+                  <a:noFill/>
+                </a:ln>
+                <a:solidFill>
+                  <a:prstClr val="black"/>
+                </a:solidFill>
+                <a:effectLst/>
+                <a:uLnTx/>
+                <a:uFillTx/>
+                <a:latin typeface="Arial" charset="0"/>
+                <a:ea typeface="+mn-ea"/>
+                <a:cs typeface="+mn-cs"/>
+              </a:rPr>
+              <a:t>| </a:t>
+            </a:r>
+            <a:fld id="{8A00CA90-1673-4C5D-B289-DA0BFE9501DF}" type="slidenum">
+              <a:rPr kumimoji="0" lang="nl-NL" sz="1100" b="0" i="0" u="none" strike="noStrike" kern="1200" cap="none" spc="0" normalizeH="0" baseline="0" noProof="0" smtClean="0">
+                <a:ln>
+                  <a:noFill/>
+                </a:ln>
+                <a:solidFill>
+                  <a:prstClr val="black"/>
+                </a:solidFill>
+                <a:effectLst/>
+                <a:uLnTx/>
+                <a:uFillTx/>
+                <a:latin typeface="Arial" charset="0"/>
+                <a:ea typeface="+mn-ea"/>
+                <a:cs typeface="+mn-cs"/>
+              </a:rPr>
+              <a:pPr marL="0" marR="0" lvl="0" indent="0" algn="r" defTabSz="914400" rtl="0" eaLnBrk="0" fontAlgn="base" latinLnBrk="0" hangingPunct="0">
+                <a:lnSpc>
+                  <a:spcPct val="100000"/>
+                </a:lnSpc>
+                <a:spcBef>
+                  <a:spcPct val="0"/>
+                </a:spcBef>
+                <a:spcAft>
+                  <a:spcPct val="0"/>
+                </a:spcAft>
+                <a:buClrTx/>
+                <a:buSzTx/>
+                <a:buFontTx/>
+                <a:buNone/>
+                <a:tabLst/>
+                <a:defRPr/>
+              </a:pPr>
+              <a:t>17</a:t>
+            </a:fld>
+            <a:endParaRPr kumimoji="0" lang="nl-NL" sz="1100" b="0" i="0" u="none" strike="noStrike" kern="1200" cap="none" spc="0" normalizeH="0" baseline="0" noProof="0" dirty="0">
+              <a:ln>
+                <a:noFill/>
+              </a:ln>
+              <a:solidFill>
+                <a:prstClr val="black"/>
+              </a:solidFill>
+              <a:effectLst/>
+              <a:uLnTx/>
+              <a:uFillTx/>
+              <a:latin typeface="Arial" charset="0"/>
+              <a:ea typeface="+mn-ea"/>
+              <a:cs typeface="+mn-cs"/>
+            </a:endParaRPr>
+          </a:p>
+        </p:txBody>
+      </p:sp>
       <p:pic>
         <p:nvPicPr>
           <p:cNvPr id="105475" name="Picture 3"/>
@@ -13409,7 +15065,7 @@
         </p:blipFill>
         <p:spPr bwMode="auto">
           <a:xfrm>
-            <a:off x="3824737" y="1840213"/>
+            <a:off x="4026772" y="2759049"/>
             <a:ext cx="1333500" cy="1038225"/>
           </a:xfrm>
           <a:prstGeom prst="rect">
@@ -13432,7 +15088,7 @@
         </p:nvSpPr>
         <p:spPr>
           <a:xfrm>
-            <a:off x="4871049" y="2268747"/>
+            <a:off x="5073084" y="3187583"/>
             <a:ext cx="1364476" cy="369332"/>
           </a:xfrm>
           <a:prstGeom prst="rect">
@@ -13491,7 +15147,7 @@
         </p:nvSpPr>
         <p:spPr bwMode="auto">
           <a:xfrm>
-            <a:off x="4802038" y="1863306"/>
+            <a:off x="5004073" y="2782142"/>
             <a:ext cx="327804" cy="224286"/>
           </a:xfrm>
           <a:prstGeom prst="rect">
@@ -13572,7 +15228,7 @@
         </p:blipFill>
         <p:spPr bwMode="auto">
           <a:xfrm>
-            <a:off x="3796342" y="3614108"/>
+            <a:off x="3896782" y="5025216"/>
             <a:ext cx="1752600" cy="647700"/>
           </a:xfrm>
           <a:prstGeom prst="rect">
@@ -13595,7 +15251,7 @@
         </p:nvSpPr>
         <p:spPr bwMode="auto">
           <a:xfrm>
-            <a:off x="4316083" y="3594340"/>
+            <a:off x="4416523" y="5005448"/>
             <a:ext cx="503208" cy="224286"/>
           </a:xfrm>
           <a:prstGeom prst="rect">
@@ -13667,7 +15323,7 @@
         </p:nvSpPr>
         <p:spPr>
           <a:xfrm>
-            <a:off x="5799826" y="3671977"/>
+            <a:off x="5900266" y="5083085"/>
             <a:ext cx="1364476" cy="369332"/>
           </a:xfrm>
           <a:prstGeom prst="rect">
@@ -13718,38 +15374,6 @@
           </a:p>
         </p:txBody>
       </p:sp>
-      <p:pic>
-        <p:nvPicPr>
-          <p:cNvPr id="105478" name="Picture 6"/>
-          <p:cNvPicPr>
-            <a:picLocks noChangeAspect="1" noChangeArrowheads="1"/>
-          </p:cNvPicPr>
-          <p:nvPr/>
-        </p:nvPicPr>
-        <p:blipFill>
-          <a:blip r:embed="rId4" cstate="print"/>
-          <a:srcRect/>
-          <a:stretch>
-            <a:fillRect/>
-          </a:stretch>
-        </p:blipFill>
-        <p:spPr bwMode="auto">
-          <a:xfrm>
-            <a:off x="3785336" y="5091154"/>
-            <a:ext cx="6120209" cy="544346"/>
-          </a:xfrm>
-          <a:prstGeom prst="rect">
-            <a:avLst/>
-          </a:prstGeom>
-          <a:noFill/>
-          <a:ln w="9525">
-            <a:noFill/>
-            <a:miter lim="800000"/>
-            <a:headEnd/>
-            <a:tailEnd/>
-          </a:ln>
-        </p:spPr>
-      </p:pic>
     </p:spTree>
     <p:extLst>
       <p:ext uri="{BB962C8B-B14F-4D97-AF65-F5344CB8AC3E}">
@@ -13902,7 +15526,7 @@
                             </p:stCondLst>
                             <p:childTnLst>
                               <p:par>
-                                <p:cTn id="15" presetID="1" presetClass="entr" presetSubtype="0" fill="hold" nodeType="clickEffect">
+                                <p:cTn id="15" presetID="1" presetClass="entr" presetSubtype="0" fill="hold" grpId="0" nodeType="clickEffect">
                                   <p:stCondLst>
                                     <p:cond delay="0"/>
                                   </p:stCondLst>
@@ -13915,101 +15539,7 @@
                                           </p:stCondLst>
                                         </p:cTn>
                                         <p:tgtEl>
-                                          <p:spTgt spid="3">
-                                            <p:txEl>
-                                              <p:pRg st="9" end="9"/>
-                                            </p:txEl>
-                                          </p:spTgt>
-                                        </p:tgtEl>
-                                        <p:attrNameLst>
-                                          <p:attrName>style.visibility</p:attrName>
-                                        </p:attrNameLst>
-                                      </p:cBhvr>
-                                      <p:to>
-                                        <p:strVal val="visible"/>
-                                      </p:to>
-                                    </p:set>
-                                  </p:childTnLst>
-                                </p:cTn>
-                              </p:par>
-                            </p:childTnLst>
-                          </p:cTn>
-                        </p:par>
-                      </p:childTnLst>
-                    </p:cTn>
-                  </p:par>
-                  <p:par>
-                    <p:cTn id="17" fill="hold">
-                      <p:stCondLst>
-                        <p:cond delay="indefinite"/>
-                      </p:stCondLst>
-                      <p:childTnLst>
-                        <p:par>
-                          <p:cTn id="18" fill="hold">
-                            <p:stCondLst>
-                              <p:cond delay="0"/>
-                            </p:stCondLst>
-                            <p:childTnLst>
-                              <p:par>
-                                <p:cTn id="19" presetID="1" presetClass="entr" presetSubtype="0" fill="hold" grpId="0" nodeType="clickEffect">
-                                  <p:stCondLst>
-                                    <p:cond delay="0"/>
-                                  </p:stCondLst>
-                                  <p:childTnLst>
-                                    <p:set>
-                                      <p:cBhvr>
-                                        <p:cTn id="20" dur="1" fill="hold">
-                                          <p:stCondLst>
-                                            <p:cond delay="0"/>
-                                          </p:stCondLst>
-                                        </p:cTn>
-                                        <p:tgtEl>
                                           <p:spTgt spid="11"/>
-                                        </p:tgtEl>
-                                        <p:attrNameLst>
-                                          <p:attrName>style.visibility</p:attrName>
-                                        </p:attrNameLst>
-                                      </p:cBhvr>
-                                      <p:to>
-                                        <p:strVal val="visible"/>
-                                      </p:to>
-                                    </p:set>
-                                  </p:childTnLst>
-                                </p:cTn>
-                              </p:par>
-                            </p:childTnLst>
-                          </p:cTn>
-                        </p:par>
-                      </p:childTnLst>
-                    </p:cTn>
-                  </p:par>
-                  <p:par>
-                    <p:cTn id="21" fill="hold">
-                      <p:stCondLst>
-                        <p:cond delay="indefinite"/>
-                      </p:stCondLst>
-                      <p:childTnLst>
-                        <p:par>
-                          <p:cTn id="22" fill="hold">
-                            <p:stCondLst>
-                              <p:cond delay="0"/>
-                            </p:stCondLst>
-                            <p:childTnLst>
-                              <p:par>
-                                <p:cTn id="23" presetID="1" presetClass="entr" presetSubtype="0" fill="hold" nodeType="clickEffect">
-                                  <p:stCondLst>
-                                    <p:cond delay="0"/>
-                                  </p:stCondLst>
-                                  <p:childTnLst>
-                                    <p:set>
-                                      <p:cBhvr>
-                                        <p:cTn id="24" dur="1" fill="hold">
-                                          <p:stCondLst>
-                                            <p:cond delay="0"/>
-                                          </p:stCondLst>
-                                        </p:cTn>
-                                        <p:tgtEl>
-                                          <p:spTgt spid="105478"/>
                                         </p:tgtEl>
                                         <p:attrNameLst>
                                           <p:attrName>style.visibility</p:attrName>
@@ -14057,7 +15587,7 @@
 </p:sld>
 </file>
 
-<file path=ppt/slides/slide17.xml><?xml version="1.0" encoding="utf-8"?>
+<file path=ppt/slides/slide18.xml><?xml version="1.0" encoding="utf-8"?>
 <p:sld xmlns:a="http://schemas.openxmlformats.org/drawingml/2006/main" xmlns:r="http://schemas.openxmlformats.org/officeDocument/2006/relationships" xmlns:p="http://schemas.openxmlformats.org/presentationml/2006/main">
   <p:cSld>
     <p:spTree>
@@ -14458,7 +15988,7 @@
                 <a:tabLst/>
                 <a:defRPr/>
               </a:pPr>
-              <a:t>17</a:t>
+              <a:t>18</a:t>
             </a:fld>
             <a:endParaRPr kumimoji="0" lang="nl-NL" sz="1100" b="0" i="0" u="none" strike="noStrike" kern="1200" cap="none" spc="0" normalizeH="0" baseline="0" noProof="0" dirty="0">
               <a:ln>
@@ -14494,7 +16024,7 @@
         </p:blipFill>
         <p:spPr bwMode="auto">
           <a:xfrm>
-            <a:off x="4083261" y="2058210"/>
+            <a:off x="4181475" y="2321453"/>
             <a:ext cx="3076575" cy="1171575"/>
           </a:xfrm>
           <a:prstGeom prst="rect">
@@ -14517,7 +16047,7 @@
         </p:nvSpPr>
         <p:spPr bwMode="auto">
           <a:xfrm>
-            <a:off x="4359216" y="2516038"/>
+            <a:off x="4457430" y="2779281"/>
             <a:ext cx="2737448" cy="224286"/>
           </a:xfrm>
           <a:prstGeom prst="rect">
@@ -14589,7 +16119,7 @@
         </p:nvSpPr>
         <p:spPr>
           <a:xfrm>
-            <a:off x="6136258" y="2843841"/>
+            <a:off x="6234472" y="3107084"/>
             <a:ext cx="1364476" cy="369332"/>
           </a:xfrm>
           <a:prstGeom prst="rect">
@@ -14657,7 +16187,7 @@
         </p:blipFill>
         <p:spPr bwMode="auto">
           <a:xfrm>
-            <a:off x="4103569" y="3907407"/>
+            <a:off x="4181475" y="4231389"/>
             <a:ext cx="1914525" cy="647700"/>
           </a:xfrm>
           <a:prstGeom prst="rect">
@@ -14680,7 +16210,7 @@
         </p:nvSpPr>
         <p:spPr bwMode="auto">
           <a:xfrm>
-            <a:off x="4718650" y="3884762"/>
+            <a:off x="4796556" y="4208744"/>
             <a:ext cx="342180" cy="224286"/>
           </a:xfrm>
           <a:prstGeom prst="rect">
@@ -14752,7 +16282,7 @@
         </p:nvSpPr>
         <p:spPr>
           <a:xfrm>
-            <a:off x="6495692" y="4212565"/>
+            <a:off x="6573598" y="4536547"/>
             <a:ext cx="1364476" cy="369332"/>
           </a:xfrm>
           <a:prstGeom prst="rect">
@@ -15165,301 +16695,6 @@
 </p:sld>
 </file>
 
-<file path=ppt/slides/slide18.xml><?xml version="1.0" encoding="utf-8"?>
-<p:sld xmlns:a="http://schemas.openxmlformats.org/drawingml/2006/main" xmlns:r="http://schemas.openxmlformats.org/officeDocument/2006/relationships" xmlns:p="http://schemas.openxmlformats.org/presentationml/2006/main">
-  <p:cSld>
-    <p:spTree>
-      <p:nvGrpSpPr>
-        <p:cNvPr id="1" name=""/>
-        <p:cNvGrpSpPr/>
-        <p:nvPr/>
-      </p:nvGrpSpPr>
-      <p:grpSpPr>
-        <a:xfrm>
-          <a:off x="0" y="0"/>
-          <a:ext cx="0" cy="0"/>
-          <a:chOff x="0" y="0"/>
-          <a:chExt cx="0" cy="0"/>
-        </a:xfrm>
-      </p:grpSpPr>
-      <p:sp>
-        <p:nvSpPr>
-          <p:cNvPr id="18436" name="Rectangle 2"/>
-          <p:cNvSpPr>
-            <a:spLocks noGrp="1" noChangeArrowheads="1"/>
-          </p:cNvSpPr>
-          <p:nvPr>
-            <p:ph type="title"/>
-          </p:nvPr>
-        </p:nvSpPr>
-        <p:spPr>
-          <a:xfrm>
-            <a:off x="2019300" y="0"/>
-            <a:ext cx="8077200" cy="1143000"/>
-          </a:xfrm>
-        </p:spPr>
-        <p:txBody>
-          <a:bodyPr/>
-          <a:lstStyle/>
-          <a:p>
-            <a:pPr eaLnBrk="1" hangingPunct="1"/>
-            <a:r>
-              <a:rPr lang="en-US" dirty="0" err="1"/>
-              <a:t>Samenvatting</a:t>
-            </a:r>
-            <a:endParaRPr lang="en-US" dirty="0"/>
-          </a:p>
-        </p:txBody>
-      </p:sp>
-      <p:sp>
-        <p:nvSpPr>
-          <p:cNvPr id="18437" name="Rectangle 3"/>
-          <p:cNvSpPr>
-            <a:spLocks noGrp="1" noChangeArrowheads="1"/>
-          </p:cNvSpPr>
-          <p:nvPr>
-            <p:ph idx="1"/>
-          </p:nvPr>
-        </p:nvSpPr>
-        <p:spPr>
-          <a:xfrm>
-            <a:off x="1981200" y="1676400"/>
-            <a:ext cx="8305800" cy="4572000"/>
-          </a:xfrm>
-        </p:spPr>
-        <p:txBody>
-          <a:bodyPr/>
-          <a:lstStyle/>
-          <a:p>
-            <a:pPr eaLnBrk="1" hangingPunct="1"/>
-            <a:r>
-              <a:rPr lang="en-US" b="1" dirty="0"/>
-              <a:t>Property</a:t>
-            </a:r>
-          </a:p>
-          <a:p>
-            <a:pPr lvl="1" eaLnBrk="1" hangingPunct="1"/>
-            <a:r>
-              <a:rPr lang="en-US" dirty="0" err="1"/>
-              <a:t>Manier</a:t>
-            </a:r>
-            <a:r>
-              <a:rPr lang="en-US" dirty="0"/>
-              <a:t> om (private) data fields van </a:t>
-            </a:r>
-            <a:r>
-              <a:rPr lang="en-US" dirty="0" err="1"/>
-              <a:t>een</a:t>
-            </a:r>
-            <a:r>
-              <a:rPr lang="en-US" dirty="0"/>
-              <a:t> </a:t>
-            </a:r>
-            <a:r>
-              <a:rPr lang="en-US" dirty="0" err="1"/>
-              <a:t>klasse</a:t>
-            </a:r>
-            <a:r>
-              <a:rPr lang="en-US" dirty="0"/>
-              <a:t> </a:t>
-            </a:r>
-            <a:r>
-              <a:rPr lang="en-US" dirty="0" err="1"/>
-              <a:t>te</a:t>
-            </a:r>
-            <a:r>
-              <a:rPr lang="en-US" dirty="0"/>
-              <a:t> </a:t>
-            </a:r>
-            <a:r>
-              <a:rPr lang="en-US" dirty="0" err="1"/>
-              <a:t>bereiken</a:t>
-            </a:r>
-            <a:endParaRPr lang="en-US" dirty="0"/>
-          </a:p>
-          <a:p>
-            <a:pPr lvl="1" eaLnBrk="1" hangingPunct="1"/>
-            <a:r>
-              <a:rPr lang="en-US" dirty="0" err="1"/>
-              <a:t>Bepaald</a:t>
-            </a:r>
-            <a:r>
-              <a:rPr lang="en-US" dirty="0"/>
-              <a:t> hoe de data fields </a:t>
-            </a:r>
-            <a:r>
-              <a:rPr lang="en-US" dirty="0" err="1"/>
-              <a:t>hun</a:t>
-            </a:r>
-            <a:r>
-              <a:rPr lang="en-US" dirty="0"/>
-              <a:t> </a:t>
-            </a:r>
-            <a:r>
-              <a:rPr lang="en-US" dirty="0" err="1"/>
-              <a:t>waarden</a:t>
-            </a:r>
-            <a:r>
-              <a:rPr lang="en-US" dirty="0"/>
-              <a:t> </a:t>
-            </a:r>
-            <a:r>
-              <a:rPr lang="en-US" dirty="0" err="1"/>
-              <a:t>moeten</a:t>
-            </a:r>
-            <a:r>
-              <a:rPr lang="en-US" dirty="0"/>
-              <a:t> </a:t>
-            </a:r>
-            <a:r>
-              <a:rPr lang="en-US" dirty="0" err="1"/>
-              <a:t>krijgen</a:t>
-            </a:r>
-            <a:r>
-              <a:rPr lang="en-US" dirty="0"/>
-              <a:t> en </a:t>
-            </a:r>
-            <a:r>
-              <a:rPr lang="en-US" dirty="0" err="1"/>
-              <a:t>geven</a:t>
-            </a:r>
-            <a:endParaRPr lang="en-US" dirty="0"/>
-          </a:p>
-          <a:p>
-            <a:pPr eaLnBrk="1" hangingPunct="1"/>
-            <a:r>
-              <a:rPr lang="en-US" dirty="0"/>
-              <a:t>Properties </a:t>
-            </a:r>
-            <a:r>
-              <a:rPr lang="en-US" dirty="0" err="1"/>
-              <a:t>hebben</a:t>
-            </a:r>
-            <a:r>
-              <a:rPr lang="en-US" dirty="0"/>
-              <a:t> </a:t>
-            </a:r>
-            <a:r>
-              <a:rPr lang="en-US" b="1" dirty="0"/>
-              <a:t>accessors</a:t>
-            </a:r>
-            <a:endParaRPr lang="en-US" dirty="0"/>
-          </a:p>
-          <a:p>
-            <a:pPr lvl="1" eaLnBrk="1" hangingPunct="1"/>
-            <a:r>
-              <a:rPr lang="en-US" b="1" dirty="0">
-                <a:latin typeface="Courier New" pitchFamily="1" charset="0"/>
-              </a:rPr>
-              <a:t>set</a:t>
-            </a:r>
-            <a:r>
-              <a:rPr lang="en-US" b="1" dirty="0"/>
-              <a:t> accessors </a:t>
-            </a:r>
-            <a:r>
-              <a:rPr lang="en-US" dirty="0"/>
-              <a:t>om </a:t>
-            </a:r>
-            <a:r>
-              <a:rPr lang="en-US" dirty="0" err="1"/>
-              <a:t>waarde</a:t>
-            </a:r>
-            <a:r>
-              <a:rPr lang="en-US" dirty="0"/>
-              <a:t> </a:t>
-            </a:r>
-            <a:r>
-              <a:rPr lang="en-US" dirty="0" err="1"/>
-              <a:t>aan</a:t>
-            </a:r>
-            <a:r>
-              <a:rPr lang="en-US" dirty="0"/>
-              <a:t> field </a:t>
-            </a:r>
-            <a:r>
-              <a:rPr lang="en-US" dirty="0" err="1"/>
-              <a:t>te</a:t>
-            </a:r>
-            <a:r>
-              <a:rPr lang="en-US" dirty="0"/>
-              <a:t> </a:t>
-            </a:r>
-            <a:r>
-              <a:rPr lang="en-US" dirty="0" err="1"/>
-              <a:t>geven</a:t>
-            </a:r>
-            <a:endParaRPr lang="en-US" dirty="0"/>
-          </a:p>
-          <a:p>
-            <a:pPr lvl="1" eaLnBrk="1" hangingPunct="1"/>
-            <a:r>
-              <a:rPr lang="en-US" b="1" dirty="0">
-                <a:latin typeface="Courier New" pitchFamily="1" charset="0"/>
-              </a:rPr>
-              <a:t>get</a:t>
-            </a:r>
-            <a:r>
-              <a:rPr lang="en-US" b="1" dirty="0"/>
-              <a:t> accessors </a:t>
-            </a:r>
-            <a:r>
-              <a:rPr lang="en-US" dirty="0"/>
-              <a:t>om </a:t>
-            </a:r>
-            <a:r>
-              <a:rPr lang="en-US" dirty="0" err="1"/>
-              <a:t>waarde</a:t>
-            </a:r>
-            <a:r>
-              <a:rPr lang="en-US" dirty="0"/>
-              <a:t> </a:t>
-            </a:r>
-            <a:r>
-              <a:rPr lang="en-US" dirty="0" err="1"/>
-              <a:t>uit</a:t>
-            </a:r>
-            <a:r>
-              <a:rPr lang="en-US" dirty="0"/>
-              <a:t> field </a:t>
-            </a:r>
-            <a:r>
-              <a:rPr lang="en-US" dirty="0" err="1"/>
-              <a:t>uit</a:t>
-            </a:r>
-            <a:r>
-              <a:rPr lang="en-US" dirty="0"/>
-              <a:t> </a:t>
-            </a:r>
-            <a:r>
-              <a:rPr lang="en-US" dirty="0" err="1"/>
-              <a:t>te</a:t>
-            </a:r>
-            <a:r>
-              <a:rPr lang="en-US" dirty="0"/>
-              <a:t> </a:t>
-            </a:r>
-            <a:r>
-              <a:rPr lang="en-US" dirty="0" err="1"/>
-              <a:t>lezen</a:t>
-            </a:r>
-            <a:endParaRPr lang="en-US" dirty="0"/>
-          </a:p>
-        </p:txBody>
-      </p:sp>
-    </p:spTree>
-    <p:extLst>
-      <p:ext uri="{BB962C8B-B14F-4D97-AF65-F5344CB8AC3E}">
-        <p14:creationId xmlns:p14="http://schemas.microsoft.com/office/powerpoint/2010/main" val="2178725386"/>
-      </p:ext>
-    </p:extLst>
-  </p:cSld>
-  <p:clrMapOvr>
-    <a:masterClrMapping/>
-  </p:clrMapOvr>
-</p:sld>
-</file>
-
 <file path=ppt/slides/slide19.xml><?xml version="1.0" encoding="utf-8"?>
 <p:sld xmlns:a="http://schemas.openxmlformats.org/drawingml/2006/main" xmlns:r="http://schemas.openxmlformats.org/officeDocument/2006/relationships" xmlns:p="http://schemas.openxmlformats.org/presentationml/2006/main" show="0">
   <p:cSld>
@@ -16993,7 +18228,7 @@
           <a:bodyPr/>
           <a:lstStyle/>
           <a:p>
-            <a:endParaRPr lang="nl-BE"/>
+            <a:endParaRPr lang="nl-BE" dirty="0"/>
           </a:p>
         </p:txBody>
       </p:sp>
@@ -17375,8 +18610,8 @@
         </p:blipFill>
         <p:spPr bwMode="auto">
           <a:xfrm>
-            <a:off x="2863850" y="855664"/>
-            <a:ext cx="1955800" cy="5716587"/>
+            <a:off x="2417924" y="1262863"/>
+            <a:ext cx="1789329" cy="5230012"/>
           </a:xfrm>
           <a:prstGeom prst="rect">
             <a:avLst/>
@@ -18259,7 +19494,7 @@
         </p:nvSpPr>
         <p:spPr>
           <a:xfrm>
-            <a:off x="3280966" y="2661009"/>
+            <a:off x="3280966" y="2426117"/>
             <a:ext cx="5630067" cy="369332"/>
           </a:xfrm>
           <a:prstGeom prst="rect">
@@ -19790,7 +21025,7 @@
 </file>
 
 <file path=ppt/slides/slide30.xml><?xml version="1.0" encoding="utf-8"?>
-<p:sld xmlns:a="http://schemas.openxmlformats.org/drawingml/2006/main" xmlns:r="http://schemas.openxmlformats.org/officeDocument/2006/relationships" xmlns:p="http://schemas.openxmlformats.org/presentationml/2006/main">
+<p:sld xmlns:a="http://schemas.openxmlformats.org/drawingml/2006/main" xmlns:r="http://schemas.openxmlformats.org/officeDocument/2006/relationships" xmlns:p="http://schemas.openxmlformats.org/presentationml/2006/main" show="0">
   <p:cSld>
     <p:spTree>
       <p:nvGrpSpPr>
@@ -20001,1565 +21236,319 @@
       </p:grpSpPr>
       <p:sp>
         <p:nvSpPr>
-          <p:cNvPr id="2" name="Titel 1">
-            <a:extLst>
-              <a:ext uri="{FF2B5EF4-FFF2-40B4-BE49-F238E27FC236}">
-                <a16:creationId xmlns:a16="http://schemas.microsoft.com/office/drawing/2014/main" id="{C5E0D70F-8835-4F72-9CF4-A8A0D4C2366F}"/>
-              </a:ext>
-            </a:extLst>
-          </p:cNvPr>
+          <p:cNvPr id="18436" name="Rectangle 2"/>
           <p:cNvSpPr>
-            <a:spLocks noGrp="1"/>
+            <a:spLocks noGrp="1" noChangeArrowheads="1"/>
           </p:cNvSpPr>
           <p:nvPr>
             <p:ph type="title"/>
           </p:nvPr>
         </p:nvSpPr>
-        <p:spPr/>
+        <p:spPr>
+          <a:xfrm>
+            <a:off x="2019300" y="0"/>
+            <a:ext cx="8077200" cy="1143000"/>
+          </a:xfrm>
+        </p:spPr>
         <p:txBody>
           <a:bodyPr/>
           <a:lstStyle/>
           <a:p>
-            <a:r>
-              <a:rPr lang="nl-BE" dirty="0"/>
-              <a:t>Omvormers</a:t>
-            </a:r>
+            <a:pPr eaLnBrk="1" hangingPunct="1"/>
+            <a:r>
+              <a:rPr lang="en-US" dirty="0" err="1"/>
+              <a:t>Samenvatting</a:t>
+            </a:r>
+            <a:endParaRPr lang="en-US" dirty="0"/>
           </a:p>
         </p:txBody>
       </p:sp>
       <p:sp>
         <p:nvSpPr>
-          <p:cNvPr id="3" name="Tijdelijke aanduiding voor inhoud 2">
-            <a:extLst>
-              <a:ext uri="{FF2B5EF4-FFF2-40B4-BE49-F238E27FC236}">
-                <a16:creationId xmlns:a16="http://schemas.microsoft.com/office/drawing/2014/main" id="{4A1C7BA7-A3AC-48F7-9D8C-B2C56C5F0CD3}"/>
-              </a:ext>
-            </a:extLst>
-          </p:cNvPr>
+          <p:cNvPr id="18437" name="Rectangle 3"/>
           <p:cNvSpPr>
-            <a:spLocks noGrp="1"/>
+            <a:spLocks noGrp="1" noChangeArrowheads="1"/>
           </p:cNvSpPr>
           <p:nvPr>
             <p:ph idx="1"/>
           </p:nvPr>
         </p:nvSpPr>
-        <p:spPr/>
-        <p:txBody>
-          <a:bodyPr/>
-          <a:lstStyle/>
-          <a:p>
-            <a:r>
-              <a:rPr lang="nl-BE" dirty="0" err="1"/>
-              <a:t>Properties</a:t>
-            </a:r>
-            <a:r>
-              <a:rPr lang="nl-BE" dirty="0"/>
-              <a:t> zijn zeer nuttig indien je aan de buitenwereld zaken wilt aanbieden die niet noodzakelijk in het object an </a:t>
-            </a:r>
-            <a:r>
-              <a:rPr lang="nl-BE" dirty="0" err="1"/>
-              <a:t>sich</a:t>
-            </a:r>
-            <a:r>
-              <a:rPr lang="nl-BE" dirty="0"/>
-              <a:t> bestaan.</a:t>
-            </a:r>
-          </a:p>
-          <a:p>
-            <a:endParaRPr lang="nl-BE" dirty="0"/>
-          </a:p>
-          <a:p>
-            <a:r>
-              <a:rPr lang="nl-BE" dirty="0"/>
-              <a:t>Voorbeeld:</a:t>
-            </a:r>
-          </a:p>
-          <a:p>
-            <a:endParaRPr lang="nl-BE" dirty="0"/>
-          </a:p>
-        </p:txBody>
-      </p:sp>
-      <p:sp>
-        <p:nvSpPr>
-          <p:cNvPr id="4" name="Tijdelijke aanduiding voor dianummer 3">
-            <a:extLst>
-              <a:ext uri="{FF2B5EF4-FFF2-40B4-BE49-F238E27FC236}">
-                <a16:creationId xmlns:a16="http://schemas.microsoft.com/office/drawing/2014/main" id="{7DF39CB3-1FF6-4292-BBE6-80568BDEC89D}"/>
-              </a:ext>
-            </a:extLst>
-          </p:cNvPr>
-          <p:cNvSpPr>
-            <a:spLocks noGrp="1"/>
-          </p:cNvSpPr>
-          <p:nvPr>
-            <p:ph type="sldNum" sz="quarter" idx="12"/>
-          </p:nvPr>
-        </p:nvSpPr>
-        <p:spPr/>
-        <p:txBody>
-          <a:bodyPr/>
-          <a:lstStyle/>
-          <a:p>
-            <a:pPr marL="0" marR="0" lvl="0" indent="0" algn="r" defTabSz="914400" rtl="0" eaLnBrk="0" fontAlgn="base" latinLnBrk="0" hangingPunct="0">
-              <a:lnSpc>
-                <a:spcPct val="100000"/>
-              </a:lnSpc>
-              <a:spcBef>
-                <a:spcPct val="0"/>
-              </a:spcBef>
-              <a:spcAft>
-                <a:spcPct val="0"/>
-              </a:spcAft>
-              <a:buClrTx/>
-              <a:buSzTx/>
-              <a:buFontTx/>
-              <a:buNone/>
-              <a:tabLst/>
-              <a:defRPr/>
-            </a:pPr>
-            <a:r>
-              <a:rPr kumimoji="0" lang="nl-NL" sz="1100" b="0" i="0" u="none" strike="noStrike" kern="1200" cap="none" spc="0" normalizeH="0" baseline="0" noProof="0">
-                <a:ln>
-                  <a:noFill/>
-                </a:ln>
-                <a:solidFill>
-                  <a:prstClr val="black"/>
-                </a:solidFill>
-                <a:effectLst/>
-                <a:uLnTx/>
-                <a:uFillTx/>
-                <a:latin typeface="Arial" charset="0"/>
-                <a:ea typeface="+mn-ea"/>
-                <a:cs typeface="+mn-cs"/>
-              </a:rPr>
-              <a:t>© ap| </a:t>
-            </a:r>
-            <a:fld id="{8A00CA90-1673-4C5D-B289-DA0BFE9501DF}" type="slidenum">
-              <a:rPr kumimoji="0" lang="nl-NL" sz="1100" b="0" i="0" u="none" strike="noStrike" kern="1200" cap="none" spc="0" normalizeH="0" baseline="0" noProof="0" smtClean="0">
-                <a:ln>
-                  <a:noFill/>
-                </a:ln>
-                <a:solidFill>
-                  <a:prstClr val="black"/>
-                </a:solidFill>
-                <a:effectLst/>
-                <a:uLnTx/>
-                <a:uFillTx/>
-                <a:latin typeface="Arial" charset="0"/>
-                <a:ea typeface="+mn-ea"/>
-                <a:cs typeface="+mn-cs"/>
-              </a:rPr>
-              <a:pPr marL="0" marR="0" lvl="0" indent="0" algn="r" defTabSz="914400" rtl="0" eaLnBrk="0" fontAlgn="base" latinLnBrk="0" hangingPunct="0">
-                <a:lnSpc>
-                  <a:spcPct val="100000"/>
-                </a:lnSpc>
-                <a:spcBef>
-                  <a:spcPct val="0"/>
-                </a:spcBef>
-                <a:spcAft>
-                  <a:spcPct val="0"/>
-                </a:spcAft>
-                <a:buClrTx/>
-                <a:buSzTx/>
-                <a:buFontTx/>
-                <a:buNone/>
-                <a:tabLst/>
-                <a:defRPr/>
-              </a:pPr>
-              <a:t>31</a:t>
-            </a:fld>
-            <a:endParaRPr kumimoji="0" lang="nl-NL" sz="1100" b="0" i="0" u="none" strike="noStrike" kern="1200" cap="none" spc="0" normalizeH="0" baseline="0" noProof="0" dirty="0">
-              <a:ln>
-                <a:noFill/>
-              </a:ln>
-              <a:solidFill>
-                <a:prstClr val="black"/>
-              </a:solidFill>
-              <a:effectLst/>
-              <a:uLnTx/>
-              <a:uFillTx/>
-              <a:latin typeface="Arial" charset="0"/>
-              <a:ea typeface="+mn-ea"/>
-              <a:cs typeface="+mn-cs"/>
-            </a:endParaRPr>
-          </a:p>
-        </p:txBody>
-      </p:sp>
-      <p:sp>
-        <p:nvSpPr>
-          <p:cNvPr id="5" name="Rechthoek 4">
-            <a:extLst>
-              <a:ext uri="{FF2B5EF4-FFF2-40B4-BE49-F238E27FC236}">
-                <a16:creationId xmlns:a16="http://schemas.microsoft.com/office/drawing/2014/main" id="{89982188-D311-4FE1-A8D3-8C8756956C8D}"/>
-              </a:ext>
-            </a:extLst>
-          </p:cNvPr>
-          <p:cNvSpPr/>
-          <p:nvPr/>
-        </p:nvSpPr>
         <p:spPr>
           <a:xfrm>
-            <a:off x="3005958" y="1946335"/>
-            <a:ext cx="10026869" cy="4524315"/>
+            <a:off x="1981200" y="1676400"/>
+            <a:ext cx="8305800" cy="4572000"/>
           </a:xfrm>
-          <a:prstGeom prst="rect">
-            <a:avLst/>
-          </a:prstGeom>
         </p:spPr>
         <p:txBody>
-          <a:bodyPr wrap="square">
-            <a:spAutoFit/>
+          <a:bodyPr>
+            <a:normAutofit fontScale="92500"/>
           </a:bodyPr>
           <a:lstStyle/>
           <a:p>
-            <a:pPr marL="0" marR="0" lvl="0" indent="0" algn="l" defTabSz="914400" rtl="0" eaLnBrk="1" fontAlgn="base" latinLnBrk="0" hangingPunct="1">
-              <a:lnSpc>
-                <a:spcPct val="100000"/>
-              </a:lnSpc>
-              <a:spcBef>
-                <a:spcPct val="0"/>
-              </a:spcBef>
-              <a:spcAft>
-                <a:spcPct val="0"/>
-              </a:spcAft>
-              <a:buClrTx/>
-              <a:buSzTx/>
-              <a:buFontTx/>
-              <a:buNone/>
-              <a:tabLst/>
-              <a:defRPr/>
-            </a:pPr>
-            <a:r>
-              <a:rPr kumimoji="0" lang="nl-BE" sz="1800" b="0" i="0" u="none" strike="noStrike" kern="1200" cap="none" spc="0" normalizeH="0" baseline="0" noProof="0" dirty="0">
-                <a:ln>
-                  <a:noFill/>
-                </a:ln>
-                <a:solidFill>
-                  <a:srgbClr val="0000FF"/>
-                </a:solidFill>
-                <a:effectLst/>
-                <a:uLnTx/>
-                <a:uFillTx/>
-                <a:latin typeface="Consolas" panose="020B0609020204030204" pitchFamily="49" charset="0"/>
-                <a:ea typeface="+mn-ea"/>
-                <a:cs typeface="Arial" charset="0"/>
-              </a:rPr>
-              <a:t>    class</a:t>
-            </a:r>
-            <a:r>
-              <a:rPr kumimoji="0" lang="nl-BE" sz="1800" b="0" i="0" u="none" strike="noStrike" kern="1200" cap="none" spc="0" normalizeH="0" baseline="0" noProof="0" dirty="0">
-                <a:ln>
-                  <a:noFill/>
-                </a:ln>
-                <a:solidFill>
-                  <a:srgbClr val="000000"/>
-                </a:solidFill>
-                <a:effectLst/>
-                <a:uLnTx/>
-                <a:uFillTx/>
-                <a:latin typeface="Consolas" panose="020B0609020204030204" pitchFamily="49" charset="0"/>
-                <a:ea typeface="+mn-ea"/>
-                <a:cs typeface="Arial" charset="0"/>
-              </a:rPr>
+            <a:pPr eaLnBrk="1" hangingPunct="1"/>
+            <a:r>
+              <a:rPr lang="en-US" b="1" dirty="0"/>
+              <a:t>Property</a:t>
+            </a:r>
+          </a:p>
+          <a:p>
+            <a:pPr lvl="1" eaLnBrk="1" hangingPunct="1"/>
+            <a:r>
+              <a:rPr lang="en-US" dirty="0" err="1"/>
+              <a:t>Manier</a:t>
+            </a:r>
+            <a:r>
+              <a:rPr lang="en-US" dirty="0"/>
+              <a:t> om (private) data fields van </a:t>
+            </a:r>
+            <a:r>
+              <a:rPr lang="en-US" dirty="0" err="1"/>
+              <a:t>een</a:t>
+            </a:r>
+            <a:r>
+              <a:rPr lang="en-US" dirty="0"/>
               <a:t> </a:t>
             </a:r>
             <a:r>
-              <a:rPr kumimoji="0" lang="nl-BE" sz="1800" b="0" i="0" u="none" strike="noStrike" kern="1200" cap="none" spc="0" normalizeH="0" baseline="0" noProof="0" dirty="0">
-                <a:ln>
-                  <a:noFill/>
-                </a:ln>
-                <a:solidFill>
-                  <a:srgbClr val="2B91AF"/>
-                </a:solidFill>
-                <a:effectLst/>
-                <a:uLnTx/>
-                <a:uFillTx/>
-                <a:latin typeface="Consolas" panose="020B0609020204030204" pitchFamily="49" charset="0"/>
-                <a:ea typeface="+mn-ea"/>
-                <a:cs typeface="Arial" charset="0"/>
-              </a:rPr>
-              <a:t>Persoon</a:t>
-            </a:r>
-            <a:endParaRPr kumimoji="0" lang="nl-BE" sz="1800" b="0" i="0" u="none" strike="noStrike" kern="1200" cap="none" spc="0" normalizeH="0" baseline="0" noProof="0" dirty="0">
-              <a:ln>
-                <a:noFill/>
-              </a:ln>
-              <a:solidFill>
-                <a:srgbClr val="000000"/>
-              </a:solidFill>
-              <a:effectLst/>
-              <a:uLnTx/>
-              <a:uFillTx/>
-              <a:latin typeface="Consolas" panose="020B0609020204030204" pitchFamily="49" charset="0"/>
-              <a:ea typeface="+mn-ea"/>
-              <a:cs typeface="Arial" charset="0"/>
-            </a:endParaRPr>
-          </a:p>
-          <a:p>
-            <a:pPr marL="0" marR="0" lvl="0" indent="0" algn="l" defTabSz="914400" rtl="0" eaLnBrk="1" fontAlgn="base" latinLnBrk="0" hangingPunct="1">
-              <a:lnSpc>
-                <a:spcPct val="100000"/>
-              </a:lnSpc>
-              <a:spcBef>
-                <a:spcPct val="0"/>
-              </a:spcBef>
-              <a:spcAft>
-                <a:spcPct val="0"/>
-              </a:spcAft>
-              <a:buClrTx/>
-              <a:buSzTx/>
-              <a:buFontTx/>
-              <a:buNone/>
-              <a:tabLst/>
-              <a:defRPr/>
-            </a:pPr>
-            <a:r>
-              <a:rPr kumimoji="0" lang="nl-BE" sz="1800" b="0" i="0" u="none" strike="noStrike" kern="1200" cap="none" spc="0" normalizeH="0" baseline="0" noProof="0" dirty="0">
-                <a:ln>
-                  <a:noFill/>
-                </a:ln>
-                <a:solidFill>
-                  <a:srgbClr val="000000"/>
-                </a:solidFill>
-                <a:effectLst/>
-                <a:uLnTx/>
-                <a:uFillTx/>
-                <a:latin typeface="Consolas" panose="020B0609020204030204" pitchFamily="49" charset="0"/>
-                <a:ea typeface="+mn-ea"/>
-                <a:cs typeface="Arial" charset="0"/>
-              </a:rPr>
-              <a:t>    {</a:t>
-            </a:r>
-          </a:p>
-          <a:p>
-            <a:pPr marL="0" marR="0" lvl="0" indent="0" algn="l" defTabSz="914400" rtl="0" eaLnBrk="1" fontAlgn="base" latinLnBrk="0" hangingPunct="1">
-              <a:lnSpc>
-                <a:spcPct val="100000"/>
-              </a:lnSpc>
-              <a:spcBef>
-                <a:spcPct val="0"/>
-              </a:spcBef>
-              <a:spcAft>
-                <a:spcPct val="0"/>
-              </a:spcAft>
-              <a:buClrTx/>
-              <a:buSzTx/>
-              <a:buFontTx/>
-              <a:buNone/>
-              <a:tabLst/>
-              <a:defRPr/>
-            </a:pPr>
-            <a:r>
-              <a:rPr kumimoji="0" lang="nl-BE" sz="1800" b="0" i="0" u="none" strike="noStrike" kern="1200" cap="none" spc="0" normalizeH="0" baseline="0" noProof="0" dirty="0">
-                <a:ln>
-                  <a:noFill/>
-                </a:ln>
-                <a:solidFill>
-                  <a:srgbClr val="000000"/>
-                </a:solidFill>
-                <a:effectLst/>
-                <a:uLnTx/>
-                <a:uFillTx/>
-                <a:latin typeface="Consolas" panose="020B0609020204030204" pitchFamily="49" charset="0"/>
-                <a:ea typeface="+mn-ea"/>
-                <a:cs typeface="Arial" charset="0"/>
-              </a:rPr>
-              <a:t>        </a:t>
-            </a:r>
-            <a:r>
-              <a:rPr kumimoji="0" lang="nl-BE" sz="1800" b="0" i="0" u="none" strike="noStrike" kern="1200" cap="none" spc="0" normalizeH="0" baseline="0" noProof="0" dirty="0">
-                <a:ln>
-                  <a:noFill/>
-                </a:ln>
-                <a:solidFill>
-                  <a:srgbClr val="0000FF"/>
-                </a:solidFill>
-                <a:effectLst/>
-                <a:uLnTx/>
-                <a:uFillTx/>
-                <a:latin typeface="Consolas" panose="020B0609020204030204" pitchFamily="49" charset="0"/>
-                <a:ea typeface="+mn-ea"/>
-                <a:cs typeface="Arial" charset="0"/>
-              </a:rPr>
-              <a:t>private</a:t>
-            </a:r>
-            <a:r>
-              <a:rPr kumimoji="0" lang="nl-BE" sz="1800" b="0" i="0" u="none" strike="noStrike" kern="1200" cap="none" spc="0" normalizeH="0" baseline="0" noProof="0" dirty="0">
-                <a:ln>
-                  <a:noFill/>
-                </a:ln>
-                <a:solidFill>
-                  <a:srgbClr val="000000"/>
-                </a:solidFill>
-                <a:effectLst/>
-                <a:uLnTx/>
-                <a:uFillTx/>
-                <a:latin typeface="Consolas" panose="020B0609020204030204" pitchFamily="49" charset="0"/>
-                <a:ea typeface="+mn-ea"/>
-                <a:cs typeface="Arial" charset="0"/>
-              </a:rPr>
+              <a:rPr lang="en-US" dirty="0" err="1"/>
+              <a:t>klasse</a:t>
+            </a:r>
+            <a:r>
+              <a:rPr lang="en-US" dirty="0"/>
               <a:t> </a:t>
             </a:r>
             <a:r>
-              <a:rPr kumimoji="0" lang="nl-BE" sz="1800" b="0" i="0" u="none" strike="noStrike" kern="1200" cap="none" spc="0" normalizeH="0" baseline="0" noProof="0" dirty="0">
-                <a:ln>
-                  <a:noFill/>
-                </a:ln>
-                <a:solidFill>
-                  <a:srgbClr val="0000FF"/>
-                </a:solidFill>
-                <a:effectLst/>
-                <a:uLnTx/>
-                <a:uFillTx/>
-                <a:latin typeface="Consolas" panose="020B0609020204030204" pitchFamily="49" charset="0"/>
-                <a:ea typeface="+mn-ea"/>
-                <a:cs typeface="Arial" charset="0"/>
-              </a:rPr>
-              <a:t>string</a:t>
-            </a:r>
-            <a:r>
-              <a:rPr kumimoji="0" lang="nl-BE" sz="1800" b="0" i="0" u="none" strike="noStrike" kern="1200" cap="none" spc="0" normalizeH="0" baseline="0" noProof="0" dirty="0">
-                <a:ln>
-                  <a:noFill/>
-                </a:ln>
-                <a:solidFill>
-                  <a:srgbClr val="000000"/>
-                </a:solidFill>
-                <a:effectLst/>
-                <a:uLnTx/>
-                <a:uFillTx/>
-                <a:latin typeface="Consolas" panose="020B0609020204030204" pitchFamily="49" charset="0"/>
-                <a:ea typeface="+mn-ea"/>
-                <a:cs typeface="Arial" charset="0"/>
-              </a:rPr>
-              <a:t> voornaam;</a:t>
-            </a:r>
-          </a:p>
-          <a:p>
-            <a:pPr marL="0" marR="0" lvl="0" indent="0" algn="l" defTabSz="914400" rtl="0" eaLnBrk="1" fontAlgn="base" latinLnBrk="0" hangingPunct="1">
-              <a:lnSpc>
-                <a:spcPct val="100000"/>
-              </a:lnSpc>
-              <a:spcBef>
-                <a:spcPct val="0"/>
-              </a:spcBef>
-              <a:spcAft>
-                <a:spcPct val="0"/>
-              </a:spcAft>
-              <a:buClrTx/>
-              <a:buSzTx/>
-              <a:buFontTx/>
-              <a:buNone/>
-              <a:tabLst/>
-              <a:defRPr/>
-            </a:pPr>
-            <a:r>
-              <a:rPr kumimoji="0" lang="nl-BE" sz="1800" b="0" i="0" u="none" strike="noStrike" kern="1200" cap="none" spc="0" normalizeH="0" baseline="0" noProof="0" dirty="0">
-                <a:ln>
-                  <a:noFill/>
-                </a:ln>
-                <a:solidFill>
-                  <a:srgbClr val="000000"/>
-                </a:solidFill>
-                <a:effectLst/>
-                <a:uLnTx/>
-                <a:uFillTx/>
-                <a:latin typeface="Consolas" panose="020B0609020204030204" pitchFamily="49" charset="0"/>
-                <a:ea typeface="+mn-ea"/>
-                <a:cs typeface="Arial" charset="0"/>
-              </a:rPr>
-              <a:t>        </a:t>
-            </a:r>
-            <a:r>
-              <a:rPr kumimoji="0" lang="nl-BE" sz="1800" b="0" i="0" u="none" strike="noStrike" kern="1200" cap="none" spc="0" normalizeH="0" baseline="0" noProof="0" dirty="0">
-                <a:ln>
-                  <a:noFill/>
-                </a:ln>
-                <a:solidFill>
-                  <a:srgbClr val="0000FF"/>
-                </a:solidFill>
-                <a:effectLst/>
-                <a:uLnTx/>
-                <a:uFillTx/>
-                <a:latin typeface="Consolas" panose="020B0609020204030204" pitchFamily="49" charset="0"/>
-                <a:ea typeface="+mn-ea"/>
-                <a:cs typeface="Arial" charset="0"/>
-              </a:rPr>
-              <a:t>private</a:t>
-            </a:r>
-            <a:r>
-              <a:rPr kumimoji="0" lang="nl-BE" sz="1800" b="0" i="0" u="none" strike="noStrike" kern="1200" cap="none" spc="0" normalizeH="0" baseline="0" noProof="0" dirty="0">
-                <a:ln>
-                  <a:noFill/>
-                </a:ln>
-                <a:solidFill>
-                  <a:srgbClr val="000000"/>
-                </a:solidFill>
-                <a:effectLst/>
-                <a:uLnTx/>
-                <a:uFillTx/>
-                <a:latin typeface="Consolas" panose="020B0609020204030204" pitchFamily="49" charset="0"/>
-                <a:ea typeface="+mn-ea"/>
-                <a:cs typeface="Arial" charset="0"/>
-              </a:rPr>
+              <a:rPr lang="en-US" dirty="0" err="1"/>
+              <a:t>te</a:t>
+            </a:r>
+            <a:r>
+              <a:rPr lang="en-US" dirty="0"/>
               <a:t> </a:t>
             </a:r>
             <a:r>
-              <a:rPr kumimoji="0" lang="nl-BE" sz="1800" b="0" i="0" u="none" strike="noStrike" kern="1200" cap="none" spc="0" normalizeH="0" baseline="0" noProof="0" dirty="0">
-                <a:ln>
-                  <a:noFill/>
-                </a:ln>
-                <a:solidFill>
-                  <a:srgbClr val="0000FF"/>
-                </a:solidFill>
-                <a:effectLst/>
-                <a:uLnTx/>
-                <a:uFillTx/>
-                <a:latin typeface="Consolas" panose="020B0609020204030204" pitchFamily="49" charset="0"/>
-                <a:ea typeface="+mn-ea"/>
-                <a:cs typeface="Arial" charset="0"/>
-              </a:rPr>
-              <a:t>string</a:t>
-            </a:r>
-            <a:r>
-              <a:rPr kumimoji="0" lang="nl-BE" sz="1800" b="0" i="0" u="none" strike="noStrike" kern="1200" cap="none" spc="0" normalizeH="0" baseline="0" noProof="0" dirty="0">
-                <a:ln>
-                  <a:noFill/>
-                </a:ln>
-                <a:solidFill>
-                  <a:srgbClr val="000000"/>
-                </a:solidFill>
-                <a:effectLst/>
-                <a:uLnTx/>
-                <a:uFillTx/>
-                <a:latin typeface="Consolas" panose="020B0609020204030204" pitchFamily="49" charset="0"/>
-                <a:ea typeface="+mn-ea"/>
-                <a:cs typeface="Arial" charset="0"/>
-              </a:rPr>
-              <a:t> achternaam;</a:t>
-            </a:r>
-          </a:p>
-          <a:p>
-            <a:pPr marL="0" marR="0" lvl="0" indent="0" algn="l" defTabSz="914400" rtl="0" eaLnBrk="1" fontAlgn="base" latinLnBrk="0" hangingPunct="1">
-              <a:lnSpc>
-                <a:spcPct val="100000"/>
-              </a:lnSpc>
-              <a:spcBef>
-                <a:spcPct val="0"/>
-              </a:spcBef>
-              <a:spcAft>
-                <a:spcPct val="0"/>
-              </a:spcAft>
-              <a:buClrTx/>
-              <a:buSzTx/>
-              <a:buFontTx/>
-              <a:buNone/>
-              <a:tabLst/>
-              <a:defRPr/>
-            </a:pPr>
-            <a:r>
-              <a:rPr kumimoji="0" lang="nl-BE" sz="1800" b="0" i="0" u="none" strike="noStrike" kern="1200" cap="none" spc="0" normalizeH="0" baseline="0" noProof="0" dirty="0">
-                <a:ln>
-                  <a:noFill/>
-                </a:ln>
-                <a:solidFill>
-                  <a:srgbClr val="000000"/>
-                </a:solidFill>
-                <a:effectLst/>
-                <a:uLnTx/>
-                <a:uFillTx/>
-                <a:latin typeface="Consolas" panose="020B0609020204030204" pitchFamily="49" charset="0"/>
-                <a:ea typeface="+mn-ea"/>
-                <a:cs typeface="Arial" charset="0"/>
-              </a:rPr>
-              <a:t>        </a:t>
-            </a:r>
-            <a:r>
-              <a:rPr kumimoji="0" lang="nl-BE" sz="1800" b="0" i="0" u="none" strike="noStrike" kern="1200" cap="none" spc="0" normalizeH="0" baseline="0" noProof="0" dirty="0">
-                <a:ln>
-                  <a:noFill/>
-                </a:ln>
-                <a:solidFill>
-                  <a:srgbClr val="0000FF"/>
-                </a:solidFill>
-                <a:effectLst/>
-                <a:uLnTx/>
-                <a:uFillTx/>
-                <a:latin typeface="Consolas" panose="020B0609020204030204" pitchFamily="49" charset="0"/>
-                <a:ea typeface="+mn-ea"/>
-                <a:cs typeface="Arial" charset="0"/>
-              </a:rPr>
-              <a:t>public</a:t>
-            </a:r>
-            <a:r>
-              <a:rPr kumimoji="0" lang="nl-BE" sz="1800" b="0" i="0" u="none" strike="noStrike" kern="1200" cap="none" spc="0" normalizeH="0" baseline="0" noProof="0" dirty="0">
-                <a:ln>
-                  <a:noFill/>
-                </a:ln>
-                <a:solidFill>
-                  <a:srgbClr val="000000"/>
-                </a:solidFill>
-                <a:effectLst/>
-                <a:uLnTx/>
-                <a:uFillTx/>
-                <a:latin typeface="Consolas" panose="020B0609020204030204" pitchFamily="49" charset="0"/>
-                <a:ea typeface="+mn-ea"/>
-                <a:cs typeface="Arial" charset="0"/>
-              </a:rPr>
+              <a:rPr lang="en-US" dirty="0" err="1"/>
+              <a:t>bereiken</a:t>
+            </a:r>
+            <a:endParaRPr lang="en-US" dirty="0"/>
+          </a:p>
+          <a:p>
+            <a:pPr lvl="1" eaLnBrk="1" hangingPunct="1"/>
+            <a:r>
+              <a:rPr lang="en-US" dirty="0" err="1"/>
+              <a:t>Bepaald</a:t>
+            </a:r>
+            <a:r>
+              <a:rPr lang="en-US" dirty="0"/>
+              <a:t> hoe de data fields </a:t>
+            </a:r>
+            <a:r>
+              <a:rPr lang="en-US" dirty="0" err="1"/>
+              <a:t>hun</a:t>
+            </a:r>
+            <a:r>
+              <a:rPr lang="en-US" dirty="0"/>
               <a:t> </a:t>
             </a:r>
             <a:r>
-              <a:rPr kumimoji="0" lang="nl-BE" sz="1800" b="0" i="0" u="none" strike="noStrike" kern="1200" cap="none" spc="0" normalizeH="0" baseline="0" noProof="0" dirty="0">
-                <a:ln>
-                  <a:noFill/>
-                </a:ln>
-                <a:solidFill>
-                  <a:srgbClr val="0000FF"/>
-                </a:solidFill>
-                <a:effectLst/>
-                <a:uLnTx/>
-                <a:uFillTx/>
-                <a:latin typeface="Consolas" panose="020B0609020204030204" pitchFamily="49" charset="0"/>
-                <a:ea typeface="+mn-ea"/>
-                <a:cs typeface="Arial" charset="0"/>
-              </a:rPr>
-              <a:t>string</a:t>
-            </a:r>
-            <a:r>
-              <a:rPr kumimoji="0" lang="nl-BE" sz="1800" b="0" i="0" u="none" strike="noStrike" kern="1200" cap="none" spc="0" normalizeH="0" baseline="0" noProof="0" dirty="0">
-                <a:ln>
-                  <a:noFill/>
-                </a:ln>
-                <a:solidFill>
-                  <a:srgbClr val="000000"/>
-                </a:solidFill>
-                <a:effectLst/>
-                <a:uLnTx/>
-                <a:uFillTx/>
-                <a:latin typeface="Consolas" panose="020B0609020204030204" pitchFamily="49" charset="0"/>
-                <a:ea typeface="+mn-ea"/>
-                <a:cs typeface="Arial" charset="0"/>
-              </a:rPr>
+              <a:rPr lang="en-US" dirty="0" err="1"/>
+              <a:t>waarden</a:t>
+            </a:r>
+            <a:r>
+              <a:rPr lang="en-US" dirty="0"/>
               <a:t> </a:t>
             </a:r>
             <a:r>
-              <a:rPr kumimoji="0" lang="nl-BE" sz="1800" b="0" i="0" u="none" strike="noStrike" kern="1200" cap="none" spc="0" normalizeH="0" baseline="0" noProof="0" dirty="0" err="1">
-                <a:ln>
-                  <a:noFill/>
-                </a:ln>
-                <a:solidFill>
-                  <a:srgbClr val="000000"/>
-                </a:solidFill>
-                <a:effectLst/>
-                <a:uLnTx/>
-                <a:uFillTx/>
-                <a:latin typeface="Consolas" panose="020B0609020204030204" pitchFamily="49" charset="0"/>
-                <a:ea typeface="+mn-ea"/>
-                <a:cs typeface="Arial" charset="0"/>
-              </a:rPr>
-              <a:t>FullName</a:t>
-            </a:r>
-            <a:endParaRPr kumimoji="0" lang="nl-BE" sz="1800" b="0" i="0" u="none" strike="noStrike" kern="1200" cap="none" spc="0" normalizeH="0" baseline="0" noProof="0" dirty="0">
-              <a:ln>
-                <a:noFill/>
-              </a:ln>
-              <a:solidFill>
-                <a:srgbClr val="000000"/>
-              </a:solidFill>
-              <a:effectLst/>
-              <a:uLnTx/>
-              <a:uFillTx/>
-              <a:latin typeface="Consolas" panose="020B0609020204030204" pitchFamily="49" charset="0"/>
-              <a:ea typeface="+mn-ea"/>
-              <a:cs typeface="Arial" charset="0"/>
-            </a:endParaRPr>
-          </a:p>
-          <a:p>
-            <a:pPr marL="0" marR="0" lvl="0" indent="0" algn="l" defTabSz="914400" rtl="0" eaLnBrk="1" fontAlgn="base" latinLnBrk="0" hangingPunct="1">
-              <a:lnSpc>
-                <a:spcPct val="100000"/>
-              </a:lnSpc>
-              <a:spcBef>
-                <a:spcPct val="0"/>
-              </a:spcBef>
-              <a:spcAft>
-                <a:spcPct val="0"/>
-              </a:spcAft>
-              <a:buClrTx/>
-              <a:buSzTx/>
-              <a:buFontTx/>
-              <a:buNone/>
-              <a:tabLst/>
-              <a:defRPr/>
-            </a:pPr>
-            <a:r>
-              <a:rPr kumimoji="0" lang="nl-BE" sz="1800" b="0" i="0" u="none" strike="noStrike" kern="1200" cap="none" spc="0" normalizeH="0" baseline="0" noProof="0" dirty="0">
-                <a:ln>
-                  <a:noFill/>
-                </a:ln>
-                <a:solidFill>
-                  <a:srgbClr val="000000"/>
-                </a:solidFill>
-                <a:effectLst/>
-                <a:uLnTx/>
-                <a:uFillTx/>
-                <a:latin typeface="Consolas" panose="020B0609020204030204" pitchFamily="49" charset="0"/>
-                <a:ea typeface="+mn-ea"/>
-                <a:cs typeface="Arial" charset="0"/>
-              </a:rPr>
-              <a:t>        {</a:t>
-            </a:r>
-          </a:p>
-          <a:p>
-            <a:pPr marL="0" marR="0" lvl="0" indent="0" algn="l" defTabSz="914400" rtl="0" eaLnBrk="1" fontAlgn="base" latinLnBrk="0" hangingPunct="1">
-              <a:lnSpc>
-                <a:spcPct val="100000"/>
-              </a:lnSpc>
-              <a:spcBef>
-                <a:spcPct val="0"/>
-              </a:spcBef>
-              <a:spcAft>
-                <a:spcPct val="0"/>
-              </a:spcAft>
-              <a:buClrTx/>
-              <a:buSzTx/>
-              <a:buFontTx/>
-              <a:buNone/>
-              <a:tabLst/>
-              <a:defRPr/>
-            </a:pPr>
-            <a:r>
-              <a:rPr kumimoji="0" lang="nl-BE" sz="1800" b="0" i="0" u="none" strike="noStrike" kern="1200" cap="none" spc="0" normalizeH="0" baseline="0" noProof="0" dirty="0">
-                <a:ln>
-                  <a:noFill/>
-                </a:ln>
-                <a:solidFill>
-                  <a:srgbClr val="000000"/>
-                </a:solidFill>
-                <a:effectLst/>
-                <a:uLnTx/>
-                <a:uFillTx/>
-                <a:latin typeface="Consolas" panose="020B0609020204030204" pitchFamily="49" charset="0"/>
-                <a:ea typeface="+mn-ea"/>
-                <a:cs typeface="Arial" charset="0"/>
-              </a:rPr>
-              <a:t>            </a:t>
-            </a:r>
-            <a:r>
-              <a:rPr kumimoji="0" lang="nl-BE" sz="1800" b="0" i="0" u="none" strike="noStrike" kern="1200" cap="none" spc="0" normalizeH="0" baseline="0" noProof="0" dirty="0">
-                <a:ln>
-                  <a:noFill/>
-                </a:ln>
-                <a:solidFill>
-                  <a:srgbClr val="0000FF"/>
-                </a:solidFill>
-                <a:effectLst/>
-                <a:uLnTx/>
-                <a:uFillTx/>
-                <a:latin typeface="Consolas" panose="020B0609020204030204" pitchFamily="49" charset="0"/>
-                <a:ea typeface="+mn-ea"/>
-                <a:cs typeface="Arial" charset="0"/>
+              <a:rPr lang="en-US" dirty="0" err="1"/>
+              <a:t>moeten</a:t>
+            </a:r>
+            <a:r>
+              <a:rPr lang="en-US" dirty="0"/>
+              <a:t> </a:t>
+            </a:r>
+            <a:r>
+              <a:rPr lang="en-US" dirty="0" err="1"/>
+              <a:t>krijgen</a:t>
+            </a:r>
+            <a:r>
+              <a:rPr lang="en-US" dirty="0"/>
+              <a:t> en </a:t>
+            </a:r>
+            <a:r>
+              <a:rPr lang="en-US" dirty="0" err="1"/>
+              <a:t>geven</a:t>
+            </a:r>
+            <a:endParaRPr lang="en-US" dirty="0"/>
+          </a:p>
+          <a:p>
+            <a:endParaRPr lang="en-US" dirty="0"/>
+          </a:p>
+          <a:p>
+            <a:pPr eaLnBrk="1" hangingPunct="1"/>
+            <a:r>
+              <a:rPr lang="en-US" dirty="0"/>
+              <a:t>Properties </a:t>
+            </a:r>
+            <a:r>
+              <a:rPr lang="en-US" dirty="0" err="1"/>
+              <a:t>hebben</a:t>
+            </a:r>
+            <a:r>
+              <a:rPr lang="en-US" dirty="0"/>
+              <a:t> </a:t>
+            </a:r>
+            <a:r>
+              <a:rPr lang="en-US" b="1" dirty="0"/>
+              <a:t>accessors</a:t>
+            </a:r>
+            <a:endParaRPr lang="en-US" dirty="0"/>
+          </a:p>
+          <a:p>
+            <a:pPr lvl="1" eaLnBrk="1" hangingPunct="1"/>
+            <a:r>
+              <a:rPr lang="en-US" b="1" dirty="0">
+                <a:latin typeface="Courier New" pitchFamily="1" charset="0"/>
+              </a:rPr>
+              <a:t>set</a:t>
+            </a:r>
+            <a:r>
+              <a:rPr lang="en-US" b="1" dirty="0"/>
+              <a:t> accessors </a:t>
+            </a:r>
+            <a:r>
+              <a:rPr lang="en-US" dirty="0"/>
+              <a:t>om </a:t>
+            </a:r>
+            <a:r>
+              <a:rPr lang="en-US" dirty="0" err="1"/>
+              <a:t>waarde</a:t>
+            </a:r>
+            <a:r>
+              <a:rPr lang="en-US" dirty="0"/>
+              <a:t> </a:t>
+            </a:r>
+            <a:r>
+              <a:rPr lang="en-US" dirty="0" err="1"/>
+              <a:t>aan</a:t>
+            </a:r>
+            <a:r>
+              <a:rPr lang="en-US" dirty="0"/>
+              <a:t> field </a:t>
+            </a:r>
+            <a:r>
+              <a:rPr lang="en-US" dirty="0" err="1"/>
+              <a:t>te</a:t>
+            </a:r>
+            <a:r>
+              <a:rPr lang="en-US" dirty="0"/>
+              <a:t> </a:t>
+            </a:r>
+            <a:r>
+              <a:rPr lang="en-US" dirty="0" err="1"/>
+              <a:t>geven</a:t>
+            </a:r>
+            <a:endParaRPr lang="en-US" dirty="0"/>
+          </a:p>
+          <a:p>
+            <a:pPr lvl="1" eaLnBrk="1" hangingPunct="1"/>
+            <a:r>
+              <a:rPr lang="en-US" b="1" dirty="0">
+                <a:latin typeface="Courier New" pitchFamily="1" charset="0"/>
               </a:rPr>
               <a:t>get</a:t>
             </a:r>
             <a:r>
-              <a:rPr kumimoji="0" lang="nl-BE" sz="1800" b="0" i="0" u="none" strike="noStrike" kern="1200" cap="none" spc="0" normalizeH="0" baseline="0" noProof="0" dirty="0">
-                <a:ln>
-                  <a:noFill/>
-                </a:ln>
-                <a:solidFill>
-                  <a:srgbClr val="000000"/>
-                </a:solidFill>
-                <a:effectLst/>
-                <a:uLnTx/>
-                <a:uFillTx/>
-                <a:latin typeface="Consolas" panose="020B0609020204030204" pitchFamily="49" charset="0"/>
-                <a:ea typeface="+mn-ea"/>
-                <a:cs typeface="Arial" charset="0"/>
-              </a:rPr>
-              <a:t> { </a:t>
-            </a:r>
-            <a:r>
-              <a:rPr kumimoji="0" lang="nl-BE" sz="1800" b="0" i="0" u="none" strike="noStrike" kern="1200" cap="none" spc="0" normalizeH="0" baseline="0" noProof="0" dirty="0">
-                <a:ln>
-                  <a:noFill/>
-                </a:ln>
-                <a:solidFill>
-                  <a:srgbClr val="0000FF"/>
-                </a:solidFill>
-                <a:effectLst/>
-                <a:uLnTx/>
-                <a:uFillTx/>
-                <a:latin typeface="Consolas" panose="020B0609020204030204" pitchFamily="49" charset="0"/>
-                <a:ea typeface="+mn-ea"/>
-                <a:cs typeface="Arial" charset="0"/>
-              </a:rPr>
-              <a:t>return</a:t>
-            </a:r>
-            <a:r>
-              <a:rPr kumimoji="0" lang="nl-BE" sz="1800" b="0" i="0" u="none" strike="noStrike" kern="1200" cap="none" spc="0" normalizeH="0" baseline="0" noProof="0" dirty="0">
-                <a:ln>
-                  <a:noFill/>
-                </a:ln>
-                <a:solidFill>
-                  <a:srgbClr val="000000"/>
-                </a:solidFill>
-                <a:effectLst/>
-                <a:uLnTx/>
-                <a:uFillTx/>
-                <a:latin typeface="Consolas" panose="020B0609020204030204" pitchFamily="49" charset="0"/>
-                <a:ea typeface="+mn-ea"/>
-                <a:cs typeface="Arial" charset="0"/>
-              </a:rPr>
+              <a:rPr lang="en-US" b="1" dirty="0"/>
+              <a:t> accessors </a:t>
+            </a:r>
+            <a:r>
+              <a:rPr lang="en-US" dirty="0"/>
+              <a:t>om </a:t>
+            </a:r>
+            <a:r>
+              <a:rPr lang="en-US" dirty="0" err="1"/>
+              <a:t>waarde</a:t>
+            </a:r>
+            <a:r>
+              <a:rPr lang="en-US" dirty="0"/>
               <a:t> </a:t>
             </a:r>
             <a:r>
-              <a:rPr kumimoji="0" lang="nl-BE" sz="1800" b="0" i="0" u="none" strike="noStrike" kern="1200" cap="none" spc="0" normalizeH="0" baseline="0" noProof="0" dirty="0">
-                <a:ln>
-                  <a:noFill/>
-                </a:ln>
-                <a:solidFill>
-                  <a:srgbClr val="A31515"/>
-                </a:solidFill>
-                <a:effectLst/>
-                <a:uLnTx/>
-                <a:uFillTx/>
-                <a:latin typeface="Consolas" panose="020B0609020204030204" pitchFamily="49" charset="0"/>
-                <a:ea typeface="+mn-ea"/>
-                <a:cs typeface="Arial" charset="0"/>
-              </a:rPr>
-              <a:t>$"</a:t>
-            </a:r>
-            <a:r>
-              <a:rPr kumimoji="0" lang="nl-BE" sz="1800" b="0" i="0" u="none" strike="noStrike" kern="1200" cap="none" spc="0" normalizeH="0" baseline="0" noProof="0" dirty="0">
-                <a:ln>
-                  <a:noFill/>
-                </a:ln>
-                <a:solidFill>
-                  <a:srgbClr val="000000"/>
-                </a:solidFill>
-                <a:effectLst/>
-                <a:uLnTx/>
-                <a:uFillTx/>
-                <a:latin typeface="Consolas" panose="020B0609020204030204" pitchFamily="49" charset="0"/>
-                <a:ea typeface="+mn-ea"/>
-                <a:cs typeface="Arial" charset="0"/>
-              </a:rPr>
-              <a:t>{voornaam}</a:t>
-            </a:r>
-            <a:r>
-              <a:rPr kumimoji="0" lang="nl-BE" sz="1800" b="0" i="0" u="none" strike="noStrike" kern="1200" cap="none" spc="0" normalizeH="0" baseline="0" noProof="0" dirty="0">
-                <a:ln>
-                  <a:noFill/>
-                </a:ln>
-                <a:solidFill>
-                  <a:srgbClr val="A31515"/>
-                </a:solidFill>
-                <a:effectLst/>
-                <a:uLnTx/>
-                <a:uFillTx/>
-                <a:latin typeface="Consolas" panose="020B0609020204030204" pitchFamily="49" charset="0"/>
-                <a:ea typeface="+mn-ea"/>
-                <a:cs typeface="Arial" charset="0"/>
-              </a:rPr>
+              <a:rPr lang="en-US" dirty="0" err="1"/>
+              <a:t>uit</a:t>
+            </a:r>
+            <a:r>
+              <a:rPr lang="en-US" dirty="0"/>
+              <a:t> field </a:t>
+            </a:r>
+            <a:r>
+              <a:rPr lang="en-US" dirty="0" err="1"/>
+              <a:t>uit</a:t>
+            </a:r>
+            <a:r>
+              <a:rPr lang="en-US" dirty="0"/>
               <a:t> </a:t>
             </a:r>
             <a:r>
-              <a:rPr kumimoji="0" lang="nl-BE" sz="1800" b="0" i="0" u="none" strike="noStrike" kern="1200" cap="none" spc="0" normalizeH="0" baseline="0" noProof="0" dirty="0">
-                <a:ln>
-                  <a:noFill/>
-                </a:ln>
-                <a:solidFill>
-                  <a:srgbClr val="000000"/>
-                </a:solidFill>
-                <a:effectLst/>
-                <a:uLnTx/>
-                <a:uFillTx/>
-                <a:latin typeface="Consolas" panose="020B0609020204030204" pitchFamily="49" charset="0"/>
-                <a:ea typeface="+mn-ea"/>
-                <a:cs typeface="Arial" charset="0"/>
-              </a:rPr>
-              <a:t>{achternaam}</a:t>
-            </a:r>
-            <a:r>
-              <a:rPr kumimoji="0" lang="nl-BE" sz="1800" b="0" i="0" u="none" strike="noStrike" kern="1200" cap="none" spc="0" normalizeH="0" baseline="0" noProof="0" dirty="0">
-                <a:ln>
-                  <a:noFill/>
-                </a:ln>
-                <a:solidFill>
-                  <a:srgbClr val="A31515"/>
-                </a:solidFill>
-                <a:effectLst/>
-                <a:uLnTx/>
-                <a:uFillTx/>
-                <a:latin typeface="Consolas" panose="020B0609020204030204" pitchFamily="49" charset="0"/>
-                <a:ea typeface="+mn-ea"/>
-                <a:cs typeface="Arial" charset="0"/>
-              </a:rPr>
-              <a:t>"</a:t>
-            </a:r>
-            <a:r>
-              <a:rPr kumimoji="0" lang="nl-BE" sz="1800" b="0" i="0" u="none" strike="noStrike" kern="1200" cap="none" spc="0" normalizeH="0" baseline="0" noProof="0" dirty="0">
-                <a:ln>
-                  <a:noFill/>
-                </a:ln>
-                <a:solidFill>
-                  <a:srgbClr val="000000"/>
-                </a:solidFill>
-                <a:effectLst/>
-                <a:uLnTx/>
-                <a:uFillTx/>
-                <a:latin typeface="Consolas" panose="020B0609020204030204" pitchFamily="49" charset="0"/>
-                <a:ea typeface="+mn-ea"/>
-                <a:cs typeface="Arial" charset="0"/>
-              </a:rPr>
-              <a:t>; }</a:t>
-            </a:r>
-          </a:p>
-          <a:p>
-            <a:pPr marL="0" marR="0" lvl="0" indent="0" algn="l" defTabSz="914400" rtl="0" eaLnBrk="1" fontAlgn="base" latinLnBrk="0" hangingPunct="1">
-              <a:lnSpc>
-                <a:spcPct val="100000"/>
-              </a:lnSpc>
-              <a:spcBef>
-                <a:spcPct val="0"/>
-              </a:spcBef>
-              <a:spcAft>
-                <a:spcPct val="0"/>
-              </a:spcAft>
-              <a:buClrTx/>
-              <a:buSzTx/>
-              <a:buFontTx/>
-              <a:buNone/>
-              <a:tabLst/>
-              <a:defRPr/>
-            </a:pPr>
-            <a:r>
-              <a:rPr kumimoji="0" lang="nl-BE" sz="1800" b="0" i="0" u="none" strike="noStrike" kern="1200" cap="none" spc="0" normalizeH="0" baseline="0" noProof="0" dirty="0">
-                <a:ln>
-                  <a:noFill/>
-                </a:ln>
-                <a:solidFill>
-                  <a:srgbClr val="000000"/>
-                </a:solidFill>
-                <a:effectLst/>
-                <a:uLnTx/>
-                <a:uFillTx/>
-                <a:latin typeface="Consolas" panose="020B0609020204030204" pitchFamily="49" charset="0"/>
-                <a:ea typeface="+mn-ea"/>
-                <a:cs typeface="Arial" charset="0"/>
-              </a:rPr>
-              <a:t>        }</a:t>
-            </a:r>
-          </a:p>
-          <a:p>
-            <a:pPr marL="0" marR="0" lvl="0" indent="0" algn="l" defTabSz="914400" rtl="0" eaLnBrk="1" fontAlgn="base" latinLnBrk="0" hangingPunct="1">
-              <a:lnSpc>
-                <a:spcPct val="100000"/>
-              </a:lnSpc>
-              <a:spcBef>
-                <a:spcPct val="0"/>
-              </a:spcBef>
-              <a:spcAft>
-                <a:spcPct val="0"/>
-              </a:spcAft>
-              <a:buClrTx/>
-              <a:buSzTx/>
-              <a:buFontTx/>
-              <a:buNone/>
-              <a:tabLst/>
-              <a:defRPr/>
-            </a:pPr>
-            <a:endParaRPr kumimoji="0" lang="nl-BE" sz="1800" b="0" i="0" u="none" strike="noStrike" kern="1200" cap="none" spc="0" normalizeH="0" baseline="0" noProof="0" dirty="0">
-              <a:ln>
-                <a:noFill/>
-              </a:ln>
-              <a:solidFill>
-                <a:srgbClr val="000000"/>
-              </a:solidFill>
-              <a:effectLst/>
-              <a:uLnTx/>
-              <a:uFillTx/>
-              <a:latin typeface="Consolas" panose="020B0609020204030204" pitchFamily="49" charset="0"/>
-              <a:ea typeface="+mn-ea"/>
-              <a:cs typeface="Arial" charset="0"/>
-            </a:endParaRPr>
-          </a:p>
-          <a:p>
-            <a:pPr marL="0" marR="0" lvl="0" indent="0" algn="l" defTabSz="914400" rtl="0" eaLnBrk="1" fontAlgn="base" latinLnBrk="0" hangingPunct="1">
-              <a:lnSpc>
-                <a:spcPct val="100000"/>
-              </a:lnSpc>
-              <a:spcBef>
-                <a:spcPct val="0"/>
-              </a:spcBef>
-              <a:spcAft>
-                <a:spcPct val="0"/>
-              </a:spcAft>
-              <a:buClrTx/>
-              <a:buSzTx/>
-              <a:buFontTx/>
-              <a:buNone/>
-              <a:tabLst/>
-              <a:defRPr/>
-            </a:pPr>
-            <a:r>
-              <a:rPr kumimoji="0" lang="nl-BE" sz="1800" b="0" i="0" u="none" strike="noStrike" kern="1200" cap="none" spc="0" normalizeH="0" baseline="0" noProof="0" dirty="0">
-                <a:ln>
-                  <a:noFill/>
-                </a:ln>
-                <a:solidFill>
-                  <a:srgbClr val="000000"/>
-                </a:solidFill>
-                <a:effectLst/>
-                <a:uLnTx/>
-                <a:uFillTx/>
-                <a:latin typeface="Consolas" panose="020B0609020204030204" pitchFamily="49" charset="0"/>
-                <a:ea typeface="+mn-ea"/>
-                <a:cs typeface="Arial" charset="0"/>
-              </a:rPr>
-              <a:t>        </a:t>
-            </a:r>
-            <a:r>
-              <a:rPr kumimoji="0" lang="nl-BE" sz="1800" b="0" i="0" u="none" strike="noStrike" kern="1200" cap="none" spc="0" normalizeH="0" baseline="0" noProof="0" dirty="0">
-                <a:ln>
-                  <a:noFill/>
-                </a:ln>
-                <a:solidFill>
-                  <a:srgbClr val="0000FF"/>
-                </a:solidFill>
-                <a:effectLst/>
-                <a:uLnTx/>
-                <a:uFillTx/>
-                <a:latin typeface="Consolas" panose="020B0609020204030204" pitchFamily="49" charset="0"/>
-                <a:ea typeface="+mn-ea"/>
-                <a:cs typeface="Arial" charset="0"/>
-              </a:rPr>
-              <a:t>public</a:t>
-            </a:r>
-            <a:r>
-              <a:rPr kumimoji="0" lang="nl-BE" sz="1800" b="0" i="0" u="none" strike="noStrike" kern="1200" cap="none" spc="0" normalizeH="0" baseline="0" noProof="0" dirty="0">
-                <a:ln>
-                  <a:noFill/>
-                </a:ln>
-                <a:solidFill>
-                  <a:srgbClr val="000000"/>
-                </a:solidFill>
-                <a:effectLst/>
-                <a:uLnTx/>
-                <a:uFillTx/>
-                <a:latin typeface="Consolas" panose="020B0609020204030204" pitchFamily="49" charset="0"/>
-                <a:ea typeface="+mn-ea"/>
-                <a:cs typeface="Arial" charset="0"/>
-              </a:rPr>
+              <a:rPr lang="en-US" dirty="0" err="1"/>
+              <a:t>te</a:t>
+            </a:r>
+            <a:r>
+              <a:rPr lang="en-US" dirty="0"/>
               <a:t> </a:t>
             </a:r>
             <a:r>
-              <a:rPr kumimoji="0" lang="nl-BE" sz="1800" b="0" i="0" u="none" strike="noStrike" kern="1200" cap="none" spc="0" normalizeH="0" baseline="0" noProof="0" dirty="0">
-                <a:ln>
-                  <a:noFill/>
-                </a:ln>
-                <a:solidFill>
-                  <a:srgbClr val="0000FF"/>
-                </a:solidFill>
-                <a:effectLst/>
-                <a:uLnTx/>
-                <a:uFillTx/>
-                <a:latin typeface="Consolas" panose="020B0609020204030204" pitchFamily="49" charset="0"/>
-                <a:ea typeface="+mn-ea"/>
-                <a:cs typeface="Arial" charset="0"/>
-              </a:rPr>
-              <a:t>string</a:t>
-            </a:r>
-            <a:r>
-              <a:rPr kumimoji="0" lang="nl-BE" sz="1800" b="0" i="0" u="none" strike="noStrike" kern="1200" cap="none" spc="0" normalizeH="0" baseline="0" noProof="0" dirty="0">
-                <a:ln>
-                  <a:noFill/>
-                </a:ln>
-                <a:solidFill>
-                  <a:srgbClr val="000000"/>
-                </a:solidFill>
-                <a:effectLst/>
-                <a:uLnTx/>
-                <a:uFillTx/>
-                <a:latin typeface="Consolas" panose="020B0609020204030204" pitchFamily="49" charset="0"/>
-                <a:ea typeface="+mn-ea"/>
-                <a:cs typeface="Arial" charset="0"/>
-              </a:rPr>
-              <a:t> Email</a:t>
-            </a:r>
-          </a:p>
-          <a:p>
-            <a:pPr marL="0" marR="0" lvl="0" indent="0" algn="l" defTabSz="914400" rtl="0" eaLnBrk="1" fontAlgn="base" latinLnBrk="0" hangingPunct="1">
-              <a:lnSpc>
-                <a:spcPct val="100000"/>
-              </a:lnSpc>
-              <a:spcBef>
-                <a:spcPct val="0"/>
-              </a:spcBef>
-              <a:spcAft>
-                <a:spcPct val="0"/>
-              </a:spcAft>
-              <a:buClrTx/>
-              <a:buSzTx/>
-              <a:buFontTx/>
-              <a:buNone/>
-              <a:tabLst/>
-              <a:defRPr/>
-            </a:pPr>
-            <a:r>
-              <a:rPr kumimoji="0" lang="nl-BE" sz="1800" b="0" i="0" u="none" strike="noStrike" kern="1200" cap="none" spc="0" normalizeH="0" baseline="0" noProof="0" dirty="0">
-                <a:ln>
-                  <a:noFill/>
-                </a:ln>
-                <a:solidFill>
-                  <a:srgbClr val="000000"/>
-                </a:solidFill>
-                <a:effectLst/>
-                <a:uLnTx/>
-                <a:uFillTx/>
-                <a:latin typeface="Consolas" panose="020B0609020204030204" pitchFamily="49" charset="0"/>
-                <a:ea typeface="+mn-ea"/>
-                <a:cs typeface="Arial" charset="0"/>
-              </a:rPr>
-              <a:t>        {</a:t>
-            </a:r>
-          </a:p>
-          <a:p>
-            <a:pPr marL="0" marR="0" lvl="0" indent="0" algn="l" defTabSz="914400" rtl="0" eaLnBrk="1" fontAlgn="base" latinLnBrk="0" hangingPunct="1">
-              <a:lnSpc>
-                <a:spcPct val="100000"/>
-              </a:lnSpc>
-              <a:spcBef>
-                <a:spcPct val="0"/>
-              </a:spcBef>
-              <a:spcAft>
-                <a:spcPct val="0"/>
-              </a:spcAft>
-              <a:buClrTx/>
-              <a:buSzTx/>
-              <a:buFontTx/>
-              <a:buNone/>
-              <a:tabLst/>
-              <a:defRPr/>
-            </a:pPr>
-            <a:r>
-              <a:rPr kumimoji="0" lang="nl-BE" sz="1800" b="0" i="0" u="none" strike="noStrike" kern="1200" cap="none" spc="0" normalizeH="0" baseline="0" noProof="0" dirty="0">
-                <a:ln>
-                  <a:noFill/>
-                </a:ln>
-                <a:solidFill>
-                  <a:srgbClr val="000000"/>
-                </a:solidFill>
-                <a:effectLst/>
-                <a:uLnTx/>
-                <a:uFillTx/>
-                <a:latin typeface="Consolas" panose="020B0609020204030204" pitchFamily="49" charset="0"/>
-                <a:ea typeface="+mn-ea"/>
-                <a:cs typeface="Arial" charset="0"/>
-              </a:rPr>
-              <a:t>            </a:t>
-            </a:r>
-            <a:r>
-              <a:rPr kumimoji="0" lang="nl-BE" sz="1800" b="0" i="0" u="none" strike="noStrike" kern="1200" cap="none" spc="0" normalizeH="0" baseline="0" noProof="0" dirty="0">
-                <a:ln>
-                  <a:noFill/>
-                </a:ln>
-                <a:solidFill>
-                  <a:srgbClr val="0000FF"/>
-                </a:solidFill>
-                <a:effectLst/>
-                <a:uLnTx/>
-                <a:uFillTx/>
-                <a:latin typeface="Consolas" panose="020B0609020204030204" pitchFamily="49" charset="0"/>
-                <a:ea typeface="+mn-ea"/>
-                <a:cs typeface="Arial" charset="0"/>
-              </a:rPr>
-              <a:t>get</a:t>
-            </a:r>
-            <a:endParaRPr kumimoji="0" lang="nl-BE" sz="1800" b="0" i="0" u="none" strike="noStrike" kern="1200" cap="none" spc="0" normalizeH="0" baseline="0" noProof="0" dirty="0">
-              <a:ln>
-                <a:noFill/>
-              </a:ln>
-              <a:solidFill>
-                <a:srgbClr val="000000"/>
-              </a:solidFill>
-              <a:effectLst/>
-              <a:uLnTx/>
-              <a:uFillTx/>
-              <a:latin typeface="Consolas" panose="020B0609020204030204" pitchFamily="49" charset="0"/>
-              <a:ea typeface="+mn-ea"/>
-              <a:cs typeface="Arial" charset="0"/>
-            </a:endParaRPr>
-          </a:p>
-          <a:p>
-            <a:pPr marL="0" marR="0" lvl="0" indent="0" algn="l" defTabSz="914400" rtl="0" eaLnBrk="1" fontAlgn="base" latinLnBrk="0" hangingPunct="1">
-              <a:lnSpc>
-                <a:spcPct val="100000"/>
-              </a:lnSpc>
-              <a:spcBef>
-                <a:spcPct val="0"/>
-              </a:spcBef>
-              <a:spcAft>
-                <a:spcPct val="0"/>
-              </a:spcAft>
-              <a:buClrTx/>
-              <a:buSzTx/>
-              <a:buFontTx/>
-              <a:buNone/>
-              <a:tabLst/>
-              <a:defRPr/>
-            </a:pPr>
-            <a:r>
-              <a:rPr kumimoji="0" lang="nl-BE" sz="1800" b="0" i="0" u="none" strike="noStrike" kern="1200" cap="none" spc="0" normalizeH="0" baseline="0" noProof="0" dirty="0">
-                <a:ln>
-                  <a:noFill/>
-                </a:ln>
-                <a:solidFill>
-                  <a:srgbClr val="000000"/>
-                </a:solidFill>
-                <a:effectLst/>
-                <a:uLnTx/>
-                <a:uFillTx/>
-                <a:latin typeface="Consolas" panose="020B0609020204030204" pitchFamily="49" charset="0"/>
-                <a:ea typeface="+mn-ea"/>
-                <a:cs typeface="Arial" charset="0"/>
-              </a:rPr>
-              <a:t>            {</a:t>
-            </a:r>
-          </a:p>
-          <a:p>
-            <a:pPr marL="0" marR="0" lvl="0" indent="0" algn="l" defTabSz="914400" rtl="0" eaLnBrk="1" fontAlgn="base" latinLnBrk="0" hangingPunct="1">
-              <a:lnSpc>
-                <a:spcPct val="100000"/>
-              </a:lnSpc>
-              <a:spcBef>
-                <a:spcPct val="0"/>
-              </a:spcBef>
-              <a:spcAft>
-                <a:spcPct val="0"/>
-              </a:spcAft>
-              <a:buClrTx/>
-              <a:buSzTx/>
-              <a:buFontTx/>
-              <a:buNone/>
-              <a:tabLst/>
-              <a:defRPr/>
-            </a:pPr>
-            <a:r>
-              <a:rPr kumimoji="0" lang="en-US" sz="1800" b="0" i="0" u="none" strike="noStrike" kern="1200" cap="none" spc="0" normalizeH="0" baseline="0" noProof="0" dirty="0">
-                <a:ln>
-                  <a:noFill/>
-                </a:ln>
-                <a:solidFill>
-                  <a:srgbClr val="000000"/>
-                </a:solidFill>
-                <a:effectLst/>
-                <a:uLnTx/>
-                <a:uFillTx/>
-                <a:latin typeface="Consolas" panose="020B0609020204030204" pitchFamily="49" charset="0"/>
-                <a:ea typeface="+mn-ea"/>
-                <a:cs typeface="Arial" charset="0"/>
-              </a:rPr>
-              <a:t>                </a:t>
-            </a:r>
-            <a:r>
-              <a:rPr kumimoji="0" lang="en-US" sz="1800" b="0" i="0" u="none" strike="noStrike" kern="1200" cap="none" spc="0" normalizeH="0" baseline="0" noProof="0" dirty="0">
-                <a:ln>
-                  <a:noFill/>
-                </a:ln>
-                <a:solidFill>
-                  <a:srgbClr val="0000FF"/>
-                </a:solidFill>
-                <a:effectLst/>
-                <a:uLnTx/>
-                <a:uFillTx/>
-                <a:latin typeface="Consolas" panose="020B0609020204030204" pitchFamily="49" charset="0"/>
-                <a:ea typeface="+mn-ea"/>
-                <a:cs typeface="Arial" charset="0"/>
-              </a:rPr>
-              <a:t>return</a:t>
-            </a:r>
-            <a:r>
-              <a:rPr kumimoji="0" lang="en-US" sz="1800" b="0" i="0" u="none" strike="noStrike" kern="1200" cap="none" spc="0" normalizeH="0" baseline="0" noProof="0" dirty="0">
-                <a:ln>
-                  <a:noFill/>
-                </a:ln>
-                <a:solidFill>
-                  <a:srgbClr val="000000"/>
-                </a:solidFill>
-                <a:effectLst/>
-                <a:uLnTx/>
-                <a:uFillTx/>
-                <a:latin typeface="Consolas" panose="020B0609020204030204" pitchFamily="49" charset="0"/>
-                <a:ea typeface="+mn-ea"/>
-                <a:cs typeface="Arial" charset="0"/>
-              </a:rPr>
-              <a:t> </a:t>
-            </a:r>
-            <a:r>
-              <a:rPr kumimoji="0" lang="en-US" sz="1800" b="0" i="0" u="none" strike="noStrike" kern="1200" cap="none" spc="0" normalizeH="0" baseline="0" noProof="0" dirty="0">
-                <a:ln>
-                  <a:noFill/>
-                </a:ln>
-                <a:solidFill>
-                  <a:srgbClr val="A31515"/>
-                </a:solidFill>
-                <a:effectLst/>
-                <a:uLnTx/>
-                <a:uFillTx/>
-                <a:latin typeface="Consolas" panose="020B0609020204030204" pitchFamily="49" charset="0"/>
-                <a:ea typeface="+mn-ea"/>
-                <a:cs typeface="Arial" charset="0"/>
-              </a:rPr>
-              <a:t>$"</a:t>
-            </a:r>
-            <a:r>
-              <a:rPr kumimoji="0" lang="en-US" sz="1800" b="0" i="0" u="none" strike="noStrike" kern="1200" cap="none" spc="0" normalizeH="0" baseline="0" noProof="0" dirty="0">
-                <a:ln>
-                  <a:noFill/>
-                </a:ln>
-                <a:solidFill>
-                  <a:srgbClr val="000000"/>
-                </a:solidFill>
-                <a:effectLst/>
-                <a:uLnTx/>
-                <a:uFillTx/>
-                <a:latin typeface="Consolas" panose="020B0609020204030204" pitchFamily="49" charset="0"/>
-                <a:ea typeface="+mn-ea"/>
-                <a:cs typeface="Arial" charset="0"/>
-              </a:rPr>
-              <a:t>{</a:t>
-            </a:r>
-            <a:r>
-              <a:rPr kumimoji="0" lang="en-US" sz="1800" b="0" i="0" u="none" strike="noStrike" kern="1200" cap="none" spc="0" normalizeH="0" baseline="0" noProof="0" dirty="0" err="1">
-                <a:ln>
-                  <a:noFill/>
-                </a:ln>
-                <a:solidFill>
-                  <a:srgbClr val="000000"/>
-                </a:solidFill>
-                <a:effectLst/>
-                <a:uLnTx/>
-                <a:uFillTx/>
-                <a:latin typeface="Consolas" panose="020B0609020204030204" pitchFamily="49" charset="0"/>
-                <a:ea typeface="+mn-ea"/>
-                <a:cs typeface="Arial" charset="0"/>
-              </a:rPr>
-              <a:t>voornaam</a:t>
-            </a:r>
-            <a:r>
-              <a:rPr kumimoji="0" lang="en-US" sz="1800" b="0" i="0" u="none" strike="noStrike" kern="1200" cap="none" spc="0" normalizeH="0" baseline="0" noProof="0" dirty="0">
-                <a:ln>
-                  <a:noFill/>
-                </a:ln>
-                <a:solidFill>
-                  <a:srgbClr val="000000"/>
-                </a:solidFill>
-                <a:effectLst/>
-                <a:uLnTx/>
-                <a:uFillTx/>
-                <a:latin typeface="Consolas" panose="020B0609020204030204" pitchFamily="49" charset="0"/>
-                <a:ea typeface="+mn-ea"/>
-                <a:cs typeface="Arial" charset="0"/>
-              </a:rPr>
-              <a:t>}</a:t>
-            </a:r>
-            <a:r>
-              <a:rPr kumimoji="0" lang="en-US" sz="1800" b="0" i="0" u="none" strike="noStrike" kern="1200" cap="none" spc="0" normalizeH="0" baseline="0" noProof="0" dirty="0">
-                <a:ln>
-                  <a:noFill/>
-                </a:ln>
-                <a:solidFill>
-                  <a:srgbClr val="A31515"/>
-                </a:solidFill>
-                <a:effectLst/>
-                <a:uLnTx/>
-                <a:uFillTx/>
-                <a:latin typeface="Consolas" panose="020B0609020204030204" pitchFamily="49" charset="0"/>
-                <a:ea typeface="+mn-ea"/>
-                <a:cs typeface="Arial" charset="0"/>
-              </a:rPr>
-              <a:t>.</a:t>
-            </a:r>
-            <a:r>
-              <a:rPr kumimoji="0" lang="en-US" sz="1800" b="0" i="0" u="none" strike="noStrike" kern="1200" cap="none" spc="0" normalizeH="0" baseline="0" noProof="0" dirty="0">
-                <a:ln>
-                  <a:noFill/>
-                </a:ln>
-                <a:solidFill>
-                  <a:srgbClr val="000000"/>
-                </a:solidFill>
-                <a:effectLst/>
-                <a:uLnTx/>
-                <a:uFillTx/>
-                <a:latin typeface="Consolas" panose="020B0609020204030204" pitchFamily="49" charset="0"/>
-                <a:ea typeface="+mn-ea"/>
-                <a:cs typeface="Arial" charset="0"/>
-              </a:rPr>
-              <a:t>{</a:t>
-            </a:r>
-            <a:r>
-              <a:rPr kumimoji="0" lang="en-US" sz="1800" b="0" i="0" u="none" strike="noStrike" kern="1200" cap="none" spc="0" normalizeH="0" baseline="0" noProof="0" dirty="0" err="1">
-                <a:ln>
-                  <a:noFill/>
-                </a:ln>
-                <a:solidFill>
-                  <a:srgbClr val="000000"/>
-                </a:solidFill>
-                <a:effectLst/>
-                <a:uLnTx/>
-                <a:uFillTx/>
-                <a:latin typeface="Consolas" panose="020B0609020204030204" pitchFamily="49" charset="0"/>
-                <a:ea typeface="+mn-ea"/>
-                <a:cs typeface="Arial" charset="0"/>
-              </a:rPr>
-              <a:t>achternaam</a:t>
-            </a:r>
-            <a:r>
-              <a:rPr kumimoji="0" lang="en-US" sz="1800" b="0" i="0" u="none" strike="noStrike" kern="1200" cap="none" spc="0" normalizeH="0" baseline="0" noProof="0" dirty="0">
-                <a:ln>
-                  <a:noFill/>
-                </a:ln>
-                <a:solidFill>
-                  <a:srgbClr val="000000"/>
-                </a:solidFill>
-                <a:effectLst/>
-                <a:uLnTx/>
-                <a:uFillTx/>
-                <a:latin typeface="Consolas" panose="020B0609020204030204" pitchFamily="49" charset="0"/>
-                <a:ea typeface="+mn-ea"/>
-                <a:cs typeface="Arial" charset="0"/>
-              </a:rPr>
-              <a:t>}</a:t>
-            </a:r>
-            <a:r>
-              <a:rPr kumimoji="0" lang="en-US" sz="1800" b="0" i="0" u="none" strike="noStrike" kern="1200" cap="none" spc="0" normalizeH="0" baseline="0" noProof="0" dirty="0">
-                <a:ln>
-                  <a:noFill/>
-                </a:ln>
-                <a:solidFill>
-                  <a:srgbClr val="A31515"/>
-                </a:solidFill>
-                <a:effectLst/>
-                <a:uLnTx/>
-                <a:uFillTx/>
-                <a:latin typeface="Consolas" panose="020B0609020204030204" pitchFamily="49" charset="0"/>
-                <a:ea typeface="+mn-ea"/>
-                <a:cs typeface="Arial" charset="0"/>
-              </a:rPr>
-              <a:t>@ap.be"</a:t>
-            </a:r>
-            <a:r>
-              <a:rPr kumimoji="0" lang="en-US" sz="1800" b="0" i="0" u="none" strike="noStrike" kern="1200" cap="none" spc="0" normalizeH="0" baseline="0" noProof="0" dirty="0">
-                <a:ln>
-                  <a:noFill/>
-                </a:ln>
-                <a:solidFill>
-                  <a:srgbClr val="000000"/>
-                </a:solidFill>
-                <a:effectLst/>
-                <a:uLnTx/>
-                <a:uFillTx/>
-                <a:latin typeface="Consolas" panose="020B0609020204030204" pitchFamily="49" charset="0"/>
-                <a:ea typeface="+mn-ea"/>
-                <a:cs typeface="Arial" charset="0"/>
-              </a:rPr>
-              <a:t>;</a:t>
-            </a:r>
-          </a:p>
-          <a:p>
-            <a:pPr marL="0" marR="0" lvl="0" indent="0" algn="l" defTabSz="914400" rtl="0" eaLnBrk="1" fontAlgn="base" latinLnBrk="0" hangingPunct="1">
-              <a:lnSpc>
-                <a:spcPct val="100000"/>
-              </a:lnSpc>
-              <a:spcBef>
-                <a:spcPct val="0"/>
-              </a:spcBef>
-              <a:spcAft>
-                <a:spcPct val="0"/>
-              </a:spcAft>
-              <a:buClrTx/>
-              <a:buSzTx/>
-              <a:buFontTx/>
-              <a:buNone/>
-              <a:tabLst/>
-              <a:defRPr/>
-            </a:pPr>
-            <a:r>
-              <a:rPr kumimoji="0" lang="nl-BE" sz="1800" b="0" i="0" u="none" strike="noStrike" kern="1200" cap="none" spc="0" normalizeH="0" baseline="0" noProof="0" dirty="0">
-                <a:ln>
-                  <a:noFill/>
-                </a:ln>
-                <a:solidFill>
-                  <a:srgbClr val="000000"/>
-                </a:solidFill>
-                <a:effectLst/>
-                <a:uLnTx/>
-                <a:uFillTx/>
-                <a:latin typeface="Consolas" panose="020B0609020204030204" pitchFamily="49" charset="0"/>
-                <a:ea typeface="+mn-ea"/>
-                <a:cs typeface="Arial" charset="0"/>
-              </a:rPr>
-              <a:t>            }</a:t>
-            </a:r>
-          </a:p>
-          <a:p>
-            <a:pPr marL="0" marR="0" lvl="0" indent="0" algn="l" defTabSz="914400" rtl="0" eaLnBrk="1" fontAlgn="base" latinLnBrk="0" hangingPunct="1">
-              <a:lnSpc>
-                <a:spcPct val="100000"/>
-              </a:lnSpc>
-              <a:spcBef>
-                <a:spcPct val="0"/>
-              </a:spcBef>
-              <a:spcAft>
-                <a:spcPct val="0"/>
-              </a:spcAft>
-              <a:buClrTx/>
-              <a:buSzTx/>
-              <a:buFontTx/>
-              <a:buNone/>
-              <a:tabLst/>
-              <a:defRPr/>
-            </a:pPr>
-            <a:r>
-              <a:rPr kumimoji="0" lang="nl-BE" sz="1800" b="0" i="0" u="none" strike="noStrike" kern="1200" cap="none" spc="0" normalizeH="0" baseline="0" noProof="0" dirty="0">
-                <a:ln>
-                  <a:noFill/>
-                </a:ln>
-                <a:solidFill>
-                  <a:srgbClr val="000000"/>
-                </a:solidFill>
-                <a:effectLst/>
-                <a:uLnTx/>
-                <a:uFillTx/>
-                <a:latin typeface="Consolas" panose="020B0609020204030204" pitchFamily="49" charset="0"/>
-                <a:ea typeface="+mn-ea"/>
-                <a:cs typeface="Arial" charset="0"/>
-              </a:rPr>
-              <a:t>        }</a:t>
-            </a:r>
-            <a:endParaRPr kumimoji="0" lang="nl-BE" sz="1800" b="0" i="0" u="none" strike="noStrike" kern="1200" cap="none" spc="0" normalizeH="0" baseline="0" noProof="0" dirty="0">
-              <a:ln>
-                <a:noFill/>
-              </a:ln>
-              <a:solidFill>
-                <a:prstClr val="black"/>
-              </a:solidFill>
-              <a:effectLst/>
-              <a:uLnTx/>
-              <a:uFillTx/>
-              <a:latin typeface="Arial" charset="0"/>
-              <a:ea typeface="+mn-ea"/>
-              <a:cs typeface="Arial" charset="0"/>
-            </a:endParaRPr>
+              <a:rPr lang="en-US" dirty="0" err="1"/>
+              <a:t>lezen</a:t>
+            </a:r>
+            <a:endParaRPr lang="en-US" dirty="0"/>
+          </a:p>
+          <a:p>
+            <a:pPr lvl="1" eaLnBrk="1" hangingPunct="1"/>
+            <a:endParaRPr lang="en-US" dirty="0"/>
+          </a:p>
+          <a:p>
+            <a:r>
+              <a:rPr lang="en-US" dirty="0"/>
+              <a:t>Full Property: property met </a:t>
+            </a:r>
+            <a:r>
+              <a:rPr lang="en-US" dirty="0" err="1"/>
+              <a:t>onderliggende</a:t>
+            </a:r>
+            <a:r>
+              <a:rPr lang="en-US" dirty="0"/>
+              <a:t> code</a:t>
+            </a:r>
+          </a:p>
+          <a:p>
+            <a:r>
+              <a:rPr lang="en-US" dirty="0" err="1"/>
+              <a:t>Autoproperty</a:t>
+            </a:r>
+            <a:r>
+              <a:rPr lang="en-US" dirty="0"/>
+              <a:t>: “basic” property, </a:t>
+            </a:r>
+            <a:r>
+              <a:rPr lang="en-US" dirty="0" err="1"/>
+              <a:t>zonder</a:t>
+            </a:r>
+            <a:r>
+              <a:rPr lang="en-US" dirty="0"/>
+              <a:t> extra code/</a:t>
+            </a:r>
+            <a:r>
+              <a:rPr lang="en-US" dirty="0" err="1"/>
+              <a:t>controle</a:t>
+            </a:r>
+            <a:endParaRPr lang="en-US" dirty="0"/>
           </a:p>
         </p:txBody>
       </p:sp>
     </p:spTree>
     <p:extLst>
       <p:ext uri="{BB962C8B-B14F-4D97-AF65-F5344CB8AC3E}">
-        <p14:creationId xmlns:p14="http://schemas.microsoft.com/office/powerpoint/2010/main" val="1469230973"/>
+        <p14:creationId xmlns:p14="http://schemas.microsoft.com/office/powerpoint/2010/main" val="1745068991"/>
       </p:ext>
     </p:extLst>
   </p:cSld>
@@ -22279,7 +22268,7 @@
 </file>
 
 <file path=ppt/slides/slide5.xml><?xml version="1.0" encoding="utf-8"?>
-<p:sld xmlns:a="http://schemas.openxmlformats.org/drawingml/2006/main" xmlns:r="http://schemas.openxmlformats.org/officeDocument/2006/relationships" xmlns:p="http://schemas.openxmlformats.org/presentationml/2006/main">
+<p:sld xmlns:a="http://schemas.openxmlformats.org/drawingml/2006/main" xmlns:r="http://schemas.openxmlformats.org/officeDocument/2006/relationships" xmlns:p="http://schemas.openxmlformats.org/presentationml/2006/main" show="0">
   <p:cSld>
     <p:spTree>
       <p:nvGrpSpPr>
@@ -22346,12 +22335,8 @@
           <a:lstStyle/>
           <a:p>
             <a:r>
-              <a:rPr lang="en-IE" dirty="0" err="1"/>
-              <a:t>Merk</a:t>
-            </a:r>
-            <a:r>
               <a:rPr lang="en-IE" dirty="0"/>
-              <a:t> op </a:t>
+              <a:t>Merk op </a:t>
             </a:r>
             <a:r>
               <a:rPr lang="en-IE" dirty="0" err="1"/>
@@ -22367,7 +22352,15 @@
             </a:r>
             <a:r>
               <a:rPr lang="en-IE" dirty="0"/>
-              <a:t>:</a:t>
+              <a:t> (=</a:t>
+            </a:r>
+            <a:r>
+              <a:rPr lang="en-IE" dirty="0" err="1"/>
+              <a:t>instantievariabele</a:t>
+            </a:r>
+            <a:r>
+              <a:rPr lang="en-IE" dirty="0"/>
+              <a:t>):</a:t>
             </a:r>
           </a:p>
           <a:p>
@@ -22812,7 +22805,7 @@
 </file>
 
 <file path=ppt/slides/slide6.xml><?xml version="1.0" encoding="utf-8"?>
-<p:sld xmlns:a="http://schemas.openxmlformats.org/drawingml/2006/main" xmlns:r="http://schemas.openxmlformats.org/officeDocument/2006/relationships" xmlns:p="http://schemas.openxmlformats.org/presentationml/2006/main">
+<p:sld xmlns:a="http://schemas.openxmlformats.org/drawingml/2006/main" xmlns:r="http://schemas.openxmlformats.org/officeDocument/2006/relationships" xmlns:p="http://schemas.openxmlformats.org/presentationml/2006/main" show="0">
   <p:cSld>
     <p:spTree>
       <p:nvGrpSpPr>
@@ -23295,7 +23288,15 @@
             </a:r>
             <a:r>
               <a:rPr lang="en-IE" dirty="0"/>
-              <a:t> tot private fields </a:t>
+              <a:t> tot </a:t>
+            </a:r>
+            <a:r>
+              <a:rPr lang="en-IE" dirty="0" err="1"/>
+              <a:t>instantievariabelen</a:t>
+            </a:r>
+            <a:r>
+              <a:rPr lang="en-IE" dirty="0"/>
+              <a:t> </a:t>
             </a:r>
             <a:r>
               <a:rPr lang="en-IE" dirty="0" err="1"/>
@@ -25053,7 +25054,7 @@
         </p:nvSpPr>
         <p:spPr bwMode="auto">
           <a:xfrm>
-            <a:off x="5152261" y="4769926"/>
+            <a:off x="242682" y="4644091"/>
             <a:ext cx="545992" cy="268919"/>
           </a:xfrm>
           <a:prstGeom prst="rect">
@@ -25183,7 +25184,7 @@
                 <a:ea typeface="+mn-ea"/>
                 <a:cs typeface="Arial" charset="0"/>
               </a:rPr>
-              <a:t>Set</a:t>
+              <a:t>Get</a:t>
             </a:r>
           </a:p>
         </p:txBody>
@@ -25332,7 +25333,7 @@
                 <a:ea typeface="+mn-ea"/>
                 <a:cs typeface="Arial" charset="0"/>
               </a:rPr>
-              <a:t>Get</a:t>
+              <a:t>Set</a:t>
             </a:r>
           </a:p>
         </p:txBody>
